--- a/files/admin-guide/SAC-admin-guide-markdown.pptx
+++ b/files/admin-guide/SAC-admin-guide-markdown.pptx
@@ -5,10 +5,27 @@
     <p:sldMasterId id="2147483648" r:id="rId1"/>
   </p:sldMasterIdLst>
   <p:notesMasterIdLst>
-    <p:notesMasterId r:id="rId3"/>
+    <p:notesMasterId r:id="rId20"/>
   </p:notesMasterIdLst>
   <p:sldIdLst>
     <p:sldId id="256" r:id="rId2"/>
+    <p:sldId id="258" r:id="rId3"/>
+    <p:sldId id="259" r:id="rId4"/>
+    <p:sldId id="261" r:id="rId5"/>
+    <p:sldId id="260" r:id="rId6"/>
+    <p:sldId id="262" r:id="rId7"/>
+    <p:sldId id="263" r:id="rId8"/>
+    <p:sldId id="265" r:id="rId9"/>
+    <p:sldId id="274" r:id="rId10"/>
+    <p:sldId id="273" r:id="rId11"/>
+    <p:sldId id="275" r:id="rId12"/>
+    <p:sldId id="272" r:id="rId13"/>
+    <p:sldId id="268" r:id="rId14"/>
+    <p:sldId id="270" r:id="rId15"/>
+    <p:sldId id="269" r:id="rId16"/>
+    <p:sldId id="271" r:id="rId17"/>
+    <p:sldId id="276" r:id="rId18"/>
+    <p:sldId id="278" r:id="rId19"/>
   </p:sldIdLst>
   <p:sldSz cx="12192000" cy="6858000"/>
   <p:notesSz cx="6858000" cy="9144000"/>
@@ -220,7 +237,7 @@
           <a:p>
             <a:fld id="{E423CC32-96CD-44F0-8162-1CACD40F9286}" type="datetimeFigureOut">
               <a:rPr lang="en-SG" smtClean="0"/>
-              <a:t>28/6/2019</a:t>
+              <a:t>1/7/2019</a:t>
             </a:fld>
             <a:endParaRPr lang="en-SG"/>
           </a:p>
@@ -2293,11 +2310,7 @@
           <a:p>
             <a:r>
               <a:rPr lang="en-US" dirty="0" smtClean="0"/>
-              <a:t>Admin Guide for Revamped Website </a:t>
-            </a:r>
-            <a:r>
-              <a:rPr lang="en-US" dirty="0" smtClean="0"/>
-              <a:t>– Markdown Usage</a:t>
+              <a:t>Admin Guide for Revamped Website – Markdown Usage</a:t>
             </a:r>
             <a:endParaRPr lang="en-US" dirty="0"/>
           </a:p>
@@ -2875,6 +2888,7023 @@
     <p:extLst>
       <p:ext uri="{BB962C8B-B14F-4D97-AF65-F5344CB8AC3E}">
         <p14:creationId xmlns:p14="http://schemas.microsoft.com/office/powerpoint/2010/main" val="2246964711"/>
+      </p:ext>
+    </p:extLst>
+  </p:cSld>
+  <p:clrMapOvr>
+    <a:masterClrMapping/>
+  </p:clrMapOvr>
+  <p:timing>
+    <p:tnLst>
+      <p:par>
+        <p:cTn id="1" dur="indefinite" restart="never" nodeType="tmRoot"/>
+      </p:par>
+    </p:tnLst>
+  </p:timing>
+</p:sld>
+</file>
+
+<file path=ppt/slides/slide10.xml><?xml version="1.0" encoding="utf-8"?>
+<p:sld xmlns:a="http://schemas.openxmlformats.org/drawingml/2006/main" xmlns:r="http://schemas.openxmlformats.org/officeDocument/2006/relationships" xmlns:p="http://schemas.openxmlformats.org/presentationml/2006/main">
+  <p:cSld>
+    <p:spTree>
+      <p:nvGrpSpPr>
+        <p:cNvPr id="1" name=""/>
+        <p:cNvGrpSpPr/>
+        <p:nvPr/>
+      </p:nvGrpSpPr>
+      <p:grpSpPr>
+        <a:xfrm>
+          <a:off x="0" y="0"/>
+          <a:ext cx="0" cy="0"/>
+          <a:chOff x="0" y="0"/>
+          <a:chExt cx="0" cy="0"/>
+        </a:xfrm>
+      </p:grpSpPr>
+      <p:sp>
+        <p:nvSpPr>
+          <p:cNvPr id="4" name="Title 3"/>
+          <p:cNvSpPr>
+            <a:spLocks noGrp="1"/>
+          </p:cNvSpPr>
+          <p:nvPr>
+            <p:ph type="title"/>
+          </p:nvPr>
+        </p:nvSpPr>
+        <p:spPr/>
+        <p:txBody>
+          <a:bodyPr/>
+          <a:lstStyle/>
+          <a:p>
+            <a:r>
+              <a:rPr lang="en-US" dirty="0"/>
+              <a:t>Adding word, pdf, excel etc. document link</a:t>
+            </a:r>
+            <a:endParaRPr lang="en-US" dirty="0"/>
+          </a:p>
+        </p:txBody>
+      </p:sp>
+      <p:cxnSp>
+        <p:nvCxnSpPr>
+          <p:cNvPr id="6" name="Straight Connector 5"/>
+          <p:cNvCxnSpPr/>
+          <p:nvPr/>
+        </p:nvCxnSpPr>
+        <p:spPr>
+          <a:xfrm flipH="1">
+            <a:off x="5812971" y="2188757"/>
+            <a:ext cx="26126" cy="4473300"/>
+          </a:xfrm>
+          <a:prstGeom prst="line">
+            <a:avLst/>
+          </a:prstGeom>
+          <a:ln w="38100">
+            <a:solidFill>
+              <a:srgbClr val="2A3643"/>
+            </a:solidFill>
+          </a:ln>
+        </p:spPr>
+        <p:style>
+          <a:lnRef idx="1">
+            <a:schemeClr val="accent1"/>
+          </a:lnRef>
+          <a:fillRef idx="0">
+            <a:schemeClr val="accent1"/>
+          </a:fillRef>
+          <a:effectRef idx="0">
+            <a:schemeClr val="accent1"/>
+          </a:effectRef>
+          <a:fontRef idx="minor">
+            <a:schemeClr val="tx1"/>
+          </a:fontRef>
+        </p:style>
+      </p:cxnSp>
+      <p:sp>
+        <p:nvSpPr>
+          <p:cNvPr id="18" name="Rectangle 17"/>
+          <p:cNvSpPr/>
+          <p:nvPr/>
+        </p:nvSpPr>
+        <p:spPr>
+          <a:xfrm>
+            <a:off x="611564" y="1517542"/>
+            <a:ext cx="4410892" cy="369332"/>
+          </a:xfrm>
+          <a:prstGeom prst="rect">
+            <a:avLst/>
+          </a:prstGeom>
+        </p:spPr>
+        <p:txBody>
+          <a:bodyPr wrap="square">
+            <a:spAutoFit/>
+          </a:bodyPr>
+          <a:lstStyle/>
+          <a:p>
+            <a:r>
+              <a:rPr lang="en-US" dirty="0" smtClean="0">
+                <a:solidFill>
+                  <a:srgbClr val="C00000"/>
+                </a:solidFill>
+              </a:rPr>
+              <a:t>In Markdown:</a:t>
+            </a:r>
+            <a:endParaRPr lang="en-US" dirty="0">
+              <a:solidFill>
+                <a:srgbClr val="C00000"/>
+              </a:solidFill>
+            </a:endParaRPr>
+          </a:p>
+        </p:txBody>
+      </p:sp>
+      <p:sp>
+        <p:nvSpPr>
+          <p:cNvPr id="19" name="Rectangle 18"/>
+          <p:cNvSpPr/>
+          <p:nvPr/>
+        </p:nvSpPr>
+        <p:spPr>
+          <a:xfrm>
+            <a:off x="6169614" y="1517542"/>
+            <a:ext cx="4410892" cy="369332"/>
+          </a:xfrm>
+          <a:prstGeom prst="rect">
+            <a:avLst/>
+          </a:prstGeom>
+        </p:spPr>
+        <p:txBody>
+          <a:bodyPr wrap="square">
+            <a:spAutoFit/>
+          </a:bodyPr>
+          <a:lstStyle/>
+          <a:p>
+            <a:r>
+              <a:rPr lang="en-US" dirty="0" smtClean="0">
+                <a:solidFill>
+                  <a:srgbClr val="C00000"/>
+                </a:solidFill>
+              </a:rPr>
+              <a:t>On Isomer webpage:</a:t>
+            </a:r>
+            <a:endParaRPr lang="en-US" dirty="0">
+              <a:solidFill>
+                <a:srgbClr val="C00000"/>
+              </a:solidFill>
+            </a:endParaRPr>
+          </a:p>
+        </p:txBody>
+      </p:sp>
+      <p:sp>
+        <p:nvSpPr>
+          <p:cNvPr id="15" name="Rectangle 2"/>
+          <p:cNvSpPr>
+            <a:spLocks noChangeArrowheads="1"/>
+          </p:cNvSpPr>
+          <p:nvPr/>
+        </p:nvSpPr>
+        <p:spPr bwMode="auto">
+          <a:xfrm>
+            <a:off x="541768" y="2309010"/>
+            <a:ext cx="4870890" cy="2031325"/>
+          </a:xfrm>
+          <a:prstGeom prst="rect">
+            <a:avLst/>
+          </a:prstGeom>
+          <a:noFill/>
+          <a:ln>
+            <a:noFill/>
+          </a:ln>
+          <a:effectLst/>
+          <a:extLst>
+            <a:ext uri="{909E8E84-426E-40DD-AFC4-6F175D3DCCD1}">
+              <a14:hiddenFill xmlns:a14="http://schemas.microsoft.com/office/drawing/2010/main">
+                <a:solidFill>
+                  <a:schemeClr val="accent1"/>
+                </a:solidFill>
+              </a14:hiddenFill>
+            </a:ext>
+            <a:ext uri="{91240B29-F687-4F45-9708-019B960494DF}">
+              <a14:hiddenLine xmlns:a14="http://schemas.microsoft.com/office/drawing/2010/main" w="9525">
+                <a:solidFill>
+                  <a:schemeClr val="tx1"/>
+                </a:solidFill>
+                <a:miter lim="800000"/>
+                <a:headEnd/>
+                <a:tailEnd/>
+              </a14:hiddenLine>
+            </a:ext>
+            <a:ext uri="{AF507438-7753-43E0-B8FC-AC1667EBCBE1}">
+              <a14:hiddenEffects xmlns:a14="http://schemas.microsoft.com/office/drawing/2010/main">
+                <a:effectLst>
+                  <a:outerShdw dist="35921" dir="2700000" algn="ctr" rotWithShape="0">
+                    <a:schemeClr val="bg2"/>
+                  </a:outerShdw>
+                </a:effectLst>
+              </a14:hiddenEffects>
+            </a:ext>
+          </a:extLst>
+        </p:spPr>
+        <p:txBody>
+          <a:bodyPr vert="horz" wrap="square" lIns="91440" tIns="45720" rIns="91440" bIns="45720" numCol="1" anchor="ctr" anchorCtr="0" compatLnSpc="1">
+            <a:prstTxWarp prst="textNoShape">
+              <a:avLst/>
+            </a:prstTxWarp>
+            <a:spAutoFit/>
+          </a:bodyPr>
+          <a:lstStyle/>
+          <a:p>
+            <a:r>
+              <a:rPr lang="en-US" dirty="0">
+                <a:solidFill>
+                  <a:srgbClr val="2A3643"/>
+                </a:solidFill>
+              </a:rPr>
+              <a:t>Here's how to create a [file download link](/files/github-setup.pdf</a:t>
+            </a:r>
+            <a:r>
+              <a:rPr lang="en-US" dirty="0" smtClean="0">
+                <a:solidFill>
+                  <a:srgbClr val="2A3643"/>
+                </a:solidFill>
+              </a:rPr>
+              <a:t>)</a:t>
+            </a:r>
+          </a:p>
+          <a:p>
+            <a:endParaRPr lang="en-US" dirty="0">
+              <a:solidFill>
+                <a:srgbClr val="2A3643"/>
+              </a:solidFill>
+            </a:endParaRPr>
+          </a:p>
+          <a:p>
+            <a:r>
+              <a:rPr lang="en-US" dirty="0" smtClean="0">
+                <a:solidFill>
+                  <a:srgbClr val="2A3643"/>
+                </a:solidFill>
+                <a:cs typeface="Arial" panose="020B0604020202020204" pitchFamily="34" charset="0"/>
+              </a:rPr>
+              <a:t>*Square </a:t>
+            </a:r>
+            <a:r>
+              <a:rPr lang="en-US" dirty="0">
+                <a:solidFill>
+                  <a:srgbClr val="2A3643"/>
+                </a:solidFill>
+                <a:cs typeface="Arial" panose="020B0604020202020204" pitchFamily="34" charset="0"/>
+              </a:rPr>
+              <a:t>brackets containing the </a:t>
+            </a:r>
+            <a:r>
+              <a:rPr lang="en-US" dirty="0" smtClean="0">
+                <a:solidFill>
+                  <a:srgbClr val="2A3643"/>
+                </a:solidFill>
+                <a:cs typeface="Arial" panose="020B0604020202020204" pitchFamily="34" charset="0"/>
+              </a:rPr>
+              <a:t>file </a:t>
+            </a:r>
+            <a:r>
+              <a:rPr lang="en-US" dirty="0">
+                <a:solidFill>
+                  <a:srgbClr val="2A3643"/>
+                </a:solidFill>
+                <a:cs typeface="Arial" panose="020B0604020202020204" pitchFamily="34" charset="0"/>
+              </a:rPr>
+              <a:t>name followed by round brackets or parenthesis containing the </a:t>
+            </a:r>
+            <a:r>
+              <a:rPr lang="en-US" dirty="0" smtClean="0">
+                <a:solidFill>
+                  <a:srgbClr val="2A3643"/>
+                </a:solidFill>
+                <a:cs typeface="Arial" panose="020B0604020202020204" pitchFamily="34" charset="0"/>
+              </a:rPr>
+              <a:t>file path* </a:t>
+            </a:r>
+            <a:endParaRPr lang="en-US" dirty="0">
+              <a:solidFill>
+                <a:srgbClr val="2A3643"/>
+              </a:solidFill>
+              <a:cs typeface="Arial" panose="020B0604020202020204" pitchFamily="34" charset="0"/>
+            </a:endParaRPr>
+          </a:p>
+          <a:p>
+            <a:endParaRPr lang="en-US" dirty="0">
+              <a:solidFill>
+                <a:srgbClr val="2A3643"/>
+              </a:solidFill>
+            </a:endParaRPr>
+          </a:p>
+        </p:txBody>
+      </p:sp>
+      <p:grpSp>
+        <p:nvGrpSpPr>
+          <p:cNvPr id="5" name="Group 4"/>
+          <p:cNvGrpSpPr/>
+          <p:nvPr/>
+        </p:nvGrpSpPr>
+        <p:grpSpPr>
+          <a:xfrm>
+            <a:off x="6169614" y="2077275"/>
+            <a:ext cx="5735773" cy="463470"/>
+            <a:chOff x="6169614" y="2077275"/>
+            <a:chExt cx="5735773" cy="463470"/>
+          </a:xfrm>
+        </p:grpSpPr>
+        <p:sp>
+          <p:nvSpPr>
+            <p:cNvPr id="2" name="Rectangle 1"/>
+            <p:cNvSpPr/>
+            <p:nvPr/>
+          </p:nvSpPr>
+          <p:spPr>
+            <a:xfrm>
+              <a:off x="6169614" y="2142590"/>
+              <a:ext cx="5735773" cy="369332"/>
+            </a:xfrm>
+            <a:prstGeom prst="rect">
+              <a:avLst/>
+            </a:prstGeom>
+          </p:spPr>
+          <p:txBody>
+            <a:bodyPr wrap="square">
+              <a:spAutoFit/>
+            </a:bodyPr>
+            <a:lstStyle/>
+            <a:p>
+              <a:r>
+                <a:rPr lang="en-US" dirty="0">
+                  <a:latin typeface="Arial" panose="020B0604020202020204" pitchFamily="34" charset="0"/>
+                  <a:cs typeface="Arial" panose="020B0604020202020204" pitchFamily="34" charset="0"/>
+                </a:rPr>
+                <a:t>Here's how to create a </a:t>
+              </a:r>
+              <a:endParaRPr lang="en-US" sz="2000" dirty="0">
+                <a:latin typeface="Arial" panose="020B0604020202020204" pitchFamily="34" charset="0"/>
+                <a:cs typeface="Arial" panose="020B0604020202020204" pitchFamily="34" charset="0"/>
+              </a:endParaRPr>
+            </a:p>
+          </p:txBody>
+        </p:sp>
+        <p:pic>
+          <p:nvPicPr>
+            <p:cNvPr id="3" name="Picture 2"/>
+            <p:cNvPicPr>
+              <a:picLocks noChangeAspect="1"/>
+            </p:cNvPicPr>
+            <p:nvPr/>
+          </p:nvPicPr>
+          <p:blipFill>
+            <a:blip r:embed="rId2"/>
+            <a:stretch>
+              <a:fillRect/>
+            </a:stretch>
+          </p:blipFill>
+          <p:spPr>
+            <a:xfrm>
+              <a:off x="8596039" y="2077275"/>
+              <a:ext cx="2455138" cy="463470"/>
+            </a:xfrm>
+            <a:prstGeom prst="rect">
+              <a:avLst/>
+            </a:prstGeom>
+          </p:spPr>
+        </p:pic>
+      </p:grpSp>
+      <p:sp>
+        <p:nvSpPr>
+          <p:cNvPr id="10" name="Rectangle 9"/>
+          <p:cNvSpPr/>
+          <p:nvPr/>
+        </p:nvSpPr>
+        <p:spPr>
+          <a:xfrm>
+            <a:off x="6169613" y="2767638"/>
+            <a:ext cx="5735773" cy="646331"/>
+          </a:xfrm>
+          <a:prstGeom prst="rect">
+            <a:avLst/>
+          </a:prstGeom>
+        </p:spPr>
+        <p:txBody>
+          <a:bodyPr wrap="square">
+            <a:spAutoFit/>
+          </a:bodyPr>
+          <a:lstStyle/>
+          <a:p>
+            <a:r>
+              <a:rPr lang="en-US" i="1" dirty="0">
+                <a:latin typeface="Arial" panose="020B0604020202020204" pitchFamily="34" charset="0"/>
+                <a:cs typeface="Arial" panose="020B0604020202020204" pitchFamily="34" charset="0"/>
+              </a:rPr>
+              <a:t>Square brackets containing the file name followed by round brackets or parenthesis containing the file path </a:t>
+            </a:r>
+            <a:endParaRPr lang="en-US" i="1" dirty="0">
+              <a:latin typeface="Arial" panose="020B0604020202020204" pitchFamily="34" charset="0"/>
+              <a:cs typeface="Arial" panose="020B0604020202020204" pitchFamily="34" charset="0"/>
+            </a:endParaRPr>
+          </a:p>
+        </p:txBody>
+      </p:sp>
+    </p:spTree>
+    <p:extLst>
+      <p:ext uri="{BB962C8B-B14F-4D97-AF65-F5344CB8AC3E}">
+        <p14:creationId xmlns:p14="http://schemas.microsoft.com/office/powerpoint/2010/main" val="105362488"/>
+      </p:ext>
+    </p:extLst>
+  </p:cSld>
+  <p:clrMapOvr>
+    <a:masterClrMapping/>
+  </p:clrMapOvr>
+  <p:timing>
+    <p:tnLst>
+      <p:par>
+        <p:cTn id="1" dur="indefinite" restart="never" nodeType="tmRoot"/>
+      </p:par>
+    </p:tnLst>
+  </p:timing>
+</p:sld>
+</file>
+
+<file path=ppt/slides/slide11.xml><?xml version="1.0" encoding="utf-8"?>
+<p:sld xmlns:a="http://schemas.openxmlformats.org/drawingml/2006/main" xmlns:r="http://schemas.openxmlformats.org/officeDocument/2006/relationships" xmlns:p="http://schemas.openxmlformats.org/presentationml/2006/main">
+  <p:cSld>
+    <p:spTree>
+      <p:nvGrpSpPr>
+        <p:cNvPr id="1" name=""/>
+        <p:cNvGrpSpPr/>
+        <p:nvPr/>
+      </p:nvGrpSpPr>
+      <p:grpSpPr>
+        <a:xfrm>
+          <a:off x="0" y="0"/>
+          <a:ext cx="0" cy="0"/>
+          <a:chOff x="0" y="0"/>
+          <a:chExt cx="0" cy="0"/>
+        </a:xfrm>
+      </p:grpSpPr>
+      <p:sp>
+        <p:nvSpPr>
+          <p:cNvPr id="4" name="Title 3"/>
+          <p:cNvSpPr>
+            <a:spLocks noGrp="1"/>
+          </p:cNvSpPr>
+          <p:nvPr>
+            <p:ph type="title"/>
+          </p:nvPr>
+        </p:nvSpPr>
+        <p:spPr/>
+        <p:txBody>
+          <a:bodyPr/>
+          <a:lstStyle/>
+          <a:p>
+            <a:r>
+              <a:rPr lang="en-US" dirty="0"/>
+              <a:t>Adding </a:t>
+            </a:r>
+            <a:r>
+              <a:rPr lang="en-US" dirty="0" smtClean="0"/>
+              <a:t>Images</a:t>
+            </a:r>
+            <a:endParaRPr lang="en-US" dirty="0"/>
+          </a:p>
+        </p:txBody>
+      </p:sp>
+      <p:sp>
+        <p:nvSpPr>
+          <p:cNvPr id="9" name="Content Placeholder 1"/>
+          <p:cNvSpPr>
+            <a:spLocks noGrp="1"/>
+          </p:cNvSpPr>
+          <p:nvPr>
+            <p:ph sz="half" idx="1"/>
+          </p:nvPr>
+        </p:nvSpPr>
+        <p:spPr>
+          <a:xfrm>
+            <a:off x="547161" y="1465289"/>
+            <a:ext cx="10836415" cy="5105327"/>
+          </a:xfrm>
+        </p:spPr>
+        <p:txBody>
+          <a:bodyPr>
+            <a:normAutofit fontScale="32500" lnSpcReduction="20000"/>
+          </a:bodyPr>
+          <a:lstStyle/>
+          <a:p>
+            <a:pPr marL="0" indent="0">
+              <a:lnSpc>
+                <a:spcPct val="120000"/>
+              </a:lnSpc>
+              <a:buNone/>
+            </a:pPr>
+            <a:r>
+              <a:rPr lang="en-US" sz="7200" dirty="0" smtClean="0"/>
+              <a:t>Images must be first uploaded to the images folder in the SAC Github Repository</a:t>
+            </a:r>
+            <a:endParaRPr lang="en-US" sz="7200" dirty="0"/>
+          </a:p>
+          <a:p>
+            <a:pPr marL="0" indent="0">
+              <a:lnSpc>
+                <a:spcPct val="120000"/>
+              </a:lnSpc>
+              <a:buNone/>
+            </a:pPr>
+            <a:endParaRPr lang="en-US" sz="7200" dirty="0" smtClean="0">
+              <a:solidFill>
+                <a:srgbClr val="2A3643"/>
+              </a:solidFill>
+            </a:endParaRPr>
+          </a:p>
+          <a:p>
+            <a:pPr marL="457200" indent="-457200">
+              <a:lnSpc>
+                <a:spcPct val="120000"/>
+              </a:lnSpc>
+              <a:buFont typeface="+mj-lt"/>
+              <a:buAutoNum type="arabicPeriod"/>
+            </a:pPr>
+            <a:r>
+              <a:rPr lang="en-US" sz="7200" dirty="0" smtClean="0"/>
+              <a:t>Select </a:t>
+            </a:r>
+            <a:r>
+              <a:rPr lang="en-US" sz="7200" dirty="0"/>
+              <a:t>your "Staging" </a:t>
+            </a:r>
+            <a:r>
+              <a:rPr lang="en-US" sz="7200" dirty="0" smtClean="0"/>
+              <a:t>Branch</a:t>
+            </a:r>
+          </a:p>
+          <a:p>
+            <a:pPr marL="457200" indent="-457200">
+              <a:lnSpc>
+                <a:spcPct val="120000"/>
+              </a:lnSpc>
+              <a:buFont typeface="+mj-lt"/>
+              <a:buAutoNum type="arabicPeriod"/>
+            </a:pPr>
+            <a:r>
+              <a:rPr lang="en-US" sz="7200" dirty="0" smtClean="0"/>
+              <a:t>Go </a:t>
+            </a:r>
+            <a:r>
+              <a:rPr lang="en-US" sz="7200" dirty="0"/>
+              <a:t>to the </a:t>
+            </a:r>
+            <a:r>
+              <a:rPr lang="en-US" sz="7200" dirty="0" smtClean="0"/>
+              <a:t>“images" </a:t>
+            </a:r>
+            <a:r>
+              <a:rPr lang="en-US" sz="7200" dirty="0"/>
+              <a:t>folder and then select the folder that you wish to add or delete a </a:t>
+            </a:r>
+            <a:r>
+              <a:rPr lang="en-US" sz="7200" dirty="0" smtClean="0"/>
+              <a:t>file.</a:t>
+            </a:r>
+          </a:p>
+          <a:p>
+            <a:pPr marL="457200" indent="-457200">
+              <a:lnSpc>
+                <a:spcPct val="120000"/>
+              </a:lnSpc>
+              <a:buFont typeface="+mj-lt"/>
+              <a:buAutoNum type="arabicPeriod"/>
+            </a:pPr>
+            <a:r>
+              <a:rPr lang="en-US" sz="7200" dirty="0" smtClean="0"/>
+              <a:t>Click </a:t>
+            </a:r>
+            <a:r>
+              <a:rPr lang="en-US" sz="7200" dirty="0"/>
+              <a:t>on "Upload files" button</a:t>
+            </a:r>
+            <a:r>
+              <a:rPr lang="en-US" sz="7200" dirty="0" smtClean="0"/>
+              <a:t>.</a:t>
+            </a:r>
+          </a:p>
+          <a:p>
+            <a:pPr marL="457200" indent="-457200">
+              <a:lnSpc>
+                <a:spcPct val="120000"/>
+              </a:lnSpc>
+              <a:buFont typeface="+mj-lt"/>
+              <a:buAutoNum type="arabicPeriod"/>
+            </a:pPr>
+            <a:r>
+              <a:rPr lang="en-US" sz="7200" dirty="0" smtClean="0"/>
+              <a:t>Choose </a:t>
+            </a:r>
+            <a:r>
+              <a:rPr lang="en-US" sz="7200" dirty="0"/>
+              <a:t>your file. It can be of </a:t>
+            </a:r>
+            <a:r>
+              <a:rPr lang="en-US" sz="7200" dirty="0" smtClean="0"/>
+              <a:t>jpg, png, gif. </a:t>
+            </a:r>
+            <a:r>
+              <a:rPr lang="en-US" sz="7200" dirty="0"/>
+              <a:t>Remember to replace the space in </a:t>
+            </a:r>
+            <a:r>
+              <a:rPr lang="en-US" sz="7200" dirty="0" smtClean="0"/>
+              <a:t>the</a:t>
+            </a:r>
+            <a:r>
+              <a:rPr lang="en-US" sz="7200" dirty="0"/>
+              <a:t> </a:t>
+            </a:r>
+            <a:r>
+              <a:rPr lang="en-US" sz="7200" dirty="0" smtClean="0"/>
+              <a:t>filename </a:t>
+            </a:r>
+            <a:r>
+              <a:rPr lang="en-US" sz="7200" dirty="0"/>
+              <a:t>with dash (-) for better readability</a:t>
+            </a:r>
+            <a:r>
+              <a:rPr lang="en-US" sz="7200" dirty="0" smtClean="0"/>
+              <a:t>.</a:t>
+            </a:r>
+          </a:p>
+          <a:p>
+            <a:pPr marL="457200" indent="-457200">
+              <a:lnSpc>
+                <a:spcPct val="120000"/>
+              </a:lnSpc>
+              <a:buFont typeface="+mj-lt"/>
+              <a:buAutoNum type="arabicPeriod"/>
+            </a:pPr>
+            <a:r>
+              <a:rPr lang="en-US" sz="7200" dirty="0" smtClean="0"/>
+              <a:t>Click on “Commit Changes” button.</a:t>
+            </a:r>
+          </a:p>
+          <a:p>
+            <a:pPr marL="457200" indent="-457200">
+              <a:lnSpc>
+                <a:spcPct val="120000"/>
+              </a:lnSpc>
+              <a:buFont typeface="+mj-lt"/>
+              <a:buAutoNum type="arabicPeriod"/>
+            </a:pPr>
+            <a:r>
+              <a:rPr lang="en-US" sz="7200" dirty="0" smtClean="0"/>
+              <a:t>Add the image name and path in your webpage.</a:t>
+            </a:r>
+          </a:p>
+          <a:p>
+            <a:pPr marL="0" indent="0">
+              <a:buNone/>
+            </a:pPr>
+            <a:endParaRPr lang="en-US" dirty="0" smtClean="0">
+              <a:solidFill>
+                <a:srgbClr val="2A3643"/>
+              </a:solidFill>
+            </a:endParaRPr>
+          </a:p>
+        </p:txBody>
+      </p:sp>
+    </p:spTree>
+    <p:extLst>
+      <p:ext uri="{BB962C8B-B14F-4D97-AF65-F5344CB8AC3E}">
+        <p14:creationId xmlns:p14="http://schemas.microsoft.com/office/powerpoint/2010/main" val="779215667"/>
+      </p:ext>
+    </p:extLst>
+  </p:cSld>
+  <p:clrMapOvr>
+    <a:masterClrMapping/>
+  </p:clrMapOvr>
+  <p:timing>
+    <p:tnLst>
+      <p:par>
+        <p:cTn id="1" dur="indefinite" restart="never" nodeType="tmRoot"/>
+      </p:par>
+    </p:tnLst>
+  </p:timing>
+</p:sld>
+</file>
+
+<file path=ppt/slides/slide12.xml><?xml version="1.0" encoding="utf-8"?>
+<p:sld xmlns:a="http://schemas.openxmlformats.org/drawingml/2006/main" xmlns:r="http://schemas.openxmlformats.org/officeDocument/2006/relationships" xmlns:p="http://schemas.openxmlformats.org/presentationml/2006/main">
+  <p:cSld>
+    <p:spTree>
+      <p:nvGrpSpPr>
+        <p:cNvPr id="1" name=""/>
+        <p:cNvGrpSpPr/>
+        <p:nvPr/>
+      </p:nvGrpSpPr>
+      <p:grpSpPr>
+        <a:xfrm>
+          <a:off x="0" y="0"/>
+          <a:ext cx="0" cy="0"/>
+          <a:chOff x="0" y="0"/>
+          <a:chExt cx="0" cy="0"/>
+        </a:xfrm>
+      </p:grpSpPr>
+      <p:sp>
+        <p:nvSpPr>
+          <p:cNvPr id="4" name="Title 3"/>
+          <p:cNvSpPr>
+            <a:spLocks noGrp="1"/>
+          </p:cNvSpPr>
+          <p:nvPr>
+            <p:ph type="title"/>
+          </p:nvPr>
+        </p:nvSpPr>
+        <p:spPr/>
+        <p:txBody>
+          <a:bodyPr/>
+          <a:lstStyle/>
+          <a:p>
+            <a:r>
+              <a:rPr lang="en-US" dirty="0" smtClean="0"/>
+              <a:t>Adding Images</a:t>
+            </a:r>
+            <a:endParaRPr lang="en-US" dirty="0"/>
+          </a:p>
+        </p:txBody>
+      </p:sp>
+      <p:cxnSp>
+        <p:nvCxnSpPr>
+          <p:cNvPr id="6" name="Straight Connector 5"/>
+          <p:cNvCxnSpPr/>
+          <p:nvPr/>
+        </p:nvCxnSpPr>
+        <p:spPr>
+          <a:xfrm flipH="1">
+            <a:off x="5812971" y="1886874"/>
+            <a:ext cx="52252" cy="4801309"/>
+          </a:xfrm>
+          <a:prstGeom prst="line">
+            <a:avLst/>
+          </a:prstGeom>
+          <a:ln w="38100">
+            <a:solidFill>
+              <a:srgbClr val="2A3643"/>
+            </a:solidFill>
+          </a:ln>
+        </p:spPr>
+        <p:style>
+          <a:lnRef idx="1">
+            <a:schemeClr val="accent1"/>
+          </a:lnRef>
+          <a:fillRef idx="0">
+            <a:schemeClr val="accent1"/>
+          </a:fillRef>
+          <a:effectRef idx="0">
+            <a:schemeClr val="accent1"/>
+          </a:effectRef>
+          <a:fontRef idx="minor">
+            <a:schemeClr val="tx1"/>
+          </a:fontRef>
+        </p:style>
+      </p:cxnSp>
+      <p:sp>
+        <p:nvSpPr>
+          <p:cNvPr id="18" name="Rectangle 17"/>
+          <p:cNvSpPr/>
+          <p:nvPr/>
+        </p:nvSpPr>
+        <p:spPr>
+          <a:xfrm>
+            <a:off x="611564" y="1517542"/>
+            <a:ext cx="4410892" cy="369332"/>
+          </a:xfrm>
+          <a:prstGeom prst="rect">
+            <a:avLst/>
+          </a:prstGeom>
+        </p:spPr>
+        <p:txBody>
+          <a:bodyPr wrap="square">
+            <a:spAutoFit/>
+          </a:bodyPr>
+          <a:lstStyle/>
+          <a:p>
+            <a:r>
+              <a:rPr lang="en-US" dirty="0" smtClean="0">
+                <a:solidFill>
+                  <a:srgbClr val="C00000"/>
+                </a:solidFill>
+              </a:rPr>
+              <a:t>In Markdown:</a:t>
+            </a:r>
+            <a:endParaRPr lang="en-US" dirty="0">
+              <a:solidFill>
+                <a:srgbClr val="C00000"/>
+              </a:solidFill>
+            </a:endParaRPr>
+          </a:p>
+        </p:txBody>
+      </p:sp>
+      <p:sp>
+        <p:nvSpPr>
+          <p:cNvPr id="19" name="Rectangle 18"/>
+          <p:cNvSpPr/>
+          <p:nvPr/>
+        </p:nvSpPr>
+        <p:spPr>
+          <a:xfrm>
+            <a:off x="6169614" y="1517542"/>
+            <a:ext cx="4410892" cy="369332"/>
+          </a:xfrm>
+          <a:prstGeom prst="rect">
+            <a:avLst/>
+          </a:prstGeom>
+        </p:spPr>
+        <p:txBody>
+          <a:bodyPr wrap="square">
+            <a:spAutoFit/>
+          </a:bodyPr>
+          <a:lstStyle/>
+          <a:p>
+            <a:r>
+              <a:rPr lang="en-US" dirty="0" smtClean="0">
+                <a:solidFill>
+                  <a:srgbClr val="C00000"/>
+                </a:solidFill>
+              </a:rPr>
+              <a:t>On Isomer webpage:</a:t>
+            </a:r>
+            <a:endParaRPr lang="en-US" dirty="0">
+              <a:solidFill>
+                <a:srgbClr val="C00000"/>
+              </a:solidFill>
+            </a:endParaRPr>
+          </a:p>
+        </p:txBody>
+      </p:sp>
+      <p:sp>
+        <p:nvSpPr>
+          <p:cNvPr id="15" name="Rectangle 2"/>
+          <p:cNvSpPr>
+            <a:spLocks noChangeArrowheads="1"/>
+          </p:cNvSpPr>
+          <p:nvPr/>
+        </p:nvSpPr>
+        <p:spPr bwMode="auto">
+          <a:xfrm>
+            <a:off x="541768" y="2084253"/>
+            <a:ext cx="4696438" cy="4247317"/>
+          </a:xfrm>
+          <a:prstGeom prst="rect">
+            <a:avLst/>
+          </a:prstGeom>
+          <a:noFill/>
+          <a:ln>
+            <a:noFill/>
+          </a:ln>
+          <a:effectLst/>
+          <a:extLst>
+            <a:ext uri="{909E8E84-426E-40DD-AFC4-6F175D3DCCD1}">
+              <a14:hiddenFill xmlns:a14="http://schemas.microsoft.com/office/drawing/2010/main">
+                <a:solidFill>
+                  <a:schemeClr val="accent1"/>
+                </a:solidFill>
+              </a14:hiddenFill>
+            </a:ext>
+            <a:ext uri="{91240B29-F687-4F45-9708-019B960494DF}">
+              <a14:hiddenLine xmlns:a14="http://schemas.microsoft.com/office/drawing/2010/main" w="9525">
+                <a:solidFill>
+                  <a:schemeClr val="tx1"/>
+                </a:solidFill>
+                <a:miter lim="800000"/>
+                <a:headEnd/>
+                <a:tailEnd/>
+              </a14:hiddenLine>
+            </a:ext>
+            <a:ext uri="{AF507438-7753-43E0-B8FC-AC1667EBCBE1}">
+              <a14:hiddenEffects xmlns:a14="http://schemas.microsoft.com/office/drawing/2010/main">
+                <a:effectLst>
+                  <a:outerShdw dist="35921" dir="2700000" algn="ctr" rotWithShape="0">
+                    <a:schemeClr val="bg2"/>
+                  </a:outerShdw>
+                </a:effectLst>
+              </a14:hiddenEffects>
+            </a:ext>
+          </a:extLst>
+        </p:spPr>
+        <p:txBody>
+          <a:bodyPr vert="horz" wrap="square" lIns="91440" tIns="45720" rIns="91440" bIns="45720" numCol="1" anchor="ctr" anchorCtr="0" compatLnSpc="1">
+            <a:prstTxWarp prst="textNoShape">
+              <a:avLst/>
+            </a:prstTxWarp>
+            <a:spAutoFit/>
+          </a:bodyPr>
+          <a:lstStyle/>
+          <a:p>
+            <a:r>
+              <a:rPr lang="en-US" dirty="0">
+                <a:solidFill>
+                  <a:srgbClr val="2A3643"/>
+                </a:solidFill>
+              </a:rPr>
+              <a:t>![Image title](/</a:t>
+            </a:r>
+            <a:r>
+              <a:rPr lang="en-US" dirty="0" smtClean="0">
+                <a:solidFill>
+                  <a:srgbClr val="2A3643"/>
+                </a:solidFill>
+              </a:rPr>
+              <a:t>images/hero-banner.png)</a:t>
+            </a:r>
+            <a:endParaRPr lang="en-US" dirty="0">
+              <a:solidFill>
+                <a:srgbClr val="2A3643"/>
+              </a:solidFill>
+            </a:endParaRPr>
+          </a:p>
+          <a:p>
+            <a:endParaRPr lang="en-US" dirty="0" smtClean="0">
+              <a:solidFill>
+                <a:srgbClr val="2A3643"/>
+              </a:solidFill>
+            </a:endParaRPr>
+          </a:p>
+          <a:p>
+            <a:r>
+              <a:rPr lang="en-US" dirty="0" smtClean="0">
+                <a:solidFill>
+                  <a:srgbClr val="2A3643"/>
+                </a:solidFill>
+              </a:rPr>
+              <a:t>Exclamation mark followed by square brackets containing the image title followed by round brackets or parenthesis containing the image path</a:t>
+            </a:r>
+          </a:p>
+          <a:p>
+            <a:endParaRPr lang="en-US" dirty="0" smtClean="0">
+              <a:solidFill>
+                <a:srgbClr val="2A3643"/>
+              </a:solidFill>
+            </a:endParaRPr>
+          </a:p>
+          <a:p>
+            <a:r>
+              <a:rPr lang="en-US" dirty="0" smtClean="0">
+                <a:solidFill>
+                  <a:srgbClr val="2A3643"/>
+                </a:solidFill>
+              </a:rPr>
+              <a:t>The image title is used as alternative text for screen readers or if the image cannot be displayed. </a:t>
+            </a:r>
+          </a:p>
+          <a:p>
+            <a:endParaRPr lang="en-US" dirty="0">
+              <a:solidFill>
+                <a:srgbClr val="2A3643"/>
+              </a:solidFill>
+            </a:endParaRPr>
+          </a:p>
+          <a:p>
+            <a:r>
+              <a:rPr lang="en-US" dirty="0" smtClean="0">
+                <a:solidFill>
+                  <a:srgbClr val="2A3643"/>
+                </a:solidFill>
+              </a:rPr>
+              <a:t>The image </a:t>
+            </a:r>
+            <a:r>
+              <a:rPr lang="en-US" dirty="0">
+                <a:solidFill>
+                  <a:srgbClr val="2A3643"/>
+                </a:solidFill>
+              </a:rPr>
+              <a:t>file </a:t>
+            </a:r>
+            <a:r>
+              <a:rPr lang="en-US" dirty="0" smtClean="0">
+                <a:solidFill>
+                  <a:srgbClr val="2A3643"/>
+                </a:solidFill>
+              </a:rPr>
+              <a:t>path points to the actual location in the Github </a:t>
+            </a:r>
+            <a:r>
+              <a:rPr lang="en-US" dirty="0">
+                <a:solidFill>
+                  <a:srgbClr val="2A3643"/>
+                </a:solidFill>
+              </a:rPr>
+              <a:t>R</a:t>
+            </a:r>
+            <a:r>
+              <a:rPr lang="en-US" dirty="0" smtClean="0">
+                <a:solidFill>
+                  <a:srgbClr val="2A3643"/>
+                </a:solidFill>
+              </a:rPr>
+              <a:t>epository where the image file is stored .</a:t>
+            </a:r>
+            <a:endParaRPr lang="en-US" dirty="0">
+              <a:solidFill>
+                <a:srgbClr val="2A3643"/>
+              </a:solidFill>
+            </a:endParaRPr>
+          </a:p>
+          <a:p>
+            <a:r>
+              <a:rPr lang="en-US" dirty="0" smtClean="0">
+                <a:solidFill>
+                  <a:srgbClr val="2A3643"/>
+                </a:solidFill>
+              </a:rPr>
+              <a:t> </a:t>
+            </a:r>
+            <a:endParaRPr lang="en-US" dirty="0">
+              <a:solidFill>
+                <a:srgbClr val="2A3643"/>
+              </a:solidFill>
+            </a:endParaRPr>
+          </a:p>
+        </p:txBody>
+      </p:sp>
+      <p:pic>
+        <p:nvPicPr>
+          <p:cNvPr id="3074" name="Picture 2" descr="hero-banner.png"/>
+          <p:cNvPicPr>
+            <a:picLocks noChangeAspect="1" noChangeArrowheads="1"/>
+          </p:cNvPicPr>
+          <p:nvPr/>
+        </p:nvPicPr>
+        <p:blipFill>
+          <a:blip r:embed="rId2" cstate="print">
+            <a:extLst>
+              <a:ext uri="{28A0092B-C50C-407E-A947-70E740481C1C}">
+                <a14:useLocalDpi xmlns:a14="http://schemas.microsoft.com/office/drawing/2010/main" val="0"/>
+              </a:ext>
+            </a:extLst>
+          </a:blip>
+          <a:srcRect/>
+          <a:stretch>
+            <a:fillRect/>
+          </a:stretch>
+        </p:blipFill>
+        <p:spPr bwMode="auto">
+          <a:xfrm>
+            <a:off x="6221865" y="2084253"/>
+            <a:ext cx="5683522" cy="2131321"/>
+          </a:xfrm>
+          <a:prstGeom prst="rect">
+            <a:avLst/>
+          </a:prstGeom>
+          <a:noFill/>
+          <a:extLst>
+            <a:ext uri="{909E8E84-426E-40DD-AFC4-6F175D3DCCD1}">
+              <a14:hiddenFill xmlns:a14="http://schemas.microsoft.com/office/drawing/2010/main">
+                <a:solidFill>
+                  <a:srgbClr val="FFFFFF"/>
+                </a:solidFill>
+              </a14:hiddenFill>
+            </a:ext>
+          </a:extLst>
+        </p:spPr>
+      </p:pic>
+      <p:sp>
+        <p:nvSpPr>
+          <p:cNvPr id="2" name="Rectangle 1"/>
+          <p:cNvSpPr/>
+          <p:nvPr/>
+        </p:nvSpPr>
+        <p:spPr>
+          <a:xfrm>
+            <a:off x="6169614" y="4412953"/>
+            <a:ext cx="5735773" cy="2308324"/>
+          </a:xfrm>
+          <a:prstGeom prst="rect">
+            <a:avLst/>
+          </a:prstGeom>
+        </p:spPr>
+        <p:txBody>
+          <a:bodyPr wrap="square">
+            <a:spAutoFit/>
+          </a:bodyPr>
+          <a:lstStyle/>
+          <a:p>
+            <a:r>
+              <a:rPr lang="en-US" sz="1600" dirty="0" smtClean="0">
+                <a:latin typeface="Arial" panose="020B0604020202020204" pitchFamily="34" charset="0"/>
+                <a:cs typeface="Arial" panose="020B0604020202020204" pitchFamily="34" charset="0"/>
+              </a:rPr>
+              <a:t>Exclamation mark followed by square brackets containing the image title followed by round brackets or parenthesis containing the image path</a:t>
+            </a:r>
+          </a:p>
+          <a:p>
+            <a:endParaRPr lang="en-US" sz="1600" dirty="0" smtClean="0">
+              <a:latin typeface="Arial" panose="020B0604020202020204" pitchFamily="34" charset="0"/>
+              <a:cs typeface="Arial" panose="020B0604020202020204" pitchFamily="34" charset="0"/>
+            </a:endParaRPr>
+          </a:p>
+          <a:p>
+            <a:r>
+              <a:rPr lang="en-US" sz="1600" dirty="0" smtClean="0">
+                <a:latin typeface="Arial" panose="020B0604020202020204" pitchFamily="34" charset="0"/>
+                <a:cs typeface="Arial" panose="020B0604020202020204" pitchFamily="34" charset="0"/>
+              </a:rPr>
+              <a:t>This image title is used as alternative text for screen readers or if the image cannot be displayed. </a:t>
+            </a:r>
+          </a:p>
+          <a:p>
+            <a:endParaRPr lang="en-US" sz="1600" dirty="0">
+              <a:latin typeface="Arial" panose="020B0604020202020204" pitchFamily="34" charset="0"/>
+              <a:cs typeface="Arial" panose="020B0604020202020204" pitchFamily="34" charset="0"/>
+            </a:endParaRPr>
+          </a:p>
+          <a:p>
+            <a:r>
+              <a:rPr lang="en-US" sz="1600" dirty="0" smtClean="0">
+                <a:latin typeface="Arial" panose="020B0604020202020204" pitchFamily="34" charset="0"/>
+                <a:cs typeface="Arial" panose="020B0604020202020204" pitchFamily="34" charset="0"/>
+              </a:rPr>
+              <a:t>The image file path points to the actual location in the Github Repository where the image file is stored.</a:t>
+            </a:r>
+            <a:endParaRPr lang="en-US" sz="1600" dirty="0">
+              <a:latin typeface="Arial" panose="020B0604020202020204" pitchFamily="34" charset="0"/>
+              <a:cs typeface="Arial" panose="020B0604020202020204" pitchFamily="34" charset="0"/>
+            </a:endParaRPr>
+          </a:p>
+        </p:txBody>
+      </p:sp>
+    </p:spTree>
+    <p:extLst>
+      <p:ext uri="{BB962C8B-B14F-4D97-AF65-F5344CB8AC3E}">
+        <p14:creationId xmlns:p14="http://schemas.microsoft.com/office/powerpoint/2010/main" val="3697957597"/>
+      </p:ext>
+    </p:extLst>
+  </p:cSld>
+  <p:clrMapOvr>
+    <a:masterClrMapping/>
+  </p:clrMapOvr>
+  <p:timing>
+    <p:tnLst>
+      <p:par>
+        <p:cTn id="1" dur="indefinite" restart="never" nodeType="tmRoot"/>
+      </p:par>
+    </p:tnLst>
+  </p:timing>
+</p:sld>
+</file>
+
+<file path=ppt/slides/slide13.xml><?xml version="1.0" encoding="utf-8"?>
+<p:sld xmlns:a="http://schemas.openxmlformats.org/drawingml/2006/main" xmlns:r="http://schemas.openxmlformats.org/officeDocument/2006/relationships" xmlns:p="http://schemas.openxmlformats.org/presentationml/2006/main">
+  <p:cSld>
+    <p:spTree>
+      <p:nvGrpSpPr>
+        <p:cNvPr id="1" name=""/>
+        <p:cNvGrpSpPr/>
+        <p:nvPr/>
+      </p:nvGrpSpPr>
+      <p:grpSpPr>
+        <a:xfrm>
+          <a:off x="0" y="0"/>
+          <a:ext cx="0" cy="0"/>
+          <a:chOff x="0" y="0"/>
+          <a:chExt cx="0" cy="0"/>
+        </a:xfrm>
+      </p:grpSpPr>
+      <p:sp>
+        <p:nvSpPr>
+          <p:cNvPr id="4" name="Title 3"/>
+          <p:cNvSpPr>
+            <a:spLocks noGrp="1"/>
+          </p:cNvSpPr>
+          <p:nvPr>
+            <p:ph type="title"/>
+          </p:nvPr>
+        </p:nvSpPr>
+        <p:spPr/>
+        <p:txBody>
+          <a:bodyPr/>
+          <a:lstStyle/>
+          <a:p>
+            <a:r>
+              <a:rPr lang="en-US" dirty="0" smtClean="0"/>
+              <a:t>Adding Images</a:t>
+            </a:r>
+            <a:endParaRPr lang="en-US" dirty="0"/>
+          </a:p>
+        </p:txBody>
+      </p:sp>
+      <p:sp>
+        <p:nvSpPr>
+          <p:cNvPr id="9" name="Content Placeholder 1"/>
+          <p:cNvSpPr>
+            <a:spLocks noGrp="1"/>
+          </p:cNvSpPr>
+          <p:nvPr>
+            <p:ph sz="half" idx="1"/>
+          </p:nvPr>
+        </p:nvSpPr>
+        <p:spPr>
+          <a:xfrm>
+            <a:off x="547161" y="1465289"/>
+            <a:ext cx="10836415" cy="5013888"/>
+          </a:xfrm>
+        </p:spPr>
+        <p:txBody>
+          <a:bodyPr>
+            <a:normAutofit/>
+          </a:bodyPr>
+          <a:lstStyle/>
+          <a:p>
+            <a:pPr marL="0" indent="0">
+              <a:lnSpc>
+                <a:spcPct val="100000"/>
+              </a:lnSpc>
+              <a:buNone/>
+            </a:pPr>
+            <a:r>
+              <a:rPr lang="en-US" dirty="0">
+                <a:solidFill>
+                  <a:srgbClr val="2A3643"/>
+                </a:solidFill>
+              </a:rPr>
+              <a:t>All Isomer images are displayed </a:t>
+            </a:r>
+            <a:r>
+              <a:rPr lang="en-US" dirty="0" smtClean="0">
+                <a:solidFill>
+                  <a:srgbClr val="2A3643"/>
+                </a:solidFill>
+              </a:rPr>
+              <a:t>in the centre as </a:t>
+            </a:r>
+            <a:r>
+              <a:rPr lang="en-US" dirty="0">
+                <a:solidFill>
+                  <a:srgbClr val="2A3643"/>
+                </a:solidFill>
+              </a:rPr>
+              <a:t>a single block / paragraph (i.e. no other text / objects can be on either side of the image) and set to its actual width or the maximum width of the </a:t>
+            </a:r>
+            <a:r>
+              <a:rPr lang="en-US" dirty="0" smtClean="0">
+                <a:solidFill>
+                  <a:srgbClr val="2A3643"/>
+                </a:solidFill>
+              </a:rPr>
+              <a:t>webpage. </a:t>
+            </a:r>
+          </a:p>
+          <a:p>
+            <a:pPr marL="0" indent="0">
+              <a:lnSpc>
+                <a:spcPct val="100000"/>
+              </a:lnSpc>
+              <a:buNone/>
+            </a:pPr>
+            <a:endParaRPr lang="en-US" dirty="0">
+              <a:solidFill>
+                <a:srgbClr val="2A3643"/>
+              </a:solidFill>
+            </a:endParaRPr>
+          </a:p>
+          <a:p>
+            <a:pPr marL="0" indent="0">
+              <a:lnSpc>
+                <a:spcPct val="100000"/>
+              </a:lnSpc>
+              <a:buNone/>
+            </a:pPr>
+            <a:r>
+              <a:rPr lang="en-US" dirty="0">
+                <a:solidFill>
+                  <a:srgbClr val="2A3643"/>
+                </a:solidFill>
+              </a:rPr>
+              <a:t>To edit the size of the image, you have </a:t>
+            </a:r>
+            <a:r>
+              <a:rPr lang="en-US" dirty="0" smtClean="0">
+                <a:solidFill>
+                  <a:srgbClr val="2A3643"/>
+                </a:solidFill>
+              </a:rPr>
+              <a:t>to either:</a:t>
+            </a:r>
+            <a:endParaRPr lang="en-US" dirty="0">
+              <a:solidFill>
+                <a:srgbClr val="2A3643"/>
+              </a:solidFill>
+            </a:endParaRPr>
+          </a:p>
+          <a:p>
+            <a:pPr marL="457200" indent="-457200">
+              <a:lnSpc>
+                <a:spcPct val="100000"/>
+              </a:lnSpc>
+              <a:buFont typeface="+mj-lt"/>
+              <a:buAutoNum type="arabicPeriod"/>
+            </a:pPr>
+            <a:r>
+              <a:rPr lang="en-US" dirty="0" smtClean="0">
+                <a:solidFill>
+                  <a:srgbClr val="2A3643"/>
+                </a:solidFill>
+              </a:rPr>
+              <a:t>process </a:t>
+            </a:r>
+            <a:r>
+              <a:rPr lang="en-US" dirty="0">
+                <a:solidFill>
+                  <a:srgbClr val="2A3643"/>
+                </a:solidFill>
+              </a:rPr>
+              <a:t>it beforehand by changing the size of the image before uploading to the </a:t>
+            </a:r>
+            <a:r>
+              <a:rPr lang="en-US" dirty="0" smtClean="0">
+                <a:solidFill>
+                  <a:srgbClr val="2A3643"/>
+                </a:solidFill>
+              </a:rPr>
+              <a:t>website; or</a:t>
+            </a:r>
+          </a:p>
+          <a:p>
+            <a:pPr marL="457200" indent="-457200">
+              <a:lnSpc>
+                <a:spcPct val="100000"/>
+              </a:lnSpc>
+              <a:buFont typeface="+mj-lt"/>
+              <a:buAutoNum type="arabicPeriod"/>
+            </a:pPr>
+            <a:r>
+              <a:rPr lang="en-US" dirty="0" smtClean="0">
+                <a:solidFill>
+                  <a:srgbClr val="2A3643"/>
+                </a:solidFill>
+              </a:rPr>
+              <a:t>Add </a:t>
+            </a:r>
+            <a:r>
+              <a:rPr lang="en-US" dirty="0">
+                <a:solidFill>
+                  <a:srgbClr val="2A3643"/>
+                </a:solidFill>
+              </a:rPr>
+              <a:t>additional attributes (inline styles) after the Markdown </a:t>
+            </a:r>
+            <a:r>
+              <a:rPr lang="en-US" dirty="0" smtClean="0">
+                <a:solidFill>
+                  <a:srgbClr val="2A3643"/>
+                </a:solidFill>
+              </a:rPr>
+              <a:t>image, i.e.</a:t>
+            </a:r>
+          </a:p>
+          <a:p>
+            <a:pPr marL="0" indent="0" algn="ctr">
+              <a:lnSpc>
+                <a:spcPct val="100000"/>
+              </a:lnSpc>
+              <a:buNone/>
+            </a:pPr>
+            <a:r>
+              <a:rPr lang="en-US" dirty="0" smtClean="0">
+                <a:solidFill>
+                  <a:srgbClr val="2A3643"/>
+                </a:solidFill>
+              </a:rPr>
+              <a:t>![image title](image-path)</a:t>
+            </a:r>
+            <a:r>
+              <a:rPr lang="en-US" dirty="0" smtClean="0">
+                <a:solidFill>
+                  <a:srgbClr val="C00000"/>
+                </a:solidFill>
+              </a:rPr>
+              <a:t>{:style=“width:100px;height:100px;”}</a:t>
+            </a:r>
+          </a:p>
+          <a:p>
+            <a:pPr marL="0" indent="0">
+              <a:buNone/>
+            </a:pPr>
+            <a:r>
+              <a:rPr lang="en-US" dirty="0">
+                <a:solidFill>
+                  <a:srgbClr val="2A3643"/>
+                </a:solidFill>
+              </a:rPr>
+              <a:t>	</a:t>
+            </a:r>
+          </a:p>
+          <a:p>
+            <a:pPr marL="0" indent="0">
+              <a:buNone/>
+            </a:pPr>
+            <a:endParaRPr lang="en-US" dirty="0" smtClean="0">
+              <a:solidFill>
+                <a:srgbClr val="2A3643"/>
+              </a:solidFill>
+            </a:endParaRPr>
+          </a:p>
+        </p:txBody>
+      </p:sp>
+    </p:spTree>
+    <p:extLst>
+      <p:ext uri="{BB962C8B-B14F-4D97-AF65-F5344CB8AC3E}">
+        <p14:creationId xmlns:p14="http://schemas.microsoft.com/office/powerpoint/2010/main" val="2421350947"/>
+      </p:ext>
+    </p:extLst>
+  </p:cSld>
+  <p:clrMapOvr>
+    <a:masterClrMapping/>
+  </p:clrMapOvr>
+  <p:timing>
+    <p:tnLst>
+      <p:par>
+        <p:cTn id="1" dur="indefinite" restart="never" nodeType="tmRoot"/>
+      </p:par>
+    </p:tnLst>
+  </p:timing>
+</p:sld>
+</file>
+
+<file path=ppt/slides/slide14.xml><?xml version="1.0" encoding="utf-8"?>
+<p:sld xmlns:a="http://schemas.openxmlformats.org/drawingml/2006/main" xmlns:r="http://schemas.openxmlformats.org/officeDocument/2006/relationships" xmlns:p="http://schemas.openxmlformats.org/presentationml/2006/main">
+  <p:cSld>
+    <p:spTree>
+      <p:nvGrpSpPr>
+        <p:cNvPr id="1" name=""/>
+        <p:cNvGrpSpPr/>
+        <p:nvPr/>
+      </p:nvGrpSpPr>
+      <p:grpSpPr>
+        <a:xfrm>
+          <a:off x="0" y="0"/>
+          <a:ext cx="0" cy="0"/>
+          <a:chOff x="0" y="0"/>
+          <a:chExt cx="0" cy="0"/>
+        </a:xfrm>
+      </p:grpSpPr>
+      <p:sp>
+        <p:nvSpPr>
+          <p:cNvPr id="4" name="Title 3"/>
+          <p:cNvSpPr>
+            <a:spLocks noGrp="1"/>
+          </p:cNvSpPr>
+          <p:nvPr>
+            <p:ph type="title"/>
+          </p:nvPr>
+        </p:nvSpPr>
+        <p:spPr/>
+        <p:txBody>
+          <a:bodyPr/>
+          <a:lstStyle/>
+          <a:p>
+            <a:r>
+              <a:rPr lang="en-US" dirty="0" smtClean="0"/>
+              <a:t>Adding Images</a:t>
+            </a:r>
+            <a:endParaRPr lang="en-US" dirty="0"/>
+          </a:p>
+        </p:txBody>
+      </p:sp>
+      <p:cxnSp>
+        <p:nvCxnSpPr>
+          <p:cNvPr id="6" name="Straight Connector 5"/>
+          <p:cNvCxnSpPr/>
+          <p:nvPr/>
+        </p:nvCxnSpPr>
+        <p:spPr>
+          <a:xfrm flipH="1">
+            <a:off x="5812971" y="1886874"/>
+            <a:ext cx="36286" cy="4775183"/>
+          </a:xfrm>
+          <a:prstGeom prst="line">
+            <a:avLst/>
+          </a:prstGeom>
+          <a:ln w="38100">
+            <a:solidFill>
+              <a:srgbClr val="2A3643"/>
+            </a:solidFill>
+          </a:ln>
+        </p:spPr>
+        <p:style>
+          <a:lnRef idx="1">
+            <a:schemeClr val="accent1"/>
+          </a:lnRef>
+          <a:fillRef idx="0">
+            <a:schemeClr val="accent1"/>
+          </a:fillRef>
+          <a:effectRef idx="0">
+            <a:schemeClr val="accent1"/>
+          </a:effectRef>
+          <a:fontRef idx="minor">
+            <a:schemeClr val="tx1"/>
+          </a:fontRef>
+        </p:style>
+      </p:cxnSp>
+      <p:sp>
+        <p:nvSpPr>
+          <p:cNvPr id="18" name="Rectangle 17"/>
+          <p:cNvSpPr/>
+          <p:nvPr/>
+        </p:nvSpPr>
+        <p:spPr>
+          <a:xfrm>
+            <a:off x="611564" y="1517542"/>
+            <a:ext cx="4410892" cy="369332"/>
+          </a:xfrm>
+          <a:prstGeom prst="rect">
+            <a:avLst/>
+          </a:prstGeom>
+        </p:spPr>
+        <p:txBody>
+          <a:bodyPr wrap="square">
+            <a:spAutoFit/>
+          </a:bodyPr>
+          <a:lstStyle/>
+          <a:p>
+            <a:r>
+              <a:rPr lang="en-US" dirty="0" smtClean="0">
+                <a:solidFill>
+                  <a:srgbClr val="C00000"/>
+                </a:solidFill>
+              </a:rPr>
+              <a:t>In Markdown:</a:t>
+            </a:r>
+            <a:endParaRPr lang="en-US" dirty="0">
+              <a:solidFill>
+                <a:srgbClr val="C00000"/>
+              </a:solidFill>
+            </a:endParaRPr>
+          </a:p>
+        </p:txBody>
+      </p:sp>
+      <p:sp>
+        <p:nvSpPr>
+          <p:cNvPr id="19" name="Rectangle 18"/>
+          <p:cNvSpPr/>
+          <p:nvPr/>
+        </p:nvSpPr>
+        <p:spPr>
+          <a:xfrm>
+            <a:off x="6169614" y="1517542"/>
+            <a:ext cx="4410892" cy="369332"/>
+          </a:xfrm>
+          <a:prstGeom prst="rect">
+            <a:avLst/>
+          </a:prstGeom>
+        </p:spPr>
+        <p:txBody>
+          <a:bodyPr wrap="square">
+            <a:spAutoFit/>
+          </a:bodyPr>
+          <a:lstStyle/>
+          <a:p>
+            <a:r>
+              <a:rPr lang="en-US" dirty="0" smtClean="0">
+                <a:solidFill>
+                  <a:srgbClr val="C00000"/>
+                </a:solidFill>
+              </a:rPr>
+              <a:t>On Isomer webpage:</a:t>
+            </a:r>
+            <a:endParaRPr lang="en-US" dirty="0">
+              <a:solidFill>
+                <a:srgbClr val="C00000"/>
+              </a:solidFill>
+            </a:endParaRPr>
+          </a:p>
+        </p:txBody>
+      </p:sp>
+      <p:pic>
+        <p:nvPicPr>
+          <p:cNvPr id="3074" name="Picture 2" descr="hero-banner.png"/>
+          <p:cNvPicPr>
+            <a:picLocks noChangeAspect="1" noChangeArrowheads="1"/>
+          </p:cNvPicPr>
+          <p:nvPr/>
+        </p:nvPicPr>
+        <p:blipFill>
+          <a:blip r:embed="rId2" cstate="print">
+            <a:extLst>
+              <a:ext uri="{28A0092B-C50C-407E-A947-70E740481C1C}">
+                <a14:useLocalDpi xmlns:a14="http://schemas.microsoft.com/office/drawing/2010/main" val="0"/>
+              </a:ext>
+            </a:extLst>
+          </a:blip>
+          <a:srcRect/>
+          <a:stretch>
+            <a:fillRect/>
+          </a:stretch>
+        </p:blipFill>
+        <p:spPr bwMode="auto">
+          <a:xfrm>
+            <a:off x="7978095" y="2282889"/>
+            <a:ext cx="1630364" cy="2131321"/>
+          </a:xfrm>
+          <a:prstGeom prst="rect">
+            <a:avLst/>
+          </a:prstGeom>
+          <a:noFill/>
+          <a:extLst>
+            <a:ext uri="{909E8E84-426E-40DD-AFC4-6F175D3DCCD1}">
+              <a14:hiddenFill xmlns:a14="http://schemas.microsoft.com/office/drawing/2010/main">
+                <a:solidFill>
+                  <a:srgbClr val="FFFFFF"/>
+                </a:solidFill>
+              </a14:hiddenFill>
+            </a:ext>
+          </a:extLst>
+        </p:spPr>
+      </p:pic>
+      <p:pic>
+        <p:nvPicPr>
+          <p:cNvPr id="12" name="Picture 2" descr="hero-banner.png"/>
+          <p:cNvPicPr>
+            <a:picLocks noChangeAspect="1" noChangeArrowheads="1"/>
+          </p:cNvPicPr>
+          <p:nvPr/>
+        </p:nvPicPr>
+        <p:blipFill>
+          <a:blip r:embed="rId2" cstate="print">
+            <a:extLst>
+              <a:ext uri="{28A0092B-C50C-407E-A947-70E740481C1C}">
+                <a14:useLocalDpi xmlns:a14="http://schemas.microsoft.com/office/drawing/2010/main" val="0"/>
+              </a:ext>
+            </a:extLst>
+          </a:blip>
+          <a:srcRect/>
+          <a:stretch>
+            <a:fillRect/>
+          </a:stretch>
+        </p:blipFill>
+        <p:spPr bwMode="auto">
+          <a:xfrm>
+            <a:off x="7978095" y="5187873"/>
+            <a:ext cx="1630364" cy="1505129"/>
+          </a:xfrm>
+          <a:prstGeom prst="rect">
+            <a:avLst/>
+          </a:prstGeom>
+          <a:noFill/>
+          <a:extLst>
+            <a:ext uri="{909E8E84-426E-40DD-AFC4-6F175D3DCCD1}">
+              <a14:hiddenFill xmlns:a14="http://schemas.microsoft.com/office/drawing/2010/main">
+                <a:solidFill>
+                  <a:srgbClr val="FFFFFF"/>
+                </a:solidFill>
+              </a14:hiddenFill>
+            </a:ext>
+          </a:extLst>
+        </p:spPr>
+      </p:pic>
+      <p:sp>
+        <p:nvSpPr>
+          <p:cNvPr id="13" name="Rectangle 12"/>
+          <p:cNvSpPr/>
+          <p:nvPr/>
+        </p:nvSpPr>
+        <p:spPr>
+          <a:xfrm>
+            <a:off x="6169612" y="1888679"/>
+            <a:ext cx="5735773" cy="394210"/>
+          </a:xfrm>
+          <a:prstGeom prst="rect">
+            <a:avLst/>
+          </a:prstGeom>
+        </p:spPr>
+        <p:txBody>
+          <a:bodyPr wrap="square">
+            <a:spAutoFit/>
+          </a:bodyPr>
+          <a:lstStyle/>
+          <a:p>
+            <a:pPr>
+              <a:lnSpc>
+                <a:spcPct val="120000"/>
+              </a:lnSpc>
+            </a:pPr>
+            <a:r>
+              <a:rPr lang="en-US" b="1" dirty="0" smtClean="0">
+                <a:latin typeface="Arial" panose="020B0604020202020204" pitchFamily="34" charset="0"/>
+                <a:cs typeface="Arial" panose="020B0604020202020204" pitchFamily="34" charset="0"/>
+              </a:rPr>
+              <a:t>Changing Image width:</a:t>
+            </a:r>
+          </a:p>
+        </p:txBody>
+      </p:sp>
+      <p:sp>
+        <p:nvSpPr>
+          <p:cNvPr id="14" name="Rectangle 13"/>
+          <p:cNvSpPr/>
+          <p:nvPr/>
+        </p:nvSpPr>
+        <p:spPr>
+          <a:xfrm>
+            <a:off x="6169611" y="4810285"/>
+            <a:ext cx="5735773" cy="394210"/>
+          </a:xfrm>
+          <a:prstGeom prst="rect">
+            <a:avLst/>
+          </a:prstGeom>
+        </p:spPr>
+        <p:txBody>
+          <a:bodyPr wrap="square">
+            <a:spAutoFit/>
+          </a:bodyPr>
+          <a:lstStyle/>
+          <a:p>
+            <a:pPr>
+              <a:lnSpc>
+                <a:spcPct val="120000"/>
+              </a:lnSpc>
+            </a:pPr>
+            <a:r>
+              <a:rPr lang="en-US" b="1" dirty="0" smtClean="0">
+                <a:latin typeface="Arial" panose="020B0604020202020204" pitchFamily="34" charset="0"/>
+                <a:cs typeface="Arial" panose="020B0604020202020204" pitchFamily="34" charset="0"/>
+              </a:rPr>
+              <a:t>Changing Image width and height:</a:t>
+            </a:r>
+          </a:p>
+        </p:txBody>
+      </p:sp>
+      <p:sp>
+        <p:nvSpPr>
+          <p:cNvPr id="11" name="Rectangle 2"/>
+          <p:cNvSpPr>
+            <a:spLocks noChangeArrowheads="1"/>
+          </p:cNvSpPr>
+          <p:nvPr/>
+        </p:nvSpPr>
+        <p:spPr bwMode="auto">
+          <a:xfrm>
+            <a:off x="611564" y="2236460"/>
+            <a:ext cx="4773236" cy="2031325"/>
+          </a:xfrm>
+          <a:prstGeom prst="rect">
+            <a:avLst/>
+          </a:prstGeom>
+          <a:noFill/>
+          <a:ln>
+            <a:noFill/>
+          </a:ln>
+          <a:effectLst/>
+          <a:extLst>
+            <a:ext uri="{909E8E84-426E-40DD-AFC4-6F175D3DCCD1}">
+              <a14:hiddenFill xmlns:a14="http://schemas.microsoft.com/office/drawing/2010/main">
+                <a:solidFill>
+                  <a:schemeClr val="accent1"/>
+                </a:solidFill>
+              </a14:hiddenFill>
+            </a:ext>
+            <a:ext uri="{91240B29-F687-4F45-9708-019B960494DF}">
+              <a14:hiddenLine xmlns:a14="http://schemas.microsoft.com/office/drawing/2010/main" w="9525">
+                <a:solidFill>
+                  <a:schemeClr val="tx1"/>
+                </a:solidFill>
+                <a:miter lim="800000"/>
+                <a:headEnd/>
+                <a:tailEnd/>
+              </a14:hiddenLine>
+            </a:ext>
+            <a:ext uri="{AF507438-7753-43E0-B8FC-AC1667EBCBE1}">
+              <a14:hiddenEffects xmlns:a14="http://schemas.microsoft.com/office/drawing/2010/main">
+                <a:effectLst>
+                  <a:outerShdw dist="35921" dir="2700000" algn="ctr" rotWithShape="0">
+                    <a:schemeClr val="bg2"/>
+                  </a:outerShdw>
+                </a:effectLst>
+              </a14:hiddenEffects>
+            </a:ext>
+          </a:extLst>
+        </p:spPr>
+        <p:txBody>
+          <a:bodyPr vert="horz" wrap="square" lIns="91440" tIns="45720" rIns="91440" bIns="45720" numCol="1" anchor="ctr" anchorCtr="0" compatLnSpc="1">
+            <a:prstTxWarp prst="textNoShape">
+              <a:avLst/>
+            </a:prstTxWarp>
+            <a:spAutoFit/>
+          </a:bodyPr>
+          <a:lstStyle/>
+          <a:p>
+            <a:r>
+              <a:rPr lang="en-US" dirty="0" smtClean="0">
+                <a:solidFill>
+                  <a:srgbClr val="2A3643"/>
+                </a:solidFill>
+              </a:rPr>
+              <a:t>**Changing Image width:**</a:t>
+            </a:r>
+          </a:p>
+          <a:p>
+            <a:r>
+              <a:rPr lang="en-US" dirty="0" smtClean="0">
+                <a:solidFill>
+                  <a:srgbClr val="2A3643"/>
+                </a:solidFill>
+              </a:rPr>
+              <a:t>![Hero </a:t>
+            </a:r>
+            <a:r>
+              <a:rPr lang="en-US" dirty="0">
+                <a:solidFill>
+                  <a:srgbClr val="2A3643"/>
+                </a:solidFill>
+              </a:rPr>
+              <a:t>Banner</a:t>
+            </a:r>
+            <a:r>
+              <a:rPr lang="en-US" dirty="0" smtClean="0">
+                <a:solidFill>
+                  <a:srgbClr val="2A3643"/>
+                </a:solidFill>
+              </a:rPr>
+              <a:t>](/</a:t>
+            </a:r>
+            <a:r>
+              <a:rPr lang="en-US" dirty="0">
+                <a:solidFill>
+                  <a:srgbClr val="2A3643"/>
+                </a:solidFill>
+              </a:rPr>
+              <a:t>images/hero-banner.png</a:t>
+            </a:r>
+            <a:r>
+              <a:rPr lang="en-US" dirty="0" smtClean="0">
+                <a:solidFill>
+                  <a:srgbClr val="2A3643"/>
+                </a:solidFill>
+              </a:rPr>
+              <a:t>){:style=“width:100px;”}</a:t>
+            </a:r>
+            <a:endParaRPr lang="en-US" dirty="0">
+              <a:solidFill>
+                <a:srgbClr val="2A3643"/>
+              </a:solidFill>
+            </a:endParaRPr>
+          </a:p>
+          <a:p>
+            <a:endParaRPr lang="en-US" dirty="0" smtClean="0">
+              <a:solidFill>
+                <a:srgbClr val="2A3643"/>
+              </a:solidFill>
+            </a:endParaRPr>
+          </a:p>
+          <a:p>
+            <a:r>
+              <a:rPr lang="en-US" dirty="0">
+                <a:solidFill>
+                  <a:srgbClr val="2A3643"/>
+                </a:solidFill>
+              </a:rPr>
+              <a:t>**Changing Image </a:t>
+            </a:r>
+            <a:r>
+              <a:rPr lang="en-US" dirty="0" smtClean="0">
+                <a:solidFill>
+                  <a:srgbClr val="2A3643"/>
+                </a:solidFill>
+              </a:rPr>
+              <a:t>width and height:**</a:t>
+            </a:r>
+            <a:endParaRPr lang="en-US" dirty="0">
+              <a:solidFill>
+                <a:srgbClr val="2A3643"/>
+              </a:solidFill>
+            </a:endParaRPr>
+          </a:p>
+          <a:p>
+            <a:r>
+              <a:rPr lang="en-US" dirty="0" smtClean="0">
+                <a:solidFill>
+                  <a:srgbClr val="2A3643"/>
+                </a:solidFill>
+              </a:rPr>
+              <a:t>![</a:t>
+            </a:r>
+            <a:r>
+              <a:rPr lang="en-US" dirty="0">
+                <a:solidFill>
+                  <a:srgbClr val="2A3643"/>
+                </a:solidFill>
+              </a:rPr>
+              <a:t>Hero Banner</a:t>
+            </a:r>
+            <a:r>
+              <a:rPr lang="en-US" dirty="0" smtClean="0">
+                <a:solidFill>
+                  <a:srgbClr val="2A3643"/>
+                </a:solidFill>
+              </a:rPr>
+              <a:t>](/images/hero-banner.png){:</a:t>
+            </a:r>
+            <a:r>
+              <a:rPr lang="en-US" dirty="0">
+                <a:solidFill>
+                  <a:srgbClr val="2A3643"/>
+                </a:solidFill>
+              </a:rPr>
+              <a:t>style=“</a:t>
+            </a:r>
+            <a:r>
+              <a:rPr lang="en-US" dirty="0" smtClean="0">
+                <a:solidFill>
+                  <a:srgbClr val="2A3643"/>
+                </a:solidFill>
+              </a:rPr>
+              <a:t>width:100px;height:100px;”}</a:t>
+            </a:r>
+            <a:endParaRPr lang="en-US" dirty="0">
+              <a:solidFill>
+                <a:srgbClr val="2A3643"/>
+              </a:solidFill>
+            </a:endParaRPr>
+          </a:p>
+        </p:txBody>
+      </p:sp>
+    </p:spTree>
+    <p:extLst>
+      <p:ext uri="{BB962C8B-B14F-4D97-AF65-F5344CB8AC3E}">
+        <p14:creationId xmlns:p14="http://schemas.microsoft.com/office/powerpoint/2010/main" val="2939224952"/>
+      </p:ext>
+    </p:extLst>
+  </p:cSld>
+  <p:clrMapOvr>
+    <a:masterClrMapping/>
+  </p:clrMapOvr>
+  <p:timing>
+    <p:tnLst>
+      <p:par>
+        <p:cTn id="1" dur="indefinite" restart="never" nodeType="tmRoot"/>
+      </p:par>
+    </p:tnLst>
+  </p:timing>
+</p:sld>
+</file>
+
+<file path=ppt/slides/slide15.xml><?xml version="1.0" encoding="utf-8"?>
+<p:sld xmlns:a="http://schemas.openxmlformats.org/drawingml/2006/main" xmlns:r="http://schemas.openxmlformats.org/officeDocument/2006/relationships" xmlns:p="http://schemas.openxmlformats.org/presentationml/2006/main">
+  <p:cSld>
+    <p:spTree>
+      <p:nvGrpSpPr>
+        <p:cNvPr id="1" name=""/>
+        <p:cNvGrpSpPr/>
+        <p:nvPr/>
+      </p:nvGrpSpPr>
+      <p:grpSpPr>
+        <a:xfrm>
+          <a:off x="0" y="0"/>
+          <a:ext cx="0" cy="0"/>
+          <a:chOff x="0" y="0"/>
+          <a:chExt cx="0" cy="0"/>
+        </a:xfrm>
+      </p:grpSpPr>
+      <p:sp>
+        <p:nvSpPr>
+          <p:cNvPr id="4" name="Title 3"/>
+          <p:cNvSpPr>
+            <a:spLocks noGrp="1"/>
+          </p:cNvSpPr>
+          <p:nvPr>
+            <p:ph type="title"/>
+          </p:nvPr>
+        </p:nvSpPr>
+        <p:spPr/>
+        <p:txBody>
+          <a:bodyPr/>
+          <a:lstStyle/>
+          <a:p>
+            <a:r>
+              <a:rPr lang="en-US" dirty="0" smtClean="0"/>
+              <a:t>Adding Images</a:t>
+            </a:r>
+            <a:endParaRPr lang="en-US" dirty="0"/>
+          </a:p>
+        </p:txBody>
+      </p:sp>
+      <p:cxnSp>
+        <p:nvCxnSpPr>
+          <p:cNvPr id="6" name="Straight Connector 5"/>
+          <p:cNvCxnSpPr/>
+          <p:nvPr/>
+        </p:nvCxnSpPr>
+        <p:spPr>
+          <a:xfrm flipH="1">
+            <a:off x="5812971" y="1886874"/>
+            <a:ext cx="36286" cy="4775183"/>
+          </a:xfrm>
+          <a:prstGeom prst="line">
+            <a:avLst/>
+          </a:prstGeom>
+          <a:ln w="38100">
+            <a:solidFill>
+              <a:srgbClr val="2A3643"/>
+            </a:solidFill>
+          </a:ln>
+        </p:spPr>
+        <p:style>
+          <a:lnRef idx="1">
+            <a:schemeClr val="accent1"/>
+          </a:lnRef>
+          <a:fillRef idx="0">
+            <a:schemeClr val="accent1"/>
+          </a:fillRef>
+          <a:effectRef idx="0">
+            <a:schemeClr val="accent1"/>
+          </a:effectRef>
+          <a:fontRef idx="minor">
+            <a:schemeClr val="tx1"/>
+          </a:fontRef>
+        </p:style>
+      </p:cxnSp>
+      <p:sp>
+        <p:nvSpPr>
+          <p:cNvPr id="18" name="Rectangle 17"/>
+          <p:cNvSpPr/>
+          <p:nvPr/>
+        </p:nvSpPr>
+        <p:spPr>
+          <a:xfrm>
+            <a:off x="611564" y="1517542"/>
+            <a:ext cx="4410892" cy="369332"/>
+          </a:xfrm>
+          <a:prstGeom prst="rect">
+            <a:avLst/>
+          </a:prstGeom>
+        </p:spPr>
+        <p:txBody>
+          <a:bodyPr wrap="square">
+            <a:spAutoFit/>
+          </a:bodyPr>
+          <a:lstStyle/>
+          <a:p>
+            <a:r>
+              <a:rPr lang="en-US" dirty="0" smtClean="0">
+                <a:solidFill>
+                  <a:srgbClr val="C00000"/>
+                </a:solidFill>
+              </a:rPr>
+              <a:t>In Markdown:</a:t>
+            </a:r>
+            <a:endParaRPr lang="en-US" dirty="0">
+              <a:solidFill>
+                <a:srgbClr val="C00000"/>
+              </a:solidFill>
+            </a:endParaRPr>
+          </a:p>
+        </p:txBody>
+      </p:sp>
+      <p:sp>
+        <p:nvSpPr>
+          <p:cNvPr id="19" name="Rectangle 18"/>
+          <p:cNvSpPr/>
+          <p:nvPr/>
+        </p:nvSpPr>
+        <p:spPr>
+          <a:xfrm>
+            <a:off x="6169614" y="1517542"/>
+            <a:ext cx="4410892" cy="369332"/>
+          </a:xfrm>
+          <a:prstGeom prst="rect">
+            <a:avLst/>
+          </a:prstGeom>
+        </p:spPr>
+        <p:txBody>
+          <a:bodyPr wrap="square">
+            <a:spAutoFit/>
+          </a:bodyPr>
+          <a:lstStyle/>
+          <a:p>
+            <a:r>
+              <a:rPr lang="en-US" dirty="0" smtClean="0">
+                <a:solidFill>
+                  <a:srgbClr val="C00000"/>
+                </a:solidFill>
+              </a:rPr>
+              <a:t>On Isomer webpage:</a:t>
+            </a:r>
+            <a:endParaRPr lang="en-US" dirty="0">
+              <a:solidFill>
+                <a:srgbClr val="C00000"/>
+              </a:solidFill>
+            </a:endParaRPr>
+          </a:p>
+        </p:txBody>
+      </p:sp>
+      <p:sp>
+        <p:nvSpPr>
+          <p:cNvPr id="9" name="Rectangle 2"/>
+          <p:cNvSpPr>
+            <a:spLocks noChangeArrowheads="1"/>
+          </p:cNvSpPr>
+          <p:nvPr/>
+        </p:nvSpPr>
+        <p:spPr bwMode="auto">
+          <a:xfrm>
+            <a:off x="611564" y="1959462"/>
+            <a:ext cx="4639705" cy="2585323"/>
+          </a:xfrm>
+          <a:prstGeom prst="rect">
+            <a:avLst/>
+          </a:prstGeom>
+          <a:noFill/>
+          <a:ln>
+            <a:noFill/>
+          </a:ln>
+          <a:effectLst/>
+          <a:extLst>
+            <a:ext uri="{909E8E84-426E-40DD-AFC4-6F175D3DCCD1}">
+              <a14:hiddenFill xmlns:a14="http://schemas.microsoft.com/office/drawing/2010/main">
+                <a:solidFill>
+                  <a:schemeClr val="accent1"/>
+                </a:solidFill>
+              </a14:hiddenFill>
+            </a:ext>
+            <a:ext uri="{91240B29-F687-4F45-9708-019B960494DF}">
+              <a14:hiddenLine xmlns:a14="http://schemas.microsoft.com/office/drawing/2010/main" w="9525">
+                <a:solidFill>
+                  <a:schemeClr val="tx1"/>
+                </a:solidFill>
+                <a:miter lim="800000"/>
+                <a:headEnd/>
+                <a:tailEnd/>
+              </a14:hiddenLine>
+            </a:ext>
+            <a:ext uri="{AF507438-7753-43E0-B8FC-AC1667EBCBE1}">
+              <a14:hiddenEffects xmlns:a14="http://schemas.microsoft.com/office/drawing/2010/main">
+                <a:effectLst>
+                  <a:outerShdw dist="35921" dir="2700000" algn="ctr" rotWithShape="0">
+                    <a:schemeClr val="bg2"/>
+                  </a:outerShdw>
+                </a:effectLst>
+              </a14:hiddenEffects>
+            </a:ext>
+          </a:extLst>
+        </p:spPr>
+        <p:txBody>
+          <a:bodyPr vert="horz" wrap="square" lIns="91440" tIns="45720" rIns="91440" bIns="45720" numCol="1" anchor="ctr" anchorCtr="0" compatLnSpc="1">
+            <a:prstTxWarp prst="textNoShape">
+              <a:avLst/>
+            </a:prstTxWarp>
+            <a:spAutoFit/>
+          </a:bodyPr>
+          <a:lstStyle/>
+          <a:p>
+            <a:r>
+              <a:rPr lang="en-US" dirty="0" smtClean="0">
+                <a:solidFill>
+                  <a:srgbClr val="2A3643"/>
+                </a:solidFill>
+              </a:rPr>
+              <a:t>**Alight Left:**</a:t>
+            </a:r>
+          </a:p>
+          <a:p>
+            <a:r>
+              <a:rPr lang="en-US" dirty="0" smtClean="0">
+                <a:solidFill>
+                  <a:srgbClr val="2A3643"/>
+                </a:solidFill>
+              </a:rPr>
+              <a:t>![Hero </a:t>
+            </a:r>
+            <a:r>
+              <a:rPr lang="en-US" dirty="0">
+                <a:solidFill>
+                  <a:srgbClr val="2A3643"/>
+                </a:solidFill>
+              </a:rPr>
+              <a:t>Banner</a:t>
+            </a:r>
+            <a:r>
+              <a:rPr lang="en-US" dirty="0" smtClean="0">
+                <a:solidFill>
+                  <a:srgbClr val="2A3643"/>
+                </a:solidFill>
+              </a:rPr>
+              <a:t>](/</a:t>
+            </a:r>
+            <a:r>
+              <a:rPr lang="en-US" dirty="0">
+                <a:solidFill>
+                  <a:srgbClr val="2A3643"/>
+                </a:solidFill>
+              </a:rPr>
+              <a:t>images/hero-banner.png</a:t>
+            </a:r>
+            <a:r>
+              <a:rPr lang="en-US" dirty="0" smtClean="0">
+                <a:solidFill>
+                  <a:srgbClr val="2A3643"/>
+                </a:solidFill>
+              </a:rPr>
+              <a:t>){:style=“width:100px;height:100px;margin-left:0;”}</a:t>
+            </a:r>
+            <a:endParaRPr lang="en-US" dirty="0">
+              <a:solidFill>
+                <a:srgbClr val="2A3643"/>
+              </a:solidFill>
+            </a:endParaRPr>
+          </a:p>
+          <a:p>
+            <a:endParaRPr lang="en-US" dirty="0" smtClean="0">
+              <a:solidFill>
+                <a:srgbClr val="2A3643"/>
+              </a:solidFill>
+            </a:endParaRPr>
+          </a:p>
+          <a:p>
+            <a:r>
+              <a:rPr lang="en-US" dirty="0" smtClean="0">
+                <a:solidFill>
+                  <a:srgbClr val="2A3643"/>
+                </a:solidFill>
+              </a:rPr>
+              <a:t>**Alight Right:**</a:t>
+            </a:r>
+            <a:endParaRPr lang="en-US" dirty="0">
+              <a:solidFill>
+                <a:srgbClr val="2A3643"/>
+              </a:solidFill>
+            </a:endParaRPr>
+          </a:p>
+          <a:p>
+            <a:r>
+              <a:rPr lang="en-US" dirty="0" smtClean="0">
+                <a:solidFill>
+                  <a:srgbClr val="2A3643"/>
+                </a:solidFill>
+              </a:rPr>
+              <a:t>![</a:t>
+            </a:r>
+            <a:r>
+              <a:rPr lang="en-US" dirty="0">
+                <a:solidFill>
+                  <a:srgbClr val="2A3643"/>
+                </a:solidFill>
+              </a:rPr>
+              <a:t>Hero Banner</a:t>
+            </a:r>
+            <a:r>
+              <a:rPr lang="en-US" dirty="0" smtClean="0">
+                <a:solidFill>
+                  <a:srgbClr val="2A3643"/>
+                </a:solidFill>
+              </a:rPr>
+              <a:t>](/images/hero-banner.png){:</a:t>
+            </a:r>
+            <a:r>
+              <a:rPr lang="en-US" dirty="0">
+                <a:solidFill>
+                  <a:srgbClr val="2A3643"/>
+                </a:solidFill>
+              </a:rPr>
+              <a:t>style=“</a:t>
+            </a:r>
+            <a:r>
+              <a:rPr lang="en-US" dirty="0" smtClean="0">
+                <a:solidFill>
+                  <a:srgbClr val="2A3643"/>
+                </a:solidFill>
+              </a:rPr>
+              <a:t>width:100px;height:100px;margin-right:0</a:t>
+            </a:r>
+            <a:r>
+              <a:rPr lang="en-US" dirty="0">
+                <a:solidFill>
+                  <a:srgbClr val="2A3643"/>
+                </a:solidFill>
+              </a:rPr>
+              <a:t>;”}</a:t>
+            </a:r>
+            <a:endParaRPr lang="en-US" dirty="0">
+              <a:solidFill>
+                <a:srgbClr val="2A3643"/>
+              </a:solidFill>
+            </a:endParaRPr>
+          </a:p>
+        </p:txBody>
+      </p:sp>
+      <p:pic>
+        <p:nvPicPr>
+          <p:cNvPr id="12" name="Picture 2" descr="hero-banner.png"/>
+          <p:cNvPicPr>
+            <a:picLocks noChangeAspect="1" noChangeArrowheads="1"/>
+          </p:cNvPicPr>
+          <p:nvPr/>
+        </p:nvPicPr>
+        <p:blipFill>
+          <a:blip r:embed="rId2" cstate="print">
+            <a:extLst>
+              <a:ext uri="{28A0092B-C50C-407E-A947-70E740481C1C}">
+                <a14:useLocalDpi xmlns:a14="http://schemas.microsoft.com/office/drawing/2010/main" val="0"/>
+              </a:ext>
+            </a:extLst>
+          </a:blip>
+          <a:srcRect/>
+          <a:stretch>
+            <a:fillRect/>
+          </a:stretch>
+        </p:blipFill>
+        <p:spPr bwMode="auto">
+          <a:xfrm>
+            <a:off x="10039123" y="4810501"/>
+            <a:ext cx="1630364" cy="1505129"/>
+          </a:xfrm>
+          <a:prstGeom prst="rect">
+            <a:avLst/>
+          </a:prstGeom>
+          <a:noFill/>
+          <a:extLst>
+            <a:ext uri="{909E8E84-426E-40DD-AFC4-6F175D3DCCD1}">
+              <a14:hiddenFill xmlns:a14="http://schemas.microsoft.com/office/drawing/2010/main">
+                <a:solidFill>
+                  <a:srgbClr val="FFFFFF"/>
+                </a:solidFill>
+              </a14:hiddenFill>
+            </a:ext>
+          </a:extLst>
+        </p:spPr>
+      </p:pic>
+      <p:sp>
+        <p:nvSpPr>
+          <p:cNvPr id="13" name="Rectangle 12"/>
+          <p:cNvSpPr/>
+          <p:nvPr/>
+        </p:nvSpPr>
+        <p:spPr>
+          <a:xfrm>
+            <a:off x="6169611" y="1886966"/>
+            <a:ext cx="5735773" cy="394210"/>
+          </a:xfrm>
+          <a:prstGeom prst="rect">
+            <a:avLst/>
+          </a:prstGeom>
+        </p:spPr>
+        <p:txBody>
+          <a:bodyPr wrap="square">
+            <a:spAutoFit/>
+          </a:bodyPr>
+          <a:lstStyle/>
+          <a:p>
+            <a:pPr>
+              <a:lnSpc>
+                <a:spcPct val="120000"/>
+              </a:lnSpc>
+            </a:pPr>
+            <a:r>
+              <a:rPr lang="en-US" b="1" dirty="0" smtClean="0">
+                <a:latin typeface="Arial" panose="020B0604020202020204" pitchFamily="34" charset="0"/>
+                <a:cs typeface="Arial" panose="020B0604020202020204" pitchFamily="34" charset="0"/>
+              </a:rPr>
+              <a:t>Alight Left:</a:t>
+            </a:r>
+          </a:p>
+        </p:txBody>
+      </p:sp>
+      <p:sp>
+        <p:nvSpPr>
+          <p:cNvPr id="14" name="Rectangle 13"/>
+          <p:cNvSpPr/>
+          <p:nvPr/>
+        </p:nvSpPr>
+        <p:spPr>
+          <a:xfrm>
+            <a:off x="6169612" y="4266155"/>
+            <a:ext cx="5735773" cy="394210"/>
+          </a:xfrm>
+          <a:prstGeom prst="rect">
+            <a:avLst/>
+          </a:prstGeom>
+        </p:spPr>
+        <p:txBody>
+          <a:bodyPr wrap="square">
+            <a:spAutoFit/>
+          </a:bodyPr>
+          <a:lstStyle/>
+          <a:p>
+            <a:pPr>
+              <a:lnSpc>
+                <a:spcPct val="120000"/>
+              </a:lnSpc>
+            </a:pPr>
+            <a:r>
+              <a:rPr lang="en-US" b="1" dirty="0" smtClean="0">
+                <a:latin typeface="Arial" panose="020B0604020202020204" pitchFamily="34" charset="0"/>
+                <a:cs typeface="Arial" panose="020B0604020202020204" pitchFamily="34" charset="0"/>
+              </a:rPr>
+              <a:t>Alight Right:</a:t>
+            </a:r>
+          </a:p>
+        </p:txBody>
+      </p:sp>
+      <p:pic>
+        <p:nvPicPr>
+          <p:cNvPr id="15" name="Picture 2" descr="hero-banner.png"/>
+          <p:cNvPicPr>
+            <a:picLocks noChangeAspect="1" noChangeArrowheads="1"/>
+          </p:cNvPicPr>
+          <p:nvPr/>
+        </p:nvPicPr>
+        <p:blipFill>
+          <a:blip r:embed="rId2" cstate="print">
+            <a:extLst>
+              <a:ext uri="{28A0092B-C50C-407E-A947-70E740481C1C}">
+                <a14:useLocalDpi xmlns:a14="http://schemas.microsoft.com/office/drawing/2010/main" val="0"/>
+              </a:ext>
+            </a:extLst>
+          </a:blip>
+          <a:srcRect/>
+          <a:stretch>
+            <a:fillRect/>
+          </a:stretch>
+        </p:blipFill>
+        <p:spPr bwMode="auto">
+          <a:xfrm>
+            <a:off x="6169611" y="2308550"/>
+            <a:ext cx="1630364" cy="1505129"/>
+          </a:xfrm>
+          <a:prstGeom prst="rect">
+            <a:avLst/>
+          </a:prstGeom>
+          <a:noFill/>
+          <a:extLst>
+            <a:ext uri="{909E8E84-426E-40DD-AFC4-6F175D3DCCD1}">
+              <a14:hiddenFill xmlns:a14="http://schemas.microsoft.com/office/drawing/2010/main">
+                <a:solidFill>
+                  <a:srgbClr val="FFFFFF"/>
+                </a:solidFill>
+              </a14:hiddenFill>
+            </a:ext>
+          </a:extLst>
+        </p:spPr>
+      </p:pic>
+    </p:spTree>
+    <p:extLst>
+      <p:ext uri="{BB962C8B-B14F-4D97-AF65-F5344CB8AC3E}">
+        <p14:creationId xmlns:p14="http://schemas.microsoft.com/office/powerpoint/2010/main" val="1718469564"/>
+      </p:ext>
+    </p:extLst>
+  </p:cSld>
+  <p:clrMapOvr>
+    <a:masterClrMapping/>
+  </p:clrMapOvr>
+  <p:timing>
+    <p:tnLst>
+      <p:par>
+        <p:cTn id="1" dur="indefinite" restart="never" nodeType="tmRoot"/>
+      </p:par>
+    </p:tnLst>
+  </p:timing>
+</p:sld>
+</file>
+
+<file path=ppt/slides/slide16.xml><?xml version="1.0" encoding="utf-8"?>
+<p:sld xmlns:a="http://schemas.openxmlformats.org/drawingml/2006/main" xmlns:r="http://schemas.openxmlformats.org/officeDocument/2006/relationships" xmlns:p="http://schemas.openxmlformats.org/presentationml/2006/main">
+  <p:cSld>
+    <p:spTree>
+      <p:nvGrpSpPr>
+        <p:cNvPr id="1" name=""/>
+        <p:cNvGrpSpPr/>
+        <p:nvPr/>
+      </p:nvGrpSpPr>
+      <p:grpSpPr>
+        <a:xfrm>
+          <a:off x="0" y="0"/>
+          <a:ext cx="0" cy="0"/>
+          <a:chOff x="0" y="0"/>
+          <a:chExt cx="0" cy="0"/>
+        </a:xfrm>
+      </p:grpSpPr>
+      <p:sp>
+        <p:nvSpPr>
+          <p:cNvPr id="4" name="Title 3"/>
+          <p:cNvSpPr>
+            <a:spLocks noGrp="1"/>
+          </p:cNvSpPr>
+          <p:nvPr>
+            <p:ph type="title"/>
+          </p:nvPr>
+        </p:nvSpPr>
+        <p:spPr/>
+        <p:txBody>
+          <a:bodyPr/>
+          <a:lstStyle/>
+          <a:p>
+            <a:r>
+              <a:rPr lang="en-US" dirty="0" smtClean="0"/>
+              <a:t>Adding Images</a:t>
+            </a:r>
+            <a:endParaRPr lang="en-US" dirty="0"/>
+          </a:p>
+        </p:txBody>
+      </p:sp>
+      <p:cxnSp>
+        <p:nvCxnSpPr>
+          <p:cNvPr id="6" name="Straight Connector 5"/>
+          <p:cNvCxnSpPr/>
+          <p:nvPr/>
+        </p:nvCxnSpPr>
+        <p:spPr>
+          <a:xfrm flipH="1">
+            <a:off x="6456458" y="1854565"/>
+            <a:ext cx="36286" cy="4775183"/>
+          </a:xfrm>
+          <a:prstGeom prst="line">
+            <a:avLst/>
+          </a:prstGeom>
+          <a:ln w="38100">
+            <a:solidFill>
+              <a:srgbClr val="2A3643"/>
+            </a:solidFill>
+          </a:ln>
+        </p:spPr>
+        <p:style>
+          <a:lnRef idx="1">
+            <a:schemeClr val="accent1"/>
+          </a:lnRef>
+          <a:fillRef idx="0">
+            <a:schemeClr val="accent1"/>
+          </a:fillRef>
+          <a:effectRef idx="0">
+            <a:schemeClr val="accent1"/>
+          </a:effectRef>
+          <a:fontRef idx="minor">
+            <a:schemeClr val="tx1"/>
+          </a:fontRef>
+        </p:style>
+      </p:cxnSp>
+      <p:sp>
+        <p:nvSpPr>
+          <p:cNvPr id="18" name="Rectangle 17"/>
+          <p:cNvSpPr/>
+          <p:nvPr/>
+        </p:nvSpPr>
+        <p:spPr>
+          <a:xfrm>
+            <a:off x="611564" y="1517542"/>
+            <a:ext cx="4410892" cy="369332"/>
+          </a:xfrm>
+          <a:prstGeom prst="rect">
+            <a:avLst/>
+          </a:prstGeom>
+        </p:spPr>
+        <p:txBody>
+          <a:bodyPr wrap="square">
+            <a:spAutoFit/>
+          </a:bodyPr>
+          <a:lstStyle/>
+          <a:p>
+            <a:r>
+              <a:rPr lang="en-US" dirty="0" smtClean="0">
+                <a:solidFill>
+                  <a:srgbClr val="C00000"/>
+                </a:solidFill>
+              </a:rPr>
+              <a:t>In Markdown:</a:t>
+            </a:r>
+            <a:endParaRPr lang="en-US" dirty="0">
+              <a:solidFill>
+                <a:srgbClr val="C00000"/>
+              </a:solidFill>
+            </a:endParaRPr>
+          </a:p>
+        </p:txBody>
+      </p:sp>
+      <p:sp>
+        <p:nvSpPr>
+          <p:cNvPr id="19" name="Rectangle 18"/>
+          <p:cNvSpPr/>
+          <p:nvPr/>
+        </p:nvSpPr>
+        <p:spPr>
+          <a:xfrm>
+            <a:off x="6602223" y="1525531"/>
+            <a:ext cx="4410892" cy="369332"/>
+          </a:xfrm>
+          <a:prstGeom prst="rect">
+            <a:avLst/>
+          </a:prstGeom>
+        </p:spPr>
+        <p:txBody>
+          <a:bodyPr wrap="square">
+            <a:spAutoFit/>
+          </a:bodyPr>
+          <a:lstStyle/>
+          <a:p>
+            <a:r>
+              <a:rPr lang="en-US" dirty="0" smtClean="0">
+                <a:solidFill>
+                  <a:srgbClr val="C00000"/>
+                </a:solidFill>
+              </a:rPr>
+              <a:t>On Isomer webpage:</a:t>
+            </a:r>
+            <a:endParaRPr lang="en-US" dirty="0">
+              <a:solidFill>
+                <a:srgbClr val="C00000"/>
+              </a:solidFill>
+            </a:endParaRPr>
+          </a:p>
+        </p:txBody>
+      </p:sp>
+      <p:sp>
+        <p:nvSpPr>
+          <p:cNvPr id="9" name="Rectangle 2"/>
+          <p:cNvSpPr>
+            <a:spLocks noChangeArrowheads="1"/>
+          </p:cNvSpPr>
+          <p:nvPr/>
+        </p:nvSpPr>
+        <p:spPr bwMode="auto">
+          <a:xfrm>
+            <a:off x="541768" y="1955104"/>
+            <a:ext cx="5989661" cy="2031325"/>
+          </a:xfrm>
+          <a:prstGeom prst="rect">
+            <a:avLst/>
+          </a:prstGeom>
+          <a:noFill/>
+          <a:ln>
+            <a:noFill/>
+          </a:ln>
+          <a:effectLst/>
+          <a:extLst>
+            <a:ext uri="{909E8E84-426E-40DD-AFC4-6F175D3DCCD1}">
+              <a14:hiddenFill xmlns:a14="http://schemas.microsoft.com/office/drawing/2010/main">
+                <a:solidFill>
+                  <a:schemeClr val="accent1"/>
+                </a:solidFill>
+              </a14:hiddenFill>
+            </a:ext>
+            <a:ext uri="{91240B29-F687-4F45-9708-019B960494DF}">
+              <a14:hiddenLine xmlns:a14="http://schemas.microsoft.com/office/drawing/2010/main" w="9525">
+                <a:solidFill>
+                  <a:schemeClr val="tx1"/>
+                </a:solidFill>
+                <a:miter lim="800000"/>
+                <a:headEnd/>
+                <a:tailEnd/>
+              </a14:hiddenLine>
+            </a:ext>
+            <a:ext uri="{AF507438-7753-43E0-B8FC-AC1667EBCBE1}">
+              <a14:hiddenEffects xmlns:a14="http://schemas.microsoft.com/office/drawing/2010/main">
+                <a:effectLst>
+                  <a:outerShdw dist="35921" dir="2700000" algn="ctr" rotWithShape="0">
+                    <a:schemeClr val="bg2"/>
+                  </a:outerShdw>
+                </a:effectLst>
+              </a14:hiddenEffects>
+            </a:ext>
+          </a:extLst>
+        </p:spPr>
+        <p:txBody>
+          <a:bodyPr vert="horz" wrap="square" lIns="91440" tIns="45720" rIns="91440" bIns="45720" numCol="1" anchor="ctr" anchorCtr="0" compatLnSpc="1">
+            <a:prstTxWarp prst="textNoShape">
+              <a:avLst/>
+            </a:prstTxWarp>
+            <a:spAutoFit/>
+          </a:bodyPr>
+          <a:lstStyle/>
+          <a:p>
+            <a:r>
+              <a:rPr lang="en-US" dirty="0" smtClean="0">
+                <a:solidFill>
+                  <a:srgbClr val="2A3643"/>
+                </a:solidFill>
+              </a:rPr>
+              <a:t>![Hero </a:t>
+            </a:r>
+            <a:r>
+              <a:rPr lang="en-US" dirty="0">
+                <a:solidFill>
+                  <a:srgbClr val="2A3643"/>
+                </a:solidFill>
+              </a:rPr>
+              <a:t>Banner</a:t>
+            </a:r>
+            <a:r>
+              <a:rPr lang="en-US" dirty="0" smtClean="0">
+                <a:solidFill>
+                  <a:srgbClr val="2A3643"/>
+                </a:solidFill>
+              </a:rPr>
+              <a:t>](/images/hero-banner.png)</a:t>
+            </a:r>
+          </a:p>
+          <a:p>
+            <a:r>
+              <a:rPr lang="en-US" dirty="0" smtClean="0">
+                <a:solidFill>
+                  <a:srgbClr val="2A3643"/>
+                </a:solidFill>
+              </a:rPr>
+              <a:t>*Add a text caption below the image*</a:t>
+            </a:r>
+          </a:p>
+          <a:p>
+            <a:endParaRPr lang="en-US" dirty="0" smtClean="0">
+              <a:solidFill>
+                <a:srgbClr val="2A3643"/>
+              </a:solidFill>
+            </a:endParaRPr>
+          </a:p>
+          <a:p>
+            <a:endParaRPr lang="en-US" dirty="0" smtClean="0">
+              <a:solidFill>
+                <a:srgbClr val="2A3643"/>
+              </a:solidFill>
+            </a:endParaRPr>
+          </a:p>
+          <a:p>
+            <a:r>
+              <a:rPr lang="en-US" dirty="0" smtClean="0">
+                <a:solidFill>
+                  <a:srgbClr val="2A3643"/>
+                </a:solidFill>
+              </a:rPr>
+              <a:t>**Align 2 images side-by-side using a table:**</a:t>
+            </a:r>
+          </a:p>
+          <a:p>
+            <a:endParaRPr lang="en-US" dirty="0">
+              <a:solidFill>
+                <a:srgbClr val="2A3643"/>
+              </a:solidFill>
+            </a:endParaRPr>
+          </a:p>
+          <a:p>
+            <a:r>
+              <a:rPr lang="en-US" dirty="0" smtClean="0">
+                <a:solidFill>
+                  <a:srgbClr val="2A3643"/>
+                </a:solidFill>
+              </a:rPr>
+              <a:t>| ![Title 1](/images/img1.jpg) | ![Title 2](/images/img2.jpg2) |</a:t>
+            </a:r>
+          </a:p>
+        </p:txBody>
+      </p:sp>
+      <p:sp>
+        <p:nvSpPr>
+          <p:cNvPr id="13" name="Rectangle 12"/>
+          <p:cNvSpPr/>
+          <p:nvPr/>
+        </p:nvSpPr>
+        <p:spPr>
+          <a:xfrm>
+            <a:off x="6734698" y="3740946"/>
+            <a:ext cx="4770320" cy="327077"/>
+          </a:xfrm>
+          <a:prstGeom prst="rect">
+            <a:avLst/>
+          </a:prstGeom>
+        </p:spPr>
+        <p:txBody>
+          <a:bodyPr wrap="square">
+            <a:spAutoFit/>
+          </a:bodyPr>
+          <a:lstStyle/>
+          <a:p>
+            <a:pPr algn="ctr">
+              <a:lnSpc>
+                <a:spcPct val="120000"/>
+              </a:lnSpc>
+            </a:pPr>
+            <a:r>
+              <a:rPr lang="en-US" sz="1400" i="1" dirty="0" smtClean="0">
+                <a:latin typeface="Arial" panose="020B0604020202020204" pitchFamily="34" charset="0"/>
+                <a:cs typeface="Arial" panose="020B0604020202020204" pitchFamily="34" charset="0"/>
+              </a:rPr>
+              <a:t>Add a text caption below the image</a:t>
+            </a:r>
+          </a:p>
+        </p:txBody>
+      </p:sp>
+      <p:sp>
+        <p:nvSpPr>
+          <p:cNvPr id="14" name="Rectangle 13"/>
+          <p:cNvSpPr/>
+          <p:nvPr/>
+        </p:nvSpPr>
+        <p:spPr>
+          <a:xfrm>
+            <a:off x="6671661" y="4291144"/>
+            <a:ext cx="5735773" cy="394210"/>
+          </a:xfrm>
+          <a:prstGeom prst="rect">
+            <a:avLst/>
+          </a:prstGeom>
+        </p:spPr>
+        <p:txBody>
+          <a:bodyPr wrap="square">
+            <a:spAutoFit/>
+          </a:bodyPr>
+          <a:lstStyle/>
+          <a:p>
+            <a:pPr>
+              <a:lnSpc>
+                <a:spcPct val="120000"/>
+              </a:lnSpc>
+            </a:pPr>
+            <a:r>
+              <a:rPr lang="en-US" b="1" dirty="0" smtClean="0">
+                <a:latin typeface="Arial" panose="020B0604020202020204" pitchFamily="34" charset="0"/>
+                <a:cs typeface="Arial" panose="020B0604020202020204" pitchFamily="34" charset="0"/>
+              </a:rPr>
+              <a:t>Alight 2 images side-by-side using a table:</a:t>
+            </a:r>
+          </a:p>
+        </p:txBody>
+      </p:sp>
+      <p:pic>
+        <p:nvPicPr>
+          <p:cNvPr id="11" name="Picture 2" descr="hero-banner.png"/>
+          <p:cNvPicPr>
+            <a:picLocks noChangeAspect="1" noChangeArrowheads="1"/>
+          </p:cNvPicPr>
+          <p:nvPr/>
+        </p:nvPicPr>
+        <p:blipFill>
+          <a:blip r:embed="rId2" cstate="print">
+            <a:extLst>
+              <a:ext uri="{28A0092B-C50C-407E-A947-70E740481C1C}">
+                <a14:useLocalDpi xmlns:a14="http://schemas.microsoft.com/office/drawing/2010/main" val="0"/>
+              </a:ext>
+            </a:extLst>
+          </a:blip>
+          <a:srcRect/>
+          <a:stretch>
+            <a:fillRect/>
+          </a:stretch>
+        </p:blipFill>
+        <p:spPr bwMode="auto">
+          <a:xfrm>
+            <a:off x="6734698" y="1955104"/>
+            <a:ext cx="4770319" cy="1788870"/>
+          </a:xfrm>
+          <a:prstGeom prst="rect">
+            <a:avLst/>
+          </a:prstGeom>
+          <a:noFill/>
+          <a:extLst>
+            <a:ext uri="{909E8E84-426E-40DD-AFC4-6F175D3DCCD1}">
+              <a14:hiddenFill xmlns:a14="http://schemas.microsoft.com/office/drawing/2010/main">
+                <a:solidFill>
+                  <a:srgbClr val="FFFFFF"/>
+                </a:solidFill>
+              </a14:hiddenFill>
+            </a:ext>
+          </a:extLst>
+        </p:spPr>
+      </p:pic>
+      <p:pic>
+        <p:nvPicPr>
+          <p:cNvPr id="7170" name="Picture 2" descr="https://isomer-sac-demo-staging.netlify.com/images/press-release/photos/CM-breakout-grp.jpg"/>
+          <p:cNvPicPr>
+            <a:picLocks noChangeAspect="1" noChangeArrowheads="1"/>
+          </p:cNvPicPr>
+          <p:nvPr/>
+        </p:nvPicPr>
+        <p:blipFill>
+          <a:blip r:embed="rId3">
+            <a:extLst>
+              <a:ext uri="{28A0092B-C50C-407E-A947-70E740481C1C}">
+                <a14:useLocalDpi xmlns:a14="http://schemas.microsoft.com/office/drawing/2010/main" val="0"/>
+              </a:ext>
+            </a:extLst>
+          </a:blip>
+          <a:srcRect/>
+          <a:stretch>
+            <a:fillRect/>
+          </a:stretch>
+        </p:blipFill>
+        <p:spPr bwMode="auto">
+          <a:xfrm>
+            <a:off x="6754386" y="4812298"/>
+            <a:ext cx="2392806" cy="1212427"/>
+          </a:xfrm>
+          <a:prstGeom prst="rect">
+            <a:avLst/>
+          </a:prstGeom>
+          <a:noFill/>
+          <a:extLst>
+            <a:ext uri="{909E8E84-426E-40DD-AFC4-6F175D3DCCD1}">
+              <a14:hiddenFill xmlns:a14="http://schemas.microsoft.com/office/drawing/2010/main">
+                <a:solidFill>
+                  <a:srgbClr val="FFFFFF"/>
+                </a:solidFill>
+              </a14:hiddenFill>
+            </a:ext>
+          </a:extLst>
+        </p:spPr>
+      </p:pic>
+      <p:pic>
+        <p:nvPicPr>
+          <p:cNvPr id="7172" name="Picture 4" descr="https://isomer-sac-demo-staging.netlify.com/images/press-release/photos/CE-Mech-and-Testing-breakout-group.jpg"/>
+          <p:cNvPicPr>
+            <a:picLocks noChangeAspect="1" noChangeArrowheads="1"/>
+          </p:cNvPicPr>
+          <p:nvPr/>
+        </p:nvPicPr>
+        <p:blipFill>
+          <a:blip r:embed="rId4">
+            <a:extLst>
+              <a:ext uri="{28A0092B-C50C-407E-A947-70E740481C1C}">
+                <a14:useLocalDpi xmlns:a14="http://schemas.microsoft.com/office/drawing/2010/main" val="0"/>
+              </a:ext>
+            </a:extLst>
+          </a:blip>
+          <a:srcRect/>
+          <a:stretch>
+            <a:fillRect/>
+          </a:stretch>
+        </p:blipFill>
+        <p:spPr bwMode="auto">
+          <a:xfrm>
+            <a:off x="9326109" y="4803953"/>
+            <a:ext cx="2178908" cy="1220772"/>
+          </a:xfrm>
+          <a:prstGeom prst="rect">
+            <a:avLst/>
+          </a:prstGeom>
+          <a:noFill/>
+          <a:extLst>
+            <a:ext uri="{909E8E84-426E-40DD-AFC4-6F175D3DCCD1}">
+              <a14:hiddenFill xmlns:a14="http://schemas.microsoft.com/office/drawing/2010/main">
+                <a:solidFill>
+                  <a:srgbClr val="FFFFFF"/>
+                </a:solidFill>
+              </a14:hiddenFill>
+            </a:ext>
+          </a:extLst>
+        </p:spPr>
+      </p:pic>
+    </p:spTree>
+    <p:extLst>
+      <p:ext uri="{BB962C8B-B14F-4D97-AF65-F5344CB8AC3E}">
+        <p14:creationId xmlns:p14="http://schemas.microsoft.com/office/powerpoint/2010/main" val="3316061269"/>
+      </p:ext>
+    </p:extLst>
+  </p:cSld>
+  <p:clrMapOvr>
+    <a:masterClrMapping/>
+  </p:clrMapOvr>
+  <p:timing>
+    <p:tnLst>
+      <p:par>
+        <p:cTn id="1" dur="indefinite" restart="never" nodeType="tmRoot"/>
+      </p:par>
+    </p:tnLst>
+  </p:timing>
+</p:sld>
+</file>
+
+<file path=ppt/slides/slide17.xml><?xml version="1.0" encoding="utf-8"?>
+<p:sld xmlns:a="http://schemas.openxmlformats.org/drawingml/2006/main" xmlns:r="http://schemas.openxmlformats.org/officeDocument/2006/relationships" xmlns:p="http://schemas.openxmlformats.org/presentationml/2006/main">
+  <p:cSld>
+    <p:spTree>
+      <p:nvGrpSpPr>
+        <p:cNvPr id="1" name=""/>
+        <p:cNvGrpSpPr/>
+        <p:nvPr/>
+      </p:nvGrpSpPr>
+      <p:grpSpPr>
+        <a:xfrm>
+          <a:off x="0" y="0"/>
+          <a:ext cx="0" cy="0"/>
+          <a:chOff x="0" y="0"/>
+          <a:chExt cx="0" cy="0"/>
+        </a:xfrm>
+      </p:grpSpPr>
+      <p:sp>
+        <p:nvSpPr>
+          <p:cNvPr id="4" name="Title 3"/>
+          <p:cNvSpPr>
+            <a:spLocks noGrp="1"/>
+          </p:cNvSpPr>
+          <p:nvPr>
+            <p:ph type="title"/>
+          </p:nvPr>
+        </p:nvSpPr>
+        <p:spPr/>
+        <p:txBody>
+          <a:bodyPr/>
+          <a:lstStyle/>
+          <a:p>
+            <a:r>
+              <a:rPr lang="en-US" dirty="0" smtClean="0"/>
+              <a:t>Adding Youtube Video</a:t>
+            </a:r>
+            <a:endParaRPr lang="en-US" dirty="0"/>
+          </a:p>
+        </p:txBody>
+      </p:sp>
+      <p:cxnSp>
+        <p:nvCxnSpPr>
+          <p:cNvPr id="6" name="Straight Connector 5"/>
+          <p:cNvCxnSpPr/>
+          <p:nvPr/>
+        </p:nvCxnSpPr>
+        <p:spPr>
+          <a:xfrm flipH="1">
+            <a:off x="6456458" y="1854565"/>
+            <a:ext cx="36286" cy="4775183"/>
+          </a:xfrm>
+          <a:prstGeom prst="line">
+            <a:avLst/>
+          </a:prstGeom>
+          <a:ln w="38100">
+            <a:solidFill>
+              <a:srgbClr val="2A3643"/>
+            </a:solidFill>
+          </a:ln>
+        </p:spPr>
+        <p:style>
+          <a:lnRef idx="1">
+            <a:schemeClr val="accent1"/>
+          </a:lnRef>
+          <a:fillRef idx="0">
+            <a:schemeClr val="accent1"/>
+          </a:fillRef>
+          <a:effectRef idx="0">
+            <a:schemeClr val="accent1"/>
+          </a:effectRef>
+          <a:fontRef idx="minor">
+            <a:schemeClr val="tx1"/>
+          </a:fontRef>
+        </p:style>
+      </p:cxnSp>
+      <p:sp>
+        <p:nvSpPr>
+          <p:cNvPr id="18" name="Rectangle 17"/>
+          <p:cNvSpPr/>
+          <p:nvPr/>
+        </p:nvSpPr>
+        <p:spPr>
+          <a:xfrm>
+            <a:off x="611564" y="1404204"/>
+            <a:ext cx="4410892" cy="369332"/>
+          </a:xfrm>
+          <a:prstGeom prst="rect">
+            <a:avLst/>
+          </a:prstGeom>
+        </p:spPr>
+        <p:txBody>
+          <a:bodyPr wrap="square">
+            <a:spAutoFit/>
+          </a:bodyPr>
+          <a:lstStyle/>
+          <a:p>
+            <a:r>
+              <a:rPr lang="en-US" dirty="0" smtClean="0">
+                <a:solidFill>
+                  <a:srgbClr val="C00000"/>
+                </a:solidFill>
+              </a:rPr>
+              <a:t>In Markdown:</a:t>
+            </a:r>
+            <a:endParaRPr lang="en-US" dirty="0">
+              <a:solidFill>
+                <a:srgbClr val="C00000"/>
+              </a:solidFill>
+            </a:endParaRPr>
+          </a:p>
+        </p:txBody>
+      </p:sp>
+      <p:sp>
+        <p:nvSpPr>
+          <p:cNvPr id="19" name="Rectangle 18"/>
+          <p:cNvSpPr/>
+          <p:nvPr/>
+        </p:nvSpPr>
+        <p:spPr>
+          <a:xfrm>
+            <a:off x="6575469" y="1401954"/>
+            <a:ext cx="4410892" cy="369332"/>
+          </a:xfrm>
+          <a:prstGeom prst="rect">
+            <a:avLst/>
+          </a:prstGeom>
+        </p:spPr>
+        <p:txBody>
+          <a:bodyPr wrap="square">
+            <a:spAutoFit/>
+          </a:bodyPr>
+          <a:lstStyle/>
+          <a:p>
+            <a:r>
+              <a:rPr lang="en-US" dirty="0" smtClean="0">
+                <a:solidFill>
+                  <a:srgbClr val="C00000"/>
+                </a:solidFill>
+              </a:rPr>
+              <a:t>On Isomer webpage:</a:t>
+            </a:r>
+            <a:endParaRPr lang="en-US" dirty="0">
+              <a:solidFill>
+                <a:srgbClr val="C00000"/>
+              </a:solidFill>
+            </a:endParaRPr>
+          </a:p>
+        </p:txBody>
+      </p:sp>
+      <p:sp>
+        <p:nvSpPr>
+          <p:cNvPr id="9" name="Rectangle 2"/>
+          <p:cNvSpPr>
+            <a:spLocks noChangeArrowheads="1"/>
+          </p:cNvSpPr>
+          <p:nvPr/>
+        </p:nvSpPr>
+        <p:spPr bwMode="auto">
+          <a:xfrm>
+            <a:off x="541768" y="1771286"/>
+            <a:ext cx="5989661" cy="3693319"/>
+          </a:xfrm>
+          <a:prstGeom prst="rect">
+            <a:avLst/>
+          </a:prstGeom>
+          <a:noFill/>
+          <a:ln>
+            <a:noFill/>
+          </a:ln>
+          <a:effectLst/>
+          <a:extLst>
+            <a:ext uri="{909E8E84-426E-40DD-AFC4-6F175D3DCCD1}">
+              <a14:hiddenFill xmlns:a14="http://schemas.microsoft.com/office/drawing/2010/main">
+                <a:solidFill>
+                  <a:schemeClr val="accent1"/>
+                </a:solidFill>
+              </a14:hiddenFill>
+            </a:ext>
+            <a:ext uri="{91240B29-F687-4F45-9708-019B960494DF}">
+              <a14:hiddenLine xmlns:a14="http://schemas.microsoft.com/office/drawing/2010/main" w="9525">
+                <a:solidFill>
+                  <a:schemeClr val="tx1"/>
+                </a:solidFill>
+                <a:miter lim="800000"/>
+                <a:headEnd/>
+                <a:tailEnd/>
+              </a14:hiddenLine>
+            </a:ext>
+            <a:ext uri="{AF507438-7753-43E0-B8FC-AC1667EBCBE1}">
+              <a14:hiddenEffects xmlns:a14="http://schemas.microsoft.com/office/drawing/2010/main">
+                <a:effectLst>
+                  <a:outerShdw dist="35921" dir="2700000" algn="ctr" rotWithShape="0">
+                    <a:schemeClr val="bg2"/>
+                  </a:outerShdw>
+                </a:effectLst>
+              </a14:hiddenEffects>
+            </a:ext>
+          </a:extLst>
+        </p:spPr>
+        <p:txBody>
+          <a:bodyPr vert="horz" wrap="square" lIns="91440" tIns="45720" rIns="91440" bIns="45720" numCol="1" anchor="ctr" anchorCtr="0" compatLnSpc="1">
+            <a:prstTxWarp prst="textNoShape">
+              <a:avLst/>
+            </a:prstTxWarp>
+            <a:spAutoFit/>
+          </a:bodyPr>
+          <a:lstStyle/>
+          <a:p>
+            <a:r>
+              <a:rPr lang="en-US" dirty="0">
+                <a:solidFill>
+                  <a:srgbClr val="2A3643"/>
+                </a:solidFill>
+              </a:rPr>
+              <a:t>This is how you add a Youtube video:</a:t>
+            </a:r>
+          </a:p>
+          <a:p>
+            <a:r>
+              <a:rPr lang="en-US" dirty="0">
+                <a:solidFill>
+                  <a:srgbClr val="2A3643"/>
+                </a:solidFill>
+              </a:rPr>
+              <a:t>1. Click on "Share" button on your Youtube video</a:t>
+            </a:r>
+          </a:p>
+          <a:p>
+            <a:r>
+              <a:rPr lang="en-US" dirty="0">
+                <a:solidFill>
+                  <a:srgbClr val="2A3643"/>
+                </a:solidFill>
+              </a:rPr>
+              <a:t>2. Click on "Embeded" button </a:t>
+            </a:r>
+          </a:p>
+          <a:p>
+            <a:r>
+              <a:rPr lang="en-US" dirty="0">
+                <a:solidFill>
+                  <a:srgbClr val="2A3643"/>
+                </a:solidFill>
+              </a:rPr>
+              <a:t>3. Copy "iframe" embed content</a:t>
+            </a:r>
+          </a:p>
+          <a:p>
+            <a:r>
+              <a:rPr lang="en-US" dirty="0">
+                <a:solidFill>
+                  <a:srgbClr val="2A3643"/>
+                </a:solidFill>
+              </a:rPr>
+              <a:t>4. Paste it between the "div" tag</a:t>
+            </a:r>
+          </a:p>
+          <a:p>
+            <a:endParaRPr lang="en-US" dirty="0">
+              <a:solidFill>
+                <a:srgbClr val="2A3643"/>
+              </a:solidFill>
+            </a:endParaRPr>
+          </a:p>
+          <a:p>
+            <a:r>
+              <a:rPr lang="en-US" dirty="0">
+                <a:solidFill>
+                  <a:srgbClr val="2A3643"/>
+                </a:solidFill>
+              </a:rPr>
+              <a:t>This is a example how it looks like:</a:t>
+            </a:r>
+          </a:p>
+          <a:p>
+            <a:r>
+              <a:rPr lang="en-US" dirty="0">
+                <a:solidFill>
+                  <a:srgbClr val="2A3643"/>
+                </a:solidFill>
+              </a:rPr>
+              <a:t>&lt;div class="bp-youtube"&gt;</a:t>
+            </a:r>
+          </a:p>
+          <a:p>
+            <a:r>
+              <a:rPr lang="en-US" dirty="0">
+                <a:solidFill>
+                  <a:srgbClr val="2A3643"/>
+                </a:solidFill>
+              </a:rPr>
+              <a:t>      &lt;iframe width="560" height="315" src="https://www.youtube.com/embed/BBcR4KGDdL0" frameborder="0" allow="autoplay; encrypted-media" allowfullscreen&gt;&lt;/iframe&gt;</a:t>
+            </a:r>
+          </a:p>
+          <a:p>
+            <a:r>
+              <a:rPr lang="en-US" dirty="0">
+                <a:solidFill>
+                  <a:srgbClr val="2A3643"/>
+                </a:solidFill>
+              </a:rPr>
+              <a:t>&lt;/div&gt;</a:t>
+            </a:r>
+            <a:endParaRPr lang="en-US" dirty="0" smtClean="0">
+              <a:solidFill>
+                <a:srgbClr val="2A3643"/>
+              </a:solidFill>
+            </a:endParaRPr>
+          </a:p>
+        </p:txBody>
+      </p:sp>
+      <p:sp>
+        <p:nvSpPr>
+          <p:cNvPr id="14" name="Rectangle 13"/>
+          <p:cNvSpPr/>
+          <p:nvPr/>
+        </p:nvSpPr>
+        <p:spPr>
+          <a:xfrm>
+            <a:off x="6635257" y="1771286"/>
+            <a:ext cx="5735773" cy="2949525"/>
+          </a:xfrm>
+          <a:prstGeom prst="rect">
+            <a:avLst/>
+          </a:prstGeom>
+        </p:spPr>
+        <p:txBody>
+          <a:bodyPr wrap="square">
+            <a:spAutoFit/>
+          </a:bodyPr>
+          <a:lstStyle/>
+          <a:p>
+            <a:pPr>
+              <a:lnSpc>
+                <a:spcPct val="150000"/>
+              </a:lnSpc>
+            </a:pPr>
+            <a:r>
+              <a:rPr lang="en-US" dirty="0">
+                <a:latin typeface="Arial" panose="020B0604020202020204" pitchFamily="34" charset="0"/>
+                <a:cs typeface="Arial" panose="020B0604020202020204" pitchFamily="34" charset="0"/>
+              </a:rPr>
+              <a:t>This is how you add a Youtube video:</a:t>
+            </a:r>
+          </a:p>
+          <a:p>
+            <a:pPr marL="342900" indent="-342900">
+              <a:lnSpc>
+                <a:spcPct val="150000"/>
+              </a:lnSpc>
+              <a:buFont typeface="+mj-lt"/>
+              <a:buAutoNum type="arabicPeriod"/>
+            </a:pPr>
+            <a:r>
+              <a:rPr lang="en-US" dirty="0">
+                <a:latin typeface="Arial" panose="020B0604020202020204" pitchFamily="34" charset="0"/>
+                <a:cs typeface="Arial" panose="020B0604020202020204" pitchFamily="34" charset="0"/>
+              </a:rPr>
+              <a:t>Click on "Share" button on your Youtube </a:t>
+            </a:r>
+            <a:r>
+              <a:rPr lang="en-US" dirty="0" smtClean="0">
+                <a:latin typeface="Arial" panose="020B0604020202020204" pitchFamily="34" charset="0"/>
+                <a:cs typeface="Arial" panose="020B0604020202020204" pitchFamily="34" charset="0"/>
+              </a:rPr>
+              <a:t>video</a:t>
+            </a:r>
+          </a:p>
+          <a:p>
+            <a:pPr marL="342900" indent="-342900">
+              <a:lnSpc>
+                <a:spcPct val="150000"/>
+              </a:lnSpc>
+              <a:buFont typeface="+mj-lt"/>
+              <a:buAutoNum type="arabicPeriod"/>
+            </a:pPr>
+            <a:r>
+              <a:rPr lang="en-US" dirty="0" smtClean="0">
+                <a:latin typeface="Arial" panose="020B0604020202020204" pitchFamily="34" charset="0"/>
+                <a:cs typeface="Arial" panose="020B0604020202020204" pitchFamily="34" charset="0"/>
+              </a:rPr>
+              <a:t>Click </a:t>
+            </a:r>
+            <a:r>
+              <a:rPr lang="en-US" dirty="0">
+                <a:latin typeface="Arial" panose="020B0604020202020204" pitchFamily="34" charset="0"/>
+                <a:cs typeface="Arial" panose="020B0604020202020204" pitchFamily="34" charset="0"/>
+              </a:rPr>
+              <a:t>on "Embeded" </a:t>
+            </a:r>
+            <a:r>
+              <a:rPr lang="en-US" dirty="0" smtClean="0">
+                <a:latin typeface="Arial" panose="020B0604020202020204" pitchFamily="34" charset="0"/>
+                <a:cs typeface="Arial" panose="020B0604020202020204" pitchFamily="34" charset="0"/>
+              </a:rPr>
+              <a:t>button</a:t>
+            </a:r>
+          </a:p>
+          <a:p>
+            <a:pPr marL="342900" indent="-342900">
+              <a:lnSpc>
+                <a:spcPct val="150000"/>
+              </a:lnSpc>
+              <a:buFont typeface="+mj-lt"/>
+              <a:buAutoNum type="arabicPeriod"/>
+            </a:pPr>
+            <a:r>
+              <a:rPr lang="en-US" dirty="0" smtClean="0">
+                <a:latin typeface="Arial" panose="020B0604020202020204" pitchFamily="34" charset="0"/>
+                <a:cs typeface="Arial" panose="020B0604020202020204" pitchFamily="34" charset="0"/>
+              </a:rPr>
+              <a:t>Copy </a:t>
+            </a:r>
+            <a:r>
+              <a:rPr lang="en-US" dirty="0">
+                <a:latin typeface="Arial" panose="020B0604020202020204" pitchFamily="34" charset="0"/>
+                <a:cs typeface="Arial" panose="020B0604020202020204" pitchFamily="34" charset="0"/>
+              </a:rPr>
+              <a:t>"iframe" embed </a:t>
+            </a:r>
+            <a:r>
+              <a:rPr lang="en-US" dirty="0" smtClean="0">
+                <a:latin typeface="Arial" panose="020B0604020202020204" pitchFamily="34" charset="0"/>
+                <a:cs typeface="Arial" panose="020B0604020202020204" pitchFamily="34" charset="0"/>
+              </a:rPr>
+              <a:t>content</a:t>
+            </a:r>
+          </a:p>
+          <a:p>
+            <a:pPr marL="342900" indent="-342900">
+              <a:lnSpc>
+                <a:spcPct val="150000"/>
+              </a:lnSpc>
+              <a:buFont typeface="+mj-lt"/>
+              <a:buAutoNum type="arabicPeriod"/>
+            </a:pPr>
+            <a:r>
+              <a:rPr lang="en-US" dirty="0" smtClean="0">
+                <a:latin typeface="Arial" panose="020B0604020202020204" pitchFamily="34" charset="0"/>
+                <a:cs typeface="Arial" panose="020B0604020202020204" pitchFamily="34" charset="0"/>
+              </a:rPr>
+              <a:t>Paste </a:t>
+            </a:r>
+            <a:r>
+              <a:rPr lang="en-US" dirty="0">
+                <a:latin typeface="Arial" panose="020B0604020202020204" pitchFamily="34" charset="0"/>
+                <a:cs typeface="Arial" panose="020B0604020202020204" pitchFamily="34" charset="0"/>
+              </a:rPr>
+              <a:t>it between the "div" </a:t>
+            </a:r>
+            <a:r>
+              <a:rPr lang="en-US" dirty="0" smtClean="0">
+                <a:latin typeface="Arial" panose="020B0604020202020204" pitchFamily="34" charset="0"/>
+                <a:cs typeface="Arial" panose="020B0604020202020204" pitchFamily="34" charset="0"/>
+              </a:rPr>
+              <a:t>tag</a:t>
+            </a:r>
+          </a:p>
+          <a:p>
+            <a:pPr marL="342900" indent="-342900">
+              <a:lnSpc>
+                <a:spcPct val="150000"/>
+              </a:lnSpc>
+              <a:buFont typeface="+mj-lt"/>
+              <a:buAutoNum type="arabicPeriod"/>
+            </a:pPr>
+            <a:endParaRPr lang="en-US" dirty="0">
+              <a:latin typeface="Arial" panose="020B0604020202020204" pitchFamily="34" charset="0"/>
+              <a:cs typeface="Arial" panose="020B0604020202020204" pitchFamily="34" charset="0"/>
+            </a:endParaRPr>
+          </a:p>
+          <a:p>
+            <a:pPr>
+              <a:lnSpc>
+                <a:spcPct val="150000"/>
+              </a:lnSpc>
+            </a:pPr>
+            <a:r>
+              <a:rPr lang="en-US" dirty="0">
+                <a:latin typeface="Arial" panose="020B0604020202020204" pitchFamily="34" charset="0"/>
+                <a:cs typeface="Arial" panose="020B0604020202020204" pitchFamily="34" charset="0"/>
+              </a:rPr>
+              <a:t>This is a example how it looks like:</a:t>
+            </a:r>
+          </a:p>
+        </p:txBody>
+      </p:sp>
+      <p:pic>
+        <p:nvPicPr>
+          <p:cNvPr id="2" name="Picture 1"/>
+          <p:cNvPicPr>
+            <a:picLocks noChangeAspect="1"/>
+          </p:cNvPicPr>
+          <p:nvPr/>
+        </p:nvPicPr>
+        <p:blipFill>
+          <a:blip r:embed="rId2"/>
+          <a:stretch>
+            <a:fillRect/>
+          </a:stretch>
+        </p:blipFill>
+        <p:spPr>
+          <a:xfrm>
+            <a:off x="7336023" y="4646489"/>
+            <a:ext cx="3735161" cy="2207141"/>
+          </a:xfrm>
+          <a:prstGeom prst="rect">
+            <a:avLst/>
+          </a:prstGeom>
+        </p:spPr>
+      </p:pic>
+    </p:spTree>
+    <p:extLst>
+      <p:ext uri="{BB962C8B-B14F-4D97-AF65-F5344CB8AC3E}">
+        <p14:creationId xmlns:p14="http://schemas.microsoft.com/office/powerpoint/2010/main" val="3771543378"/>
+      </p:ext>
+    </p:extLst>
+  </p:cSld>
+  <p:clrMapOvr>
+    <a:masterClrMapping/>
+  </p:clrMapOvr>
+  <p:timing>
+    <p:tnLst>
+      <p:par>
+        <p:cTn id="1" dur="indefinite" restart="never" nodeType="tmRoot"/>
+      </p:par>
+    </p:tnLst>
+  </p:timing>
+</p:sld>
+</file>
+
+<file path=ppt/slides/slide18.xml><?xml version="1.0" encoding="utf-8"?>
+<p:sld xmlns:a="http://schemas.openxmlformats.org/drawingml/2006/main" xmlns:r="http://schemas.openxmlformats.org/officeDocument/2006/relationships" xmlns:p="http://schemas.openxmlformats.org/presentationml/2006/main">
+  <p:cSld>
+    <p:spTree>
+      <p:nvGrpSpPr>
+        <p:cNvPr id="1" name=""/>
+        <p:cNvGrpSpPr/>
+        <p:nvPr/>
+      </p:nvGrpSpPr>
+      <p:grpSpPr>
+        <a:xfrm>
+          <a:off x="0" y="0"/>
+          <a:ext cx="0" cy="0"/>
+          <a:chOff x="0" y="0"/>
+          <a:chExt cx="0" cy="0"/>
+        </a:xfrm>
+      </p:grpSpPr>
+      <p:sp>
+        <p:nvSpPr>
+          <p:cNvPr id="4" name="Title 3"/>
+          <p:cNvSpPr>
+            <a:spLocks noGrp="1"/>
+          </p:cNvSpPr>
+          <p:nvPr>
+            <p:ph type="title"/>
+          </p:nvPr>
+        </p:nvSpPr>
+        <p:spPr/>
+        <p:txBody>
+          <a:bodyPr/>
+          <a:lstStyle/>
+          <a:p>
+            <a:r>
+              <a:rPr lang="en-US" dirty="0"/>
+              <a:t>Adding </a:t>
+            </a:r>
+            <a:r>
+              <a:rPr lang="en-US" dirty="0" smtClean="0"/>
+              <a:t>email link</a:t>
+            </a:r>
+            <a:endParaRPr lang="en-US" dirty="0"/>
+          </a:p>
+        </p:txBody>
+      </p:sp>
+      <p:cxnSp>
+        <p:nvCxnSpPr>
+          <p:cNvPr id="6" name="Straight Connector 5"/>
+          <p:cNvCxnSpPr/>
+          <p:nvPr/>
+        </p:nvCxnSpPr>
+        <p:spPr>
+          <a:xfrm flipH="1">
+            <a:off x="5747656" y="2188757"/>
+            <a:ext cx="26126" cy="4473300"/>
+          </a:xfrm>
+          <a:prstGeom prst="line">
+            <a:avLst/>
+          </a:prstGeom>
+          <a:ln w="38100">
+            <a:solidFill>
+              <a:srgbClr val="2A3643"/>
+            </a:solidFill>
+          </a:ln>
+        </p:spPr>
+        <p:style>
+          <a:lnRef idx="1">
+            <a:schemeClr val="accent1"/>
+          </a:lnRef>
+          <a:fillRef idx="0">
+            <a:schemeClr val="accent1"/>
+          </a:fillRef>
+          <a:effectRef idx="0">
+            <a:schemeClr val="accent1"/>
+          </a:effectRef>
+          <a:fontRef idx="minor">
+            <a:schemeClr val="tx1"/>
+          </a:fontRef>
+        </p:style>
+      </p:cxnSp>
+      <p:sp>
+        <p:nvSpPr>
+          <p:cNvPr id="18" name="Rectangle 17"/>
+          <p:cNvSpPr/>
+          <p:nvPr/>
+        </p:nvSpPr>
+        <p:spPr>
+          <a:xfrm>
+            <a:off x="611564" y="1517542"/>
+            <a:ext cx="4410892" cy="369332"/>
+          </a:xfrm>
+          <a:prstGeom prst="rect">
+            <a:avLst/>
+          </a:prstGeom>
+        </p:spPr>
+        <p:txBody>
+          <a:bodyPr wrap="square">
+            <a:spAutoFit/>
+          </a:bodyPr>
+          <a:lstStyle/>
+          <a:p>
+            <a:r>
+              <a:rPr lang="en-US" dirty="0" smtClean="0">
+                <a:solidFill>
+                  <a:srgbClr val="C00000"/>
+                </a:solidFill>
+              </a:rPr>
+              <a:t>In Markdown:</a:t>
+            </a:r>
+            <a:endParaRPr lang="en-US" dirty="0">
+              <a:solidFill>
+                <a:srgbClr val="C00000"/>
+              </a:solidFill>
+            </a:endParaRPr>
+          </a:p>
+        </p:txBody>
+      </p:sp>
+      <p:sp>
+        <p:nvSpPr>
+          <p:cNvPr id="19" name="Rectangle 18"/>
+          <p:cNvSpPr/>
+          <p:nvPr/>
+        </p:nvSpPr>
+        <p:spPr>
+          <a:xfrm>
+            <a:off x="6169614" y="1517542"/>
+            <a:ext cx="4410892" cy="369332"/>
+          </a:xfrm>
+          <a:prstGeom prst="rect">
+            <a:avLst/>
+          </a:prstGeom>
+        </p:spPr>
+        <p:txBody>
+          <a:bodyPr wrap="square">
+            <a:spAutoFit/>
+          </a:bodyPr>
+          <a:lstStyle/>
+          <a:p>
+            <a:r>
+              <a:rPr lang="en-US" dirty="0" smtClean="0">
+                <a:solidFill>
+                  <a:srgbClr val="C00000"/>
+                </a:solidFill>
+              </a:rPr>
+              <a:t>On Isomer webpage:</a:t>
+            </a:r>
+            <a:endParaRPr lang="en-US" dirty="0">
+              <a:solidFill>
+                <a:srgbClr val="C00000"/>
+              </a:solidFill>
+            </a:endParaRPr>
+          </a:p>
+        </p:txBody>
+      </p:sp>
+      <p:sp>
+        <p:nvSpPr>
+          <p:cNvPr id="15" name="Rectangle 2"/>
+          <p:cNvSpPr>
+            <a:spLocks noChangeArrowheads="1"/>
+          </p:cNvSpPr>
+          <p:nvPr/>
+        </p:nvSpPr>
+        <p:spPr bwMode="auto">
+          <a:xfrm>
+            <a:off x="576927" y="2327254"/>
+            <a:ext cx="4949706" cy="1200329"/>
+          </a:xfrm>
+          <a:prstGeom prst="rect">
+            <a:avLst/>
+          </a:prstGeom>
+          <a:noFill/>
+          <a:ln>
+            <a:noFill/>
+          </a:ln>
+          <a:effectLst/>
+          <a:extLst>
+            <a:ext uri="{909E8E84-426E-40DD-AFC4-6F175D3DCCD1}">
+              <a14:hiddenFill xmlns:a14="http://schemas.microsoft.com/office/drawing/2010/main">
+                <a:solidFill>
+                  <a:schemeClr val="accent1"/>
+                </a:solidFill>
+              </a14:hiddenFill>
+            </a:ext>
+            <a:ext uri="{91240B29-F687-4F45-9708-019B960494DF}">
+              <a14:hiddenLine xmlns:a14="http://schemas.microsoft.com/office/drawing/2010/main" w="9525">
+                <a:solidFill>
+                  <a:schemeClr val="tx1"/>
+                </a:solidFill>
+                <a:miter lim="800000"/>
+                <a:headEnd/>
+                <a:tailEnd/>
+              </a14:hiddenLine>
+            </a:ext>
+            <a:ext uri="{AF507438-7753-43E0-B8FC-AC1667EBCBE1}">
+              <a14:hiddenEffects xmlns:a14="http://schemas.microsoft.com/office/drawing/2010/main">
+                <a:effectLst>
+                  <a:outerShdw dist="35921" dir="2700000" algn="ctr" rotWithShape="0">
+                    <a:schemeClr val="bg2"/>
+                  </a:outerShdw>
+                </a:effectLst>
+              </a14:hiddenEffects>
+            </a:ext>
+          </a:extLst>
+        </p:spPr>
+        <p:txBody>
+          <a:bodyPr vert="horz" wrap="square" lIns="91440" tIns="45720" rIns="91440" bIns="45720" numCol="1" anchor="ctr" anchorCtr="0" compatLnSpc="1">
+            <a:prstTxWarp prst="textNoShape">
+              <a:avLst/>
+            </a:prstTxWarp>
+            <a:spAutoFit/>
+          </a:bodyPr>
+          <a:lstStyle/>
+          <a:p>
+            <a:r>
+              <a:rPr lang="en-US" dirty="0">
+                <a:solidFill>
+                  <a:srgbClr val="2A3643"/>
+                </a:solidFill>
+              </a:rPr>
+              <a:t>Here's how to create a email link, </a:t>
+            </a:r>
+            <a:r>
+              <a:rPr lang="en-US" dirty="0" smtClean="0">
+                <a:solidFill>
+                  <a:srgbClr val="2A3643"/>
+                </a:solidFill>
+              </a:rPr>
+              <a:t>&lt;email@something.com&gt;</a:t>
+            </a:r>
+          </a:p>
+          <a:p>
+            <a:endParaRPr lang="en-US" dirty="0" smtClean="0">
+              <a:solidFill>
+                <a:srgbClr val="2A3643"/>
+              </a:solidFill>
+            </a:endParaRPr>
+          </a:p>
+          <a:p>
+            <a:r>
+              <a:rPr lang="en-US" dirty="0" smtClean="0">
+                <a:solidFill>
+                  <a:srgbClr val="2A3643"/>
+                </a:solidFill>
+              </a:rPr>
+              <a:t>*</a:t>
+            </a:r>
+            <a:r>
+              <a:rPr lang="en-US" dirty="0"/>
+              <a:t>angle </a:t>
+            </a:r>
+            <a:r>
+              <a:rPr lang="en-US" dirty="0" smtClean="0"/>
+              <a:t>bracket</a:t>
+            </a:r>
+            <a:r>
+              <a:rPr lang="en-US" dirty="0" smtClean="0">
+                <a:solidFill>
+                  <a:srgbClr val="2A3643"/>
+                </a:solidFill>
+              </a:rPr>
+              <a:t>s containing the email address*</a:t>
+            </a:r>
+            <a:endParaRPr lang="en-US" dirty="0"/>
+          </a:p>
+        </p:txBody>
+      </p:sp>
+      <p:sp>
+        <p:nvSpPr>
+          <p:cNvPr id="10" name="Rectangle 9"/>
+          <p:cNvSpPr/>
+          <p:nvPr/>
+        </p:nvSpPr>
+        <p:spPr>
+          <a:xfrm>
+            <a:off x="6029964" y="2327255"/>
+            <a:ext cx="5987865" cy="1200329"/>
+          </a:xfrm>
+          <a:prstGeom prst="rect">
+            <a:avLst/>
+          </a:prstGeom>
+        </p:spPr>
+        <p:txBody>
+          <a:bodyPr wrap="square">
+            <a:spAutoFit/>
+          </a:bodyPr>
+          <a:lstStyle/>
+          <a:p>
+            <a:r>
+              <a:rPr lang="en-US" dirty="0" smtClean="0">
+                <a:latin typeface="Arial" panose="020B0604020202020204" pitchFamily="34" charset="0"/>
+                <a:cs typeface="Arial" panose="020B0604020202020204" pitchFamily="34" charset="0"/>
+              </a:rPr>
+              <a:t>Here’s how to create an email link, </a:t>
+            </a:r>
+            <a:r>
+              <a:rPr lang="en-US" dirty="0" smtClean="0">
+                <a:solidFill>
+                  <a:srgbClr val="C00000"/>
+                </a:solidFill>
+                <a:latin typeface="Arial" panose="020B0604020202020204" pitchFamily="34" charset="0"/>
+                <a:cs typeface="Arial" panose="020B0604020202020204" pitchFamily="34" charset="0"/>
+              </a:rPr>
+              <a:t>email@something.com</a:t>
+            </a:r>
+          </a:p>
+          <a:p>
+            <a:endParaRPr lang="en-US" dirty="0">
+              <a:solidFill>
+                <a:srgbClr val="C00000"/>
+              </a:solidFill>
+              <a:latin typeface="Arial" panose="020B0604020202020204" pitchFamily="34" charset="0"/>
+              <a:cs typeface="Arial" panose="020B0604020202020204" pitchFamily="34" charset="0"/>
+            </a:endParaRPr>
+          </a:p>
+          <a:p>
+            <a:r>
+              <a:rPr lang="en-US" i="1" dirty="0" smtClean="0">
+                <a:latin typeface="Arial" panose="020B0604020202020204" pitchFamily="34" charset="0"/>
+                <a:cs typeface="Arial" panose="020B0604020202020204" pitchFamily="34" charset="0"/>
+              </a:rPr>
+              <a:t>angle brackets containing the email address</a:t>
+            </a:r>
+          </a:p>
+        </p:txBody>
+      </p:sp>
+    </p:spTree>
+    <p:extLst>
+      <p:ext uri="{BB962C8B-B14F-4D97-AF65-F5344CB8AC3E}">
+        <p14:creationId xmlns:p14="http://schemas.microsoft.com/office/powerpoint/2010/main" val="2815107730"/>
+      </p:ext>
+    </p:extLst>
+  </p:cSld>
+  <p:clrMapOvr>
+    <a:masterClrMapping/>
+  </p:clrMapOvr>
+  <p:timing>
+    <p:tnLst>
+      <p:par>
+        <p:cTn id="1" dur="indefinite" restart="never" nodeType="tmRoot"/>
+      </p:par>
+    </p:tnLst>
+  </p:timing>
+</p:sld>
+</file>
+
+<file path=ppt/slides/slide2.xml><?xml version="1.0" encoding="utf-8"?>
+<p:sld xmlns:a="http://schemas.openxmlformats.org/drawingml/2006/main" xmlns:r="http://schemas.openxmlformats.org/officeDocument/2006/relationships" xmlns:p="http://schemas.openxmlformats.org/presentationml/2006/main">
+  <p:cSld>
+    <p:spTree>
+      <p:nvGrpSpPr>
+        <p:cNvPr id="1" name=""/>
+        <p:cNvGrpSpPr/>
+        <p:nvPr/>
+      </p:nvGrpSpPr>
+      <p:grpSpPr>
+        <a:xfrm>
+          <a:off x="0" y="0"/>
+          <a:ext cx="0" cy="0"/>
+          <a:chOff x="0" y="0"/>
+          <a:chExt cx="0" cy="0"/>
+        </a:xfrm>
+      </p:grpSpPr>
+      <p:sp>
+        <p:nvSpPr>
+          <p:cNvPr id="4" name="Title 3"/>
+          <p:cNvSpPr>
+            <a:spLocks noGrp="1"/>
+          </p:cNvSpPr>
+          <p:nvPr>
+            <p:ph type="title"/>
+          </p:nvPr>
+        </p:nvSpPr>
+        <p:spPr/>
+        <p:txBody>
+          <a:bodyPr/>
+          <a:lstStyle/>
+          <a:p>
+            <a:r>
+              <a:rPr lang="en-US" dirty="0" smtClean="0"/>
+              <a:t>Setting Font Size for Headers</a:t>
+            </a:r>
+            <a:endParaRPr lang="en-US" dirty="0"/>
+          </a:p>
+        </p:txBody>
+      </p:sp>
+      <p:sp>
+        <p:nvSpPr>
+          <p:cNvPr id="2" name="Rectangle 1"/>
+          <p:cNvSpPr/>
+          <p:nvPr/>
+        </p:nvSpPr>
+        <p:spPr>
+          <a:xfrm>
+            <a:off x="611564" y="2188757"/>
+            <a:ext cx="4410892" cy="1200329"/>
+          </a:xfrm>
+          <a:prstGeom prst="rect">
+            <a:avLst/>
+          </a:prstGeom>
+        </p:spPr>
+        <p:txBody>
+          <a:bodyPr wrap="square">
+            <a:spAutoFit/>
+          </a:bodyPr>
+          <a:lstStyle/>
+          <a:p>
+            <a:r>
+              <a:rPr lang="en-US" dirty="0"/>
+              <a:t>#### A small sized header</a:t>
+            </a:r>
+          </a:p>
+          <a:p>
+            <a:r>
+              <a:rPr lang="en-US" dirty="0"/>
+              <a:t>### A medium sized header</a:t>
+            </a:r>
+          </a:p>
+          <a:p>
+            <a:r>
+              <a:rPr lang="en-US" dirty="0"/>
+              <a:t>## A big sized header</a:t>
+            </a:r>
+          </a:p>
+          <a:p>
+            <a:r>
+              <a:rPr lang="en-US" dirty="0"/>
+              <a:t># A super big sized header</a:t>
+            </a:r>
+          </a:p>
+        </p:txBody>
+      </p:sp>
+      <p:cxnSp>
+        <p:nvCxnSpPr>
+          <p:cNvPr id="6" name="Straight Connector 5"/>
+          <p:cNvCxnSpPr/>
+          <p:nvPr/>
+        </p:nvCxnSpPr>
+        <p:spPr>
+          <a:xfrm flipH="1">
+            <a:off x="5812971" y="2188757"/>
+            <a:ext cx="26126" cy="4473300"/>
+          </a:xfrm>
+          <a:prstGeom prst="line">
+            <a:avLst/>
+          </a:prstGeom>
+          <a:ln w="38100">
+            <a:solidFill>
+              <a:srgbClr val="2A3643"/>
+            </a:solidFill>
+          </a:ln>
+        </p:spPr>
+        <p:style>
+          <a:lnRef idx="1">
+            <a:schemeClr val="accent1"/>
+          </a:lnRef>
+          <a:fillRef idx="0">
+            <a:schemeClr val="accent1"/>
+          </a:fillRef>
+          <a:effectRef idx="0">
+            <a:schemeClr val="accent1"/>
+          </a:effectRef>
+          <a:fontRef idx="minor">
+            <a:schemeClr val="tx1"/>
+          </a:fontRef>
+        </p:style>
+      </p:cxnSp>
+      <p:sp>
+        <p:nvSpPr>
+          <p:cNvPr id="13" name="Rectangle 12"/>
+          <p:cNvSpPr/>
+          <p:nvPr/>
+        </p:nvSpPr>
+        <p:spPr>
+          <a:xfrm>
+            <a:off x="6609806" y="2097317"/>
+            <a:ext cx="4702756" cy="4185761"/>
+          </a:xfrm>
+          <a:prstGeom prst="rect">
+            <a:avLst/>
+          </a:prstGeom>
+        </p:spPr>
+        <p:txBody>
+          <a:bodyPr wrap="square">
+            <a:spAutoFit/>
+          </a:bodyPr>
+          <a:lstStyle/>
+          <a:p>
+            <a:r>
+              <a:rPr lang="en-US" sz="2400" dirty="0">
+                <a:latin typeface="Arial" panose="020B0604020202020204" pitchFamily="34" charset="0"/>
+                <a:cs typeface="Arial" panose="020B0604020202020204" pitchFamily="34" charset="0"/>
+              </a:rPr>
+              <a:t>A small sized </a:t>
+            </a:r>
+            <a:r>
+              <a:rPr lang="en-US" sz="2400" dirty="0" smtClean="0">
+                <a:latin typeface="Arial" panose="020B0604020202020204" pitchFamily="34" charset="0"/>
+                <a:cs typeface="Arial" panose="020B0604020202020204" pitchFamily="34" charset="0"/>
+              </a:rPr>
+              <a:t>header</a:t>
+            </a:r>
+          </a:p>
+          <a:p>
+            <a:endParaRPr lang="en-US" dirty="0">
+              <a:latin typeface="Arial" panose="020B0604020202020204" pitchFamily="34" charset="0"/>
+              <a:cs typeface="Arial" panose="020B0604020202020204" pitchFamily="34" charset="0"/>
+            </a:endParaRPr>
+          </a:p>
+          <a:p>
+            <a:r>
+              <a:rPr lang="en-US" sz="2800" dirty="0">
+                <a:latin typeface="Arial" panose="020B0604020202020204" pitchFamily="34" charset="0"/>
+                <a:cs typeface="Arial" panose="020B0604020202020204" pitchFamily="34" charset="0"/>
+              </a:rPr>
+              <a:t>A medium sized </a:t>
+            </a:r>
+            <a:r>
+              <a:rPr lang="en-US" sz="2800" dirty="0" smtClean="0">
+                <a:latin typeface="Arial" panose="020B0604020202020204" pitchFamily="34" charset="0"/>
+                <a:cs typeface="Arial" panose="020B0604020202020204" pitchFamily="34" charset="0"/>
+              </a:rPr>
+              <a:t>header</a:t>
+            </a:r>
+          </a:p>
+          <a:p>
+            <a:endParaRPr lang="en-US" dirty="0">
+              <a:latin typeface="Arial" panose="020B0604020202020204" pitchFamily="34" charset="0"/>
+              <a:cs typeface="Arial" panose="020B0604020202020204" pitchFamily="34" charset="0"/>
+            </a:endParaRPr>
+          </a:p>
+          <a:p>
+            <a:r>
+              <a:rPr lang="en-US" sz="4000" dirty="0">
+                <a:latin typeface="Arial" panose="020B0604020202020204" pitchFamily="34" charset="0"/>
+                <a:cs typeface="Arial" panose="020B0604020202020204" pitchFamily="34" charset="0"/>
+              </a:rPr>
+              <a:t>A big sized </a:t>
+            </a:r>
+            <a:r>
+              <a:rPr lang="en-US" sz="4000" dirty="0" smtClean="0">
+                <a:latin typeface="Arial" panose="020B0604020202020204" pitchFamily="34" charset="0"/>
+                <a:cs typeface="Arial" panose="020B0604020202020204" pitchFamily="34" charset="0"/>
+              </a:rPr>
+              <a:t>header</a:t>
+            </a:r>
+          </a:p>
+          <a:p>
+            <a:endParaRPr lang="en-US" dirty="0">
+              <a:latin typeface="Arial" panose="020B0604020202020204" pitchFamily="34" charset="0"/>
+              <a:cs typeface="Arial" panose="020B0604020202020204" pitchFamily="34" charset="0"/>
+            </a:endParaRPr>
+          </a:p>
+          <a:p>
+            <a:r>
+              <a:rPr lang="en-US" sz="6000" dirty="0">
+                <a:latin typeface="Arial" panose="020B0604020202020204" pitchFamily="34" charset="0"/>
+                <a:cs typeface="Arial" panose="020B0604020202020204" pitchFamily="34" charset="0"/>
+              </a:rPr>
+              <a:t>A super big sized header</a:t>
+            </a:r>
+          </a:p>
+        </p:txBody>
+      </p:sp>
+      <p:sp>
+        <p:nvSpPr>
+          <p:cNvPr id="18" name="Rectangle 17"/>
+          <p:cNvSpPr/>
+          <p:nvPr/>
+        </p:nvSpPr>
+        <p:spPr>
+          <a:xfrm>
+            <a:off x="611564" y="1517542"/>
+            <a:ext cx="4410892" cy="369332"/>
+          </a:xfrm>
+          <a:prstGeom prst="rect">
+            <a:avLst/>
+          </a:prstGeom>
+        </p:spPr>
+        <p:txBody>
+          <a:bodyPr wrap="square">
+            <a:spAutoFit/>
+          </a:bodyPr>
+          <a:lstStyle/>
+          <a:p>
+            <a:r>
+              <a:rPr lang="en-US" dirty="0" smtClean="0">
+                <a:solidFill>
+                  <a:srgbClr val="C00000"/>
+                </a:solidFill>
+              </a:rPr>
+              <a:t>In Markdown:</a:t>
+            </a:r>
+            <a:endParaRPr lang="en-US" dirty="0">
+              <a:solidFill>
+                <a:srgbClr val="C00000"/>
+              </a:solidFill>
+            </a:endParaRPr>
+          </a:p>
+        </p:txBody>
+      </p:sp>
+      <p:sp>
+        <p:nvSpPr>
+          <p:cNvPr id="19" name="Rectangle 18"/>
+          <p:cNvSpPr/>
+          <p:nvPr/>
+        </p:nvSpPr>
+        <p:spPr>
+          <a:xfrm>
+            <a:off x="6609806" y="1517542"/>
+            <a:ext cx="4410892" cy="369332"/>
+          </a:xfrm>
+          <a:prstGeom prst="rect">
+            <a:avLst/>
+          </a:prstGeom>
+        </p:spPr>
+        <p:txBody>
+          <a:bodyPr wrap="square">
+            <a:spAutoFit/>
+          </a:bodyPr>
+          <a:lstStyle/>
+          <a:p>
+            <a:r>
+              <a:rPr lang="en-US" dirty="0" smtClean="0">
+                <a:solidFill>
+                  <a:srgbClr val="C00000"/>
+                </a:solidFill>
+              </a:rPr>
+              <a:t>On Isomer webpage:</a:t>
+            </a:r>
+            <a:endParaRPr lang="en-US" dirty="0">
+              <a:solidFill>
+                <a:srgbClr val="C00000"/>
+              </a:solidFill>
+            </a:endParaRPr>
+          </a:p>
+        </p:txBody>
+      </p:sp>
+    </p:spTree>
+    <p:extLst>
+      <p:ext uri="{BB962C8B-B14F-4D97-AF65-F5344CB8AC3E}">
+        <p14:creationId xmlns:p14="http://schemas.microsoft.com/office/powerpoint/2010/main" val="286967065"/>
+      </p:ext>
+    </p:extLst>
+  </p:cSld>
+  <p:clrMapOvr>
+    <a:masterClrMapping/>
+  </p:clrMapOvr>
+  <p:timing>
+    <p:tnLst>
+      <p:par>
+        <p:cTn id="1" dur="indefinite" restart="never" nodeType="tmRoot"/>
+      </p:par>
+    </p:tnLst>
+  </p:timing>
+</p:sld>
+</file>
+
+<file path=ppt/slides/slide3.xml><?xml version="1.0" encoding="utf-8"?>
+<p:sld xmlns:a="http://schemas.openxmlformats.org/drawingml/2006/main" xmlns:r="http://schemas.openxmlformats.org/officeDocument/2006/relationships" xmlns:p="http://schemas.openxmlformats.org/presentationml/2006/main">
+  <p:cSld>
+    <p:spTree>
+      <p:nvGrpSpPr>
+        <p:cNvPr id="1" name=""/>
+        <p:cNvGrpSpPr/>
+        <p:nvPr/>
+      </p:nvGrpSpPr>
+      <p:grpSpPr>
+        <a:xfrm>
+          <a:off x="0" y="0"/>
+          <a:ext cx="0" cy="0"/>
+          <a:chOff x="0" y="0"/>
+          <a:chExt cx="0" cy="0"/>
+        </a:xfrm>
+      </p:grpSpPr>
+      <p:sp>
+        <p:nvSpPr>
+          <p:cNvPr id="4" name="Title 3"/>
+          <p:cNvSpPr>
+            <a:spLocks noGrp="1"/>
+          </p:cNvSpPr>
+          <p:nvPr>
+            <p:ph type="title"/>
+          </p:nvPr>
+        </p:nvSpPr>
+        <p:spPr/>
+        <p:txBody>
+          <a:bodyPr/>
+          <a:lstStyle/>
+          <a:p>
+            <a:r>
+              <a:rPr lang="en-US" dirty="0" smtClean="0"/>
+              <a:t>Formatting Text</a:t>
+            </a:r>
+            <a:endParaRPr lang="en-US" dirty="0"/>
+          </a:p>
+        </p:txBody>
+      </p:sp>
+      <p:sp>
+        <p:nvSpPr>
+          <p:cNvPr id="2" name="Rectangle 1"/>
+          <p:cNvSpPr/>
+          <p:nvPr/>
+        </p:nvSpPr>
+        <p:spPr>
+          <a:xfrm>
+            <a:off x="611564" y="2188757"/>
+            <a:ext cx="4410892" cy="3139321"/>
+          </a:xfrm>
+          <a:prstGeom prst="rect">
+            <a:avLst/>
+          </a:prstGeom>
+        </p:spPr>
+        <p:txBody>
+          <a:bodyPr wrap="square">
+            <a:spAutoFit/>
+          </a:bodyPr>
+          <a:lstStyle/>
+          <a:p>
+            <a:r>
+              <a:rPr lang="en-US" dirty="0" smtClean="0"/>
+              <a:t>**Add 2 asterisks directly before and after a text without spacing to make it bold.**</a:t>
+            </a:r>
+          </a:p>
+          <a:p>
+            <a:endParaRPr lang="en-US" dirty="0" smtClean="0"/>
+          </a:p>
+          <a:p>
+            <a:r>
+              <a:rPr lang="en-US" dirty="0" smtClean="0"/>
+              <a:t>*Add 1 asterisk directly before and after a text without spacing to make it italized.*</a:t>
+            </a:r>
+          </a:p>
+          <a:p>
+            <a:pPr marL="285750" indent="-285750">
+              <a:buFont typeface="Arial" panose="020B0604020202020204" pitchFamily="34" charset="0"/>
+              <a:buChar char="•"/>
+            </a:pPr>
+            <a:endParaRPr lang="en-US" dirty="0"/>
+          </a:p>
+          <a:p>
+            <a:r>
+              <a:rPr lang="en-US" dirty="0"/>
+              <a:t>You </a:t>
+            </a:r>
+            <a:r>
+              <a:rPr lang="en-US" dirty="0" smtClean="0"/>
+              <a:t>can </a:t>
+            </a:r>
+            <a:r>
+              <a:rPr lang="en-US" dirty="0"/>
+              <a:t>**bold** and *italicize* your </a:t>
+            </a:r>
+            <a:r>
+              <a:rPr lang="en-US" dirty="0" smtClean="0"/>
+              <a:t>text in the same line.</a:t>
+            </a:r>
+          </a:p>
+          <a:p>
+            <a:endParaRPr lang="en-US" dirty="0"/>
+          </a:p>
+          <a:p>
+            <a:r>
+              <a:rPr lang="en-US" dirty="0"/>
+              <a:t>&gt; Use blockquotes to make your text stand out</a:t>
+            </a:r>
+          </a:p>
+        </p:txBody>
+      </p:sp>
+      <p:cxnSp>
+        <p:nvCxnSpPr>
+          <p:cNvPr id="6" name="Straight Connector 5"/>
+          <p:cNvCxnSpPr/>
+          <p:nvPr/>
+        </p:nvCxnSpPr>
+        <p:spPr>
+          <a:xfrm flipH="1">
+            <a:off x="5812971" y="2188757"/>
+            <a:ext cx="26126" cy="4473300"/>
+          </a:xfrm>
+          <a:prstGeom prst="line">
+            <a:avLst/>
+          </a:prstGeom>
+          <a:ln w="38100">
+            <a:solidFill>
+              <a:srgbClr val="2A3643"/>
+            </a:solidFill>
+          </a:ln>
+        </p:spPr>
+        <p:style>
+          <a:lnRef idx="1">
+            <a:schemeClr val="accent1"/>
+          </a:lnRef>
+          <a:fillRef idx="0">
+            <a:schemeClr val="accent1"/>
+          </a:fillRef>
+          <a:effectRef idx="0">
+            <a:schemeClr val="accent1"/>
+          </a:effectRef>
+          <a:fontRef idx="minor">
+            <a:schemeClr val="tx1"/>
+          </a:fontRef>
+        </p:style>
+      </p:cxnSp>
+      <p:sp>
+        <p:nvSpPr>
+          <p:cNvPr id="13" name="Rectangle 12"/>
+          <p:cNvSpPr/>
+          <p:nvPr/>
+        </p:nvSpPr>
+        <p:spPr>
+          <a:xfrm>
+            <a:off x="6609806" y="2183870"/>
+            <a:ext cx="4885508" cy="2721001"/>
+          </a:xfrm>
+          <a:prstGeom prst="rect">
+            <a:avLst/>
+          </a:prstGeom>
+        </p:spPr>
+        <p:txBody>
+          <a:bodyPr wrap="square">
+            <a:spAutoFit/>
+          </a:bodyPr>
+          <a:lstStyle/>
+          <a:p>
+            <a:pPr>
+              <a:lnSpc>
+                <a:spcPct val="120000"/>
+              </a:lnSpc>
+            </a:pPr>
+            <a:r>
+              <a:rPr lang="en-US" b="1" dirty="0" smtClean="0">
+                <a:latin typeface="Arial" panose="020B0604020202020204" pitchFamily="34" charset="0"/>
+                <a:cs typeface="Arial" panose="020B0604020202020204" pitchFamily="34" charset="0"/>
+              </a:rPr>
+              <a:t>Add 2 asterisks directly before and after a text without spacing to make it bold.</a:t>
+            </a:r>
+          </a:p>
+          <a:p>
+            <a:pPr>
+              <a:lnSpc>
+                <a:spcPct val="120000"/>
+              </a:lnSpc>
+            </a:pPr>
+            <a:endParaRPr lang="en-US" b="1" dirty="0">
+              <a:latin typeface="Arial" panose="020B0604020202020204" pitchFamily="34" charset="0"/>
+              <a:cs typeface="Arial" panose="020B0604020202020204" pitchFamily="34" charset="0"/>
+            </a:endParaRPr>
+          </a:p>
+          <a:p>
+            <a:pPr>
+              <a:lnSpc>
+                <a:spcPct val="120000"/>
+              </a:lnSpc>
+            </a:pPr>
+            <a:r>
+              <a:rPr lang="en-US" i="1" dirty="0">
+                <a:latin typeface="Arial" panose="020B0604020202020204" pitchFamily="34" charset="0"/>
+                <a:cs typeface="Arial" panose="020B0604020202020204" pitchFamily="34" charset="0"/>
+              </a:rPr>
+              <a:t>Add </a:t>
+            </a:r>
+            <a:r>
+              <a:rPr lang="en-US" i="1" dirty="0" smtClean="0">
+                <a:latin typeface="Arial" panose="020B0604020202020204" pitchFamily="34" charset="0"/>
+                <a:cs typeface="Arial" panose="020B0604020202020204" pitchFamily="34" charset="0"/>
+              </a:rPr>
+              <a:t>1 asterisk </a:t>
+            </a:r>
+            <a:r>
+              <a:rPr lang="en-US" i="1" dirty="0">
+                <a:latin typeface="Arial" panose="020B0604020202020204" pitchFamily="34" charset="0"/>
+                <a:cs typeface="Arial" panose="020B0604020202020204" pitchFamily="34" charset="0"/>
+              </a:rPr>
+              <a:t>directly before and after a text without spacing to make it </a:t>
+            </a:r>
+            <a:r>
+              <a:rPr lang="en-US" i="1" dirty="0" smtClean="0">
+                <a:latin typeface="Arial" panose="020B0604020202020204" pitchFamily="34" charset="0"/>
+                <a:cs typeface="Arial" panose="020B0604020202020204" pitchFamily="34" charset="0"/>
+              </a:rPr>
+              <a:t>italicized.</a:t>
+            </a:r>
+          </a:p>
+          <a:p>
+            <a:pPr>
+              <a:lnSpc>
+                <a:spcPct val="120000"/>
+              </a:lnSpc>
+            </a:pPr>
+            <a:endParaRPr lang="en-US" i="1" dirty="0">
+              <a:latin typeface="Arial" panose="020B0604020202020204" pitchFamily="34" charset="0"/>
+              <a:cs typeface="Arial" panose="020B0604020202020204" pitchFamily="34" charset="0"/>
+            </a:endParaRPr>
+          </a:p>
+          <a:p>
+            <a:pPr>
+              <a:lnSpc>
+                <a:spcPct val="120000"/>
+              </a:lnSpc>
+            </a:pPr>
+            <a:r>
+              <a:rPr lang="en-US" dirty="0" smtClean="0">
+                <a:latin typeface="Arial" panose="020B0604020202020204" pitchFamily="34" charset="0"/>
+                <a:cs typeface="Arial" panose="020B0604020202020204" pitchFamily="34" charset="0"/>
+              </a:rPr>
+              <a:t>You can </a:t>
+            </a:r>
+            <a:r>
+              <a:rPr lang="en-US" b="1" dirty="0" smtClean="0">
+                <a:latin typeface="Arial" panose="020B0604020202020204" pitchFamily="34" charset="0"/>
+                <a:cs typeface="Arial" panose="020B0604020202020204" pitchFamily="34" charset="0"/>
+              </a:rPr>
+              <a:t>bold</a:t>
+            </a:r>
+            <a:r>
+              <a:rPr lang="en-US" dirty="0" smtClean="0">
+                <a:latin typeface="Arial" panose="020B0604020202020204" pitchFamily="34" charset="0"/>
+                <a:cs typeface="Arial" panose="020B0604020202020204" pitchFamily="34" charset="0"/>
+              </a:rPr>
+              <a:t> and </a:t>
+            </a:r>
+            <a:r>
+              <a:rPr lang="en-US" i="1" dirty="0" smtClean="0">
+                <a:latin typeface="Arial" panose="020B0604020202020204" pitchFamily="34" charset="0"/>
+                <a:cs typeface="Arial" panose="020B0604020202020204" pitchFamily="34" charset="0"/>
+              </a:rPr>
+              <a:t>italicize</a:t>
+            </a:r>
+            <a:r>
+              <a:rPr lang="en-US" dirty="0" smtClean="0">
+                <a:latin typeface="Arial" panose="020B0604020202020204" pitchFamily="34" charset="0"/>
+                <a:cs typeface="Arial" panose="020B0604020202020204" pitchFamily="34" charset="0"/>
+              </a:rPr>
+              <a:t> your text in the same line.</a:t>
+            </a:r>
+          </a:p>
+        </p:txBody>
+      </p:sp>
+      <p:sp>
+        <p:nvSpPr>
+          <p:cNvPr id="18" name="Rectangle 17"/>
+          <p:cNvSpPr/>
+          <p:nvPr/>
+        </p:nvSpPr>
+        <p:spPr>
+          <a:xfrm>
+            <a:off x="611564" y="1517542"/>
+            <a:ext cx="4410892" cy="369332"/>
+          </a:xfrm>
+          <a:prstGeom prst="rect">
+            <a:avLst/>
+          </a:prstGeom>
+        </p:spPr>
+        <p:txBody>
+          <a:bodyPr wrap="square">
+            <a:spAutoFit/>
+          </a:bodyPr>
+          <a:lstStyle/>
+          <a:p>
+            <a:r>
+              <a:rPr lang="en-US" dirty="0" smtClean="0">
+                <a:solidFill>
+                  <a:srgbClr val="C00000"/>
+                </a:solidFill>
+              </a:rPr>
+              <a:t>In Markdown:</a:t>
+            </a:r>
+            <a:endParaRPr lang="en-US" dirty="0">
+              <a:solidFill>
+                <a:srgbClr val="C00000"/>
+              </a:solidFill>
+            </a:endParaRPr>
+          </a:p>
+        </p:txBody>
+      </p:sp>
+      <p:sp>
+        <p:nvSpPr>
+          <p:cNvPr id="19" name="Rectangle 18"/>
+          <p:cNvSpPr/>
+          <p:nvPr/>
+        </p:nvSpPr>
+        <p:spPr>
+          <a:xfrm>
+            <a:off x="6609806" y="1517542"/>
+            <a:ext cx="4410892" cy="369332"/>
+          </a:xfrm>
+          <a:prstGeom prst="rect">
+            <a:avLst/>
+          </a:prstGeom>
+        </p:spPr>
+        <p:txBody>
+          <a:bodyPr wrap="square">
+            <a:spAutoFit/>
+          </a:bodyPr>
+          <a:lstStyle/>
+          <a:p>
+            <a:r>
+              <a:rPr lang="en-US" dirty="0" smtClean="0">
+                <a:solidFill>
+                  <a:srgbClr val="C00000"/>
+                </a:solidFill>
+              </a:rPr>
+              <a:t>On Isomer webpage:</a:t>
+            </a:r>
+            <a:endParaRPr lang="en-US" dirty="0">
+              <a:solidFill>
+                <a:srgbClr val="C00000"/>
+              </a:solidFill>
+            </a:endParaRPr>
+          </a:p>
+        </p:txBody>
+      </p:sp>
+      <p:pic>
+        <p:nvPicPr>
+          <p:cNvPr id="3" name="Picture 2"/>
+          <p:cNvPicPr>
+            <a:picLocks noChangeAspect="1"/>
+          </p:cNvPicPr>
+          <p:nvPr/>
+        </p:nvPicPr>
+        <p:blipFill>
+          <a:blip r:embed="rId2"/>
+          <a:stretch>
+            <a:fillRect/>
+          </a:stretch>
+        </p:blipFill>
+        <p:spPr>
+          <a:xfrm>
+            <a:off x="6609806" y="5328078"/>
+            <a:ext cx="5048250" cy="628650"/>
+          </a:xfrm>
+          <a:prstGeom prst="rect">
+            <a:avLst/>
+          </a:prstGeom>
+        </p:spPr>
+      </p:pic>
+    </p:spTree>
+    <p:extLst>
+      <p:ext uri="{BB962C8B-B14F-4D97-AF65-F5344CB8AC3E}">
+        <p14:creationId xmlns:p14="http://schemas.microsoft.com/office/powerpoint/2010/main" val="2915236719"/>
+      </p:ext>
+    </p:extLst>
+  </p:cSld>
+  <p:clrMapOvr>
+    <a:masterClrMapping/>
+  </p:clrMapOvr>
+  <p:timing>
+    <p:tnLst>
+      <p:par>
+        <p:cTn id="1" dur="indefinite" restart="never" nodeType="tmRoot"/>
+      </p:par>
+    </p:tnLst>
+  </p:timing>
+</p:sld>
+</file>
+
+<file path=ppt/slides/slide4.xml><?xml version="1.0" encoding="utf-8"?>
+<p:sld xmlns:a="http://schemas.openxmlformats.org/drawingml/2006/main" xmlns:r="http://schemas.openxmlformats.org/officeDocument/2006/relationships" xmlns:p="http://schemas.openxmlformats.org/presentationml/2006/main">
+  <p:cSld>
+    <p:spTree>
+      <p:nvGrpSpPr>
+        <p:cNvPr id="1" name=""/>
+        <p:cNvGrpSpPr/>
+        <p:nvPr/>
+      </p:nvGrpSpPr>
+      <p:grpSpPr>
+        <a:xfrm>
+          <a:off x="0" y="0"/>
+          <a:ext cx="0" cy="0"/>
+          <a:chOff x="0" y="0"/>
+          <a:chExt cx="0" cy="0"/>
+        </a:xfrm>
+      </p:grpSpPr>
+      <p:sp>
+        <p:nvSpPr>
+          <p:cNvPr id="4" name="Title 3"/>
+          <p:cNvSpPr>
+            <a:spLocks noGrp="1"/>
+          </p:cNvSpPr>
+          <p:nvPr>
+            <p:ph type="title"/>
+          </p:nvPr>
+        </p:nvSpPr>
+        <p:spPr/>
+        <p:txBody>
+          <a:bodyPr/>
+          <a:lstStyle/>
+          <a:p>
+            <a:r>
+              <a:rPr lang="en-US" dirty="0" smtClean="0"/>
+              <a:t>Using Lists</a:t>
+            </a:r>
+            <a:endParaRPr lang="en-US" dirty="0"/>
+          </a:p>
+        </p:txBody>
+      </p:sp>
+      <p:sp>
+        <p:nvSpPr>
+          <p:cNvPr id="2" name="Rectangle 1"/>
+          <p:cNvSpPr/>
+          <p:nvPr/>
+        </p:nvSpPr>
+        <p:spPr>
+          <a:xfrm>
+            <a:off x="611564" y="2188757"/>
+            <a:ext cx="4410892" cy="2862322"/>
+          </a:xfrm>
+          <a:prstGeom prst="rect">
+            <a:avLst/>
+          </a:prstGeom>
+        </p:spPr>
+        <p:txBody>
+          <a:bodyPr wrap="square">
+            <a:spAutoFit/>
+          </a:bodyPr>
+          <a:lstStyle/>
+          <a:p>
+            <a:r>
+              <a:rPr lang="en-US" dirty="0"/>
+              <a:t>You can create bullet/subbullet </a:t>
+            </a:r>
+            <a:r>
+              <a:rPr lang="en-US" dirty="0" smtClean="0"/>
+              <a:t>list (asterisk followed by space):</a:t>
+            </a:r>
+            <a:endParaRPr lang="en-US" dirty="0"/>
+          </a:p>
+          <a:p>
+            <a:r>
+              <a:rPr lang="en-US" dirty="0"/>
+              <a:t> * Item 1</a:t>
+            </a:r>
+          </a:p>
+          <a:p>
+            <a:r>
+              <a:rPr lang="en-US" dirty="0"/>
+              <a:t> * Item 2</a:t>
+            </a:r>
+          </a:p>
+          <a:p>
+            <a:r>
+              <a:rPr lang="en-US" dirty="0"/>
+              <a:t>   * Item 2.1</a:t>
+            </a:r>
+          </a:p>
+          <a:p>
+            <a:r>
+              <a:rPr lang="en-US" dirty="0"/>
+              <a:t>   * Item 2.2</a:t>
+            </a:r>
+          </a:p>
+          <a:p>
+            <a:endParaRPr lang="en-US" dirty="0"/>
+          </a:p>
+          <a:p>
+            <a:r>
+              <a:rPr lang="en-US" dirty="0"/>
+              <a:t>Or, you can also create number list:</a:t>
+            </a:r>
+          </a:p>
+          <a:p>
+            <a:r>
+              <a:rPr lang="en-US" dirty="0"/>
+              <a:t>1. Item A</a:t>
+            </a:r>
+          </a:p>
+          <a:p>
+            <a:r>
+              <a:rPr lang="en-US" dirty="0"/>
+              <a:t>2. Item B</a:t>
+            </a:r>
+          </a:p>
+        </p:txBody>
+      </p:sp>
+      <p:cxnSp>
+        <p:nvCxnSpPr>
+          <p:cNvPr id="6" name="Straight Connector 5"/>
+          <p:cNvCxnSpPr/>
+          <p:nvPr/>
+        </p:nvCxnSpPr>
+        <p:spPr>
+          <a:xfrm flipH="1">
+            <a:off x="5812971" y="2188757"/>
+            <a:ext cx="26126" cy="4473300"/>
+          </a:xfrm>
+          <a:prstGeom prst="line">
+            <a:avLst/>
+          </a:prstGeom>
+          <a:ln w="38100">
+            <a:solidFill>
+              <a:srgbClr val="2A3643"/>
+            </a:solidFill>
+          </a:ln>
+        </p:spPr>
+        <p:style>
+          <a:lnRef idx="1">
+            <a:schemeClr val="accent1"/>
+          </a:lnRef>
+          <a:fillRef idx="0">
+            <a:schemeClr val="accent1"/>
+          </a:fillRef>
+          <a:effectRef idx="0">
+            <a:schemeClr val="accent1"/>
+          </a:effectRef>
+          <a:fontRef idx="minor">
+            <a:schemeClr val="tx1"/>
+          </a:fontRef>
+        </p:style>
+      </p:cxnSp>
+      <p:sp>
+        <p:nvSpPr>
+          <p:cNvPr id="13" name="Rectangle 12"/>
+          <p:cNvSpPr/>
+          <p:nvPr/>
+        </p:nvSpPr>
+        <p:spPr>
+          <a:xfrm>
+            <a:off x="6609806" y="2097317"/>
+            <a:ext cx="4702756" cy="3831818"/>
+          </a:xfrm>
+          <a:prstGeom prst="rect">
+            <a:avLst/>
+          </a:prstGeom>
+        </p:spPr>
+        <p:txBody>
+          <a:bodyPr wrap="square">
+            <a:spAutoFit/>
+          </a:bodyPr>
+          <a:lstStyle/>
+          <a:p>
+            <a:pPr>
+              <a:lnSpc>
+                <a:spcPct val="150000"/>
+              </a:lnSpc>
+            </a:pPr>
+            <a:r>
+              <a:rPr lang="en-US" dirty="0">
+                <a:latin typeface="Arial" panose="020B0604020202020204" pitchFamily="34" charset="0"/>
+                <a:cs typeface="Arial" panose="020B0604020202020204" pitchFamily="34" charset="0"/>
+              </a:rPr>
+              <a:t>You can create bullet/subbullet </a:t>
+            </a:r>
+            <a:r>
+              <a:rPr lang="en-US" dirty="0" smtClean="0">
+                <a:latin typeface="Arial" panose="020B0604020202020204" pitchFamily="34" charset="0"/>
+                <a:cs typeface="Arial" panose="020B0604020202020204" pitchFamily="34" charset="0"/>
+              </a:rPr>
+              <a:t>list (asterisk followed by space):</a:t>
+            </a:r>
+            <a:endParaRPr lang="en-US" dirty="0">
+              <a:latin typeface="Arial" panose="020B0604020202020204" pitchFamily="34" charset="0"/>
+              <a:cs typeface="Arial" panose="020B0604020202020204" pitchFamily="34" charset="0"/>
+            </a:endParaRPr>
+          </a:p>
+          <a:p>
+            <a:pPr marL="285750" indent="-285750">
+              <a:lnSpc>
+                <a:spcPct val="150000"/>
+              </a:lnSpc>
+              <a:buFont typeface="Arial" panose="020B0604020202020204" pitchFamily="34" charset="0"/>
+              <a:buChar char="•"/>
+            </a:pPr>
+            <a:r>
+              <a:rPr lang="en-US" dirty="0">
+                <a:latin typeface="Arial" panose="020B0604020202020204" pitchFamily="34" charset="0"/>
+                <a:cs typeface="Arial" panose="020B0604020202020204" pitchFamily="34" charset="0"/>
+              </a:rPr>
+              <a:t>Item 1</a:t>
+            </a:r>
+          </a:p>
+          <a:p>
+            <a:pPr marL="285750" indent="-285750">
+              <a:lnSpc>
+                <a:spcPct val="150000"/>
+              </a:lnSpc>
+              <a:buFont typeface="Arial" panose="020B0604020202020204" pitchFamily="34" charset="0"/>
+              <a:buChar char="•"/>
+            </a:pPr>
+            <a:r>
+              <a:rPr lang="en-US" dirty="0">
+                <a:latin typeface="Arial" panose="020B0604020202020204" pitchFamily="34" charset="0"/>
+                <a:cs typeface="Arial" panose="020B0604020202020204" pitchFamily="34" charset="0"/>
+              </a:rPr>
+              <a:t>Item </a:t>
+            </a:r>
+            <a:r>
+              <a:rPr lang="en-US" dirty="0" smtClean="0">
+                <a:latin typeface="Arial" panose="020B0604020202020204" pitchFamily="34" charset="0"/>
+                <a:cs typeface="Arial" panose="020B0604020202020204" pitchFamily="34" charset="0"/>
+              </a:rPr>
+              <a:t>2</a:t>
+            </a:r>
+          </a:p>
+          <a:p>
+            <a:pPr marL="742950" lvl="1" indent="-285750">
+              <a:lnSpc>
+                <a:spcPct val="150000"/>
+              </a:lnSpc>
+              <a:buFont typeface="Courier New" panose="02070309020205020404" pitchFamily="49" charset="0"/>
+              <a:buChar char="o"/>
+            </a:pPr>
+            <a:r>
+              <a:rPr lang="en-US" dirty="0" smtClean="0">
+                <a:latin typeface="Arial" panose="020B0604020202020204" pitchFamily="34" charset="0"/>
+                <a:cs typeface="Arial" panose="020B0604020202020204" pitchFamily="34" charset="0"/>
+              </a:rPr>
+              <a:t>Item 2.1</a:t>
+            </a:r>
+          </a:p>
+          <a:p>
+            <a:pPr marL="742950" lvl="1" indent="-285750">
+              <a:lnSpc>
+                <a:spcPct val="150000"/>
+              </a:lnSpc>
+              <a:buFont typeface="Courier New" panose="02070309020205020404" pitchFamily="49" charset="0"/>
+              <a:buChar char="o"/>
+            </a:pPr>
+            <a:r>
+              <a:rPr lang="en-US" dirty="0">
+                <a:latin typeface="Arial" panose="020B0604020202020204" pitchFamily="34" charset="0"/>
+                <a:cs typeface="Arial" panose="020B0604020202020204" pitchFamily="34" charset="0"/>
+              </a:rPr>
+              <a:t>Item 2.2</a:t>
+            </a:r>
+          </a:p>
+          <a:p>
+            <a:pPr>
+              <a:lnSpc>
+                <a:spcPct val="150000"/>
+              </a:lnSpc>
+            </a:pPr>
+            <a:r>
+              <a:rPr lang="en-US" dirty="0" smtClean="0">
+                <a:latin typeface="Arial" panose="020B0604020202020204" pitchFamily="34" charset="0"/>
+                <a:cs typeface="Arial" panose="020B0604020202020204" pitchFamily="34" charset="0"/>
+              </a:rPr>
+              <a:t>Or</a:t>
+            </a:r>
+            <a:r>
+              <a:rPr lang="en-US" dirty="0">
+                <a:latin typeface="Arial" panose="020B0604020202020204" pitchFamily="34" charset="0"/>
+                <a:cs typeface="Arial" panose="020B0604020202020204" pitchFamily="34" charset="0"/>
+              </a:rPr>
+              <a:t>, you can also create number list:</a:t>
+            </a:r>
+          </a:p>
+          <a:p>
+            <a:pPr marL="342900" indent="-342900">
+              <a:lnSpc>
+                <a:spcPct val="150000"/>
+              </a:lnSpc>
+              <a:buFont typeface="+mj-lt"/>
+              <a:buAutoNum type="arabicPeriod"/>
+            </a:pPr>
+            <a:r>
+              <a:rPr lang="en-US" dirty="0">
+                <a:latin typeface="Arial" panose="020B0604020202020204" pitchFamily="34" charset="0"/>
+                <a:cs typeface="Arial" panose="020B0604020202020204" pitchFamily="34" charset="0"/>
+              </a:rPr>
+              <a:t>Item </a:t>
+            </a:r>
+            <a:r>
+              <a:rPr lang="en-US" dirty="0" smtClean="0">
+                <a:latin typeface="Arial" panose="020B0604020202020204" pitchFamily="34" charset="0"/>
+                <a:cs typeface="Arial" panose="020B0604020202020204" pitchFamily="34" charset="0"/>
+              </a:rPr>
+              <a:t>A</a:t>
+            </a:r>
+          </a:p>
+          <a:p>
+            <a:pPr marL="342900" indent="-342900">
+              <a:lnSpc>
+                <a:spcPct val="150000"/>
+              </a:lnSpc>
+              <a:buFont typeface="+mj-lt"/>
+              <a:buAutoNum type="arabicPeriod"/>
+            </a:pPr>
+            <a:r>
+              <a:rPr lang="en-US" dirty="0" smtClean="0">
+                <a:latin typeface="Arial" panose="020B0604020202020204" pitchFamily="34" charset="0"/>
+                <a:cs typeface="Arial" panose="020B0604020202020204" pitchFamily="34" charset="0"/>
+              </a:rPr>
+              <a:t>Item B</a:t>
+            </a:r>
+            <a:endParaRPr lang="en-US" dirty="0">
+              <a:latin typeface="Arial" panose="020B0604020202020204" pitchFamily="34" charset="0"/>
+              <a:cs typeface="Arial" panose="020B0604020202020204" pitchFamily="34" charset="0"/>
+            </a:endParaRPr>
+          </a:p>
+        </p:txBody>
+      </p:sp>
+      <p:sp>
+        <p:nvSpPr>
+          <p:cNvPr id="18" name="Rectangle 17"/>
+          <p:cNvSpPr/>
+          <p:nvPr/>
+        </p:nvSpPr>
+        <p:spPr>
+          <a:xfrm>
+            <a:off x="611564" y="1517542"/>
+            <a:ext cx="4410892" cy="369332"/>
+          </a:xfrm>
+          <a:prstGeom prst="rect">
+            <a:avLst/>
+          </a:prstGeom>
+        </p:spPr>
+        <p:txBody>
+          <a:bodyPr wrap="square">
+            <a:spAutoFit/>
+          </a:bodyPr>
+          <a:lstStyle/>
+          <a:p>
+            <a:r>
+              <a:rPr lang="en-US" dirty="0" smtClean="0">
+                <a:solidFill>
+                  <a:srgbClr val="C00000"/>
+                </a:solidFill>
+              </a:rPr>
+              <a:t>In Markdown:</a:t>
+            </a:r>
+            <a:endParaRPr lang="en-US" dirty="0">
+              <a:solidFill>
+                <a:srgbClr val="C00000"/>
+              </a:solidFill>
+            </a:endParaRPr>
+          </a:p>
+        </p:txBody>
+      </p:sp>
+      <p:sp>
+        <p:nvSpPr>
+          <p:cNvPr id="19" name="Rectangle 18"/>
+          <p:cNvSpPr/>
+          <p:nvPr/>
+        </p:nvSpPr>
+        <p:spPr>
+          <a:xfrm>
+            <a:off x="6609806" y="1517542"/>
+            <a:ext cx="4410892" cy="369332"/>
+          </a:xfrm>
+          <a:prstGeom prst="rect">
+            <a:avLst/>
+          </a:prstGeom>
+        </p:spPr>
+        <p:txBody>
+          <a:bodyPr wrap="square">
+            <a:spAutoFit/>
+          </a:bodyPr>
+          <a:lstStyle/>
+          <a:p>
+            <a:r>
+              <a:rPr lang="en-US" dirty="0" smtClean="0">
+                <a:solidFill>
+                  <a:srgbClr val="C00000"/>
+                </a:solidFill>
+              </a:rPr>
+              <a:t>On Isomer webpage:</a:t>
+            </a:r>
+            <a:endParaRPr lang="en-US" dirty="0">
+              <a:solidFill>
+                <a:srgbClr val="C00000"/>
+              </a:solidFill>
+            </a:endParaRPr>
+          </a:p>
+        </p:txBody>
+      </p:sp>
+    </p:spTree>
+    <p:extLst>
+      <p:ext uri="{BB962C8B-B14F-4D97-AF65-F5344CB8AC3E}">
+        <p14:creationId xmlns:p14="http://schemas.microsoft.com/office/powerpoint/2010/main" val="3189826243"/>
+      </p:ext>
+    </p:extLst>
+  </p:cSld>
+  <p:clrMapOvr>
+    <a:masterClrMapping/>
+  </p:clrMapOvr>
+  <p:timing>
+    <p:tnLst>
+      <p:par>
+        <p:cTn id="1" dur="indefinite" restart="never" nodeType="tmRoot"/>
+      </p:par>
+    </p:tnLst>
+  </p:timing>
+</p:sld>
+</file>
+
+<file path=ppt/slides/slide5.xml><?xml version="1.0" encoding="utf-8"?>
+<p:sld xmlns:a="http://schemas.openxmlformats.org/drawingml/2006/main" xmlns:r="http://schemas.openxmlformats.org/officeDocument/2006/relationships" xmlns:p="http://schemas.openxmlformats.org/presentationml/2006/main">
+  <p:cSld>
+    <p:spTree>
+      <p:nvGrpSpPr>
+        <p:cNvPr id="1" name=""/>
+        <p:cNvGrpSpPr/>
+        <p:nvPr/>
+      </p:nvGrpSpPr>
+      <p:grpSpPr>
+        <a:xfrm>
+          <a:off x="0" y="0"/>
+          <a:ext cx="0" cy="0"/>
+          <a:chOff x="0" y="0"/>
+          <a:chExt cx="0" cy="0"/>
+        </a:xfrm>
+      </p:grpSpPr>
+      <p:sp>
+        <p:nvSpPr>
+          <p:cNvPr id="4" name="Title 3"/>
+          <p:cNvSpPr>
+            <a:spLocks noGrp="1"/>
+          </p:cNvSpPr>
+          <p:nvPr>
+            <p:ph type="title"/>
+          </p:nvPr>
+        </p:nvSpPr>
+        <p:spPr/>
+        <p:txBody>
+          <a:bodyPr/>
+          <a:lstStyle/>
+          <a:p>
+            <a:r>
+              <a:rPr lang="en-US" dirty="0" smtClean="0"/>
+              <a:t>Using Tables</a:t>
+            </a:r>
+            <a:endParaRPr lang="en-US" dirty="0"/>
+          </a:p>
+        </p:txBody>
+      </p:sp>
+      <p:cxnSp>
+        <p:nvCxnSpPr>
+          <p:cNvPr id="6" name="Straight Connector 5"/>
+          <p:cNvCxnSpPr/>
+          <p:nvPr/>
+        </p:nvCxnSpPr>
+        <p:spPr>
+          <a:xfrm>
+            <a:off x="541768" y="3754295"/>
+            <a:ext cx="11267055" cy="13063"/>
+          </a:xfrm>
+          <a:prstGeom prst="line">
+            <a:avLst/>
+          </a:prstGeom>
+          <a:ln w="38100">
+            <a:solidFill>
+              <a:srgbClr val="2A3643"/>
+            </a:solidFill>
+          </a:ln>
+        </p:spPr>
+        <p:style>
+          <a:lnRef idx="1">
+            <a:schemeClr val="accent1"/>
+          </a:lnRef>
+          <a:fillRef idx="0">
+            <a:schemeClr val="accent1"/>
+          </a:fillRef>
+          <a:effectRef idx="0">
+            <a:schemeClr val="accent1"/>
+          </a:effectRef>
+          <a:fontRef idx="minor">
+            <a:schemeClr val="tx1"/>
+          </a:fontRef>
+        </p:style>
+      </p:cxnSp>
+      <p:sp>
+        <p:nvSpPr>
+          <p:cNvPr id="18" name="Rectangle 17"/>
+          <p:cNvSpPr/>
+          <p:nvPr/>
+        </p:nvSpPr>
+        <p:spPr>
+          <a:xfrm>
+            <a:off x="974584" y="1521155"/>
+            <a:ext cx="1556871" cy="369332"/>
+          </a:xfrm>
+          <a:prstGeom prst="rect">
+            <a:avLst/>
+          </a:prstGeom>
+        </p:spPr>
+        <p:txBody>
+          <a:bodyPr wrap="square">
+            <a:spAutoFit/>
+          </a:bodyPr>
+          <a:lstStyle/>
+          <a:p>
+            <a:r>
+              <a:rPr lang="en-US" dirty="0" smtClean="0">
+                <a:solidFill>
+                  <a:srgbClr val="C00000"/>
+                </a:solidFill>
+              </a:rPr>
+              <a:t>Markdown</a:t>
+            </a:r>
+            <a:endParaRPr lang="en-US" dirty="0">
+              <a:solidFill>
+                <a:srgbClr val="C00000"/>
+              </a:solidFill>
+            </a:endParaRPr>
+          </a:p>
+        </p:txBody>
+      </p:sp>
+      <p:sp>
+        <p:nvSpPr>
+          <p:cNvPr id="19" name="Rectangle 18"/>
+          <p:cNvSpPr/>
+          <p:nvPr/>
+        </p:nvSpPr>
+        <p:spPr>
+          <a:xfrm>
+            <a:off x="974584" y="4031220"/>
+            <a:ext cx="2356445" cy="369332"/>
+          </a:xfrm>
+          <a:prstGeom prst="rect">
+            <a:avLst/>
+          </a:prstGeom>
+        </p:spPr>
+        <p:txBody>
+          <a:bodyPr wrap="square">
+            <a:spAutoFit/>
+          </a:bodyPr>
+          <a:lstStyle/>
+          <a:p>
+            <a:r>
+              <a:rPr lang="en-US" dirty="0" smtClean="0">
+                <a:solidFill>
+                  <a:srgbClr val="C00000"/>
+                </a:solidFill>
+              </a:rPr>
+              <a:t>SAC Isomer Webpage</a:t>
+            </a:r>
+            <a:endParaRPr lang="en-US" dirty="0">
+              <a:solidFill>
+                <a:srgbClr val="C00000"/>
+              </a:solidFill>
+            </a:endParaRPr>
+          </a:p>
+        </p:txBody>
+      </p:sp>
+      <p:pic>
+        <p:nvPicPr>
+          <p:cNvPr id="9" name="Picture 8"/>
+          <p:cNvPicPr>
+            <a:picLocks noChangeAspect="1"/>
+          </p:cNvPicPr>
+          <p:nvPr/>
+        </p:nvPicPr>
+        <p:blipFill>
+          <a:blip r:embed="rId2"/>
+          <a:stretch>
+            <a:fillRect/>
+          </a:stretch>
+        </p:blipFill>
+        <p:spPr>
+          <a:xfrm>
+            <a:off x="4151693" y="3946061"/>
+            <a:ext cx="5503026" cy="908982"/>
+          </a:xfrm>
+          <a:prstGeom prst="rect">
+            <a:avLst/>
+          </a:prstGeom>
+        </p:spPr>
+      </p:pic>
+      <p:pic>
+        <p:nvPicPr>
+          <p:cNvPr id="14" name="Picture 13"/>
+          <p:cNvPicPr>
+            <a:picLocks noChangeAspect="1"/>
+          </p:cNvPicPr>
+          <p:nvPr/>
+        </p:nvPicPr>
+        <p:blipFill>
+          <a:blip r:embed="rId3"/>
+          <a:stretch>
+            <a:fillRect/>
+          </a:stretch>
+        </p:blipFill>
+        <p:spPr>
+          <a:xfrm>
+            <a:off x="4151693" y="5225513"/>
+            <a:ext cx="6722244" cy="1253666"/>
+          </a:xfrm>
+          <a:prstGeom prst="rect">
+            <a:avLst/>
+          </a:prstGeom>
+        </p:spPr>
+      </p:pic>
+      <p:sp>
+        <p:nvSpPr>
+          <p:cNvPr id="15" name="Rectangle 2"/>
+          <p:cNvSpPr>
+            <a:spLocks noChangeArrowheads="1"/>
+          </p:cNvSpPr>
+          <p:nvPr/>
+        </p:nvSpPr>
+        <p:spPr bwMode="auto">
+          <a:xfrm>
+            <a:off x="4243133" y="1422785"/>
+            <a:ext cx="7565690" cy="2308324"/>
+          </a:xfrm>
+          <a:prstGeom prst="rect">
+            <a:avLst/>
+          </a:prstGeom>
+          <a:noFill/>
+          <a:ln>
+            <a:noFill/>
+          </a:ln>
+          <a:effectLst/>
+          <a:extLst>
+            <a:ext uri="{909E8E84-426E-40DD-AFC4-6F175D3DCCD1}">
+              <a14:hiddenFill xmlns:a14="http://schemas.microsoft.com/office/drawing/2010/main">
+                <a:solidFill>
+                  <a:schemeClr val="accent1"/>
+                </a:solidFill>
+              </a14:hiddenFill>
+            </a:ext>
+            <a:ext uri="{91240B29-F687-4F45-9708-019B960494DF}">
+              <a14:hiddenLine xmlns:a14="http://schemas.microsoft.com/office/drawing/2010/main" w="9525">
+                <a:solidFill>
+                  <a:schemeClr val="tx1"/>
+                </a:solidFill>
+                <a:miter lim="800000"/>
+                <a:headEnd/>
+                <a:tailEnd/>
+              </a14:hiddenLine>
+            </a:ext>
+            <a:ext uri="{AF507438-7753-43E0-B8FC-AC1667EBCBE1}">
+              <a14:hiddenEffects xmlns:a14="http://schemas.microsoft.com/office/drawing/2010/main">
+                <a:effectLst>
+                  <a:outerShdw dist="35921" dir="2700000" algn="ctr" rotWithShape="0">
+                    <a:schemeClr val="bg2"/>
+                  </a:outerShdw>
+                </a:effectLst>
+              </a14:hiddenEffects>
+            </a:ext>
+          </a:extLst>
+        </p:spPr>
+        <p:txBody>
+          <a:bodyPr vert="horz" wrap="square" lIns="91440" tIns="45720" rIns="91440" bIns="45720" numCol="1" anchor="ctr" anchorCtr="0" compatLnSpc="1">
+            <a:prstTxWarp prst="textNoShape">
+              <a:avLst/>
+            </a:prstTxWarp>
+            <a:spAutoFit/>
+          </a:bodyPr>
+          <a:lstStyle/>
+          <a:p>
+            <a:pPr marL="0" marR="0" lvl="0" indent="0" algn="l" defTabSz="914400" rtl="0" eaLnBrk="0" fontAlgn="base" latinLnBrk="0" hangingPunct="0">
+              <a:lnSpc>
+                <a:spcPct val="100000"/>
+              </a:lnSpc>
+              <a:spcBef>
+                <a:spcPct val="0"/>
+              </a:spcBef>
+              <a:spcAft>
+                <a:spcPct val="0"/>
+              </a:spcAft>
+              <a:buClrTx/>
+              <a:buSzTx/>
+              <a:buFontTx/>
+              <a:buNone/>
+              <a:tabLst/>
+            </a:pPr>
+            <a:r>
+              <a:rPr kumimoji="0" lang="en-US" altLang="en-US" b="0" i="0" u="none" strike="noStrike" cap="none" normalizeH="0" baseline="0" dirty="0" smtClean="0">
+                <a:ln>
+                  <a:noFill/>
+                </a:ln>
+                <a:solidFill>
+                  <a:srgbClr val="000000"/>
+                </a:solidFill>
+                <a:effectLst/>
+              </a:rPr>
+              <a:t>| Basic   | Markdown | Table |</a:t>
+            </a:r>
+          </a:p>
+          <a:p>
+            <a:pPr marL="0" marR="0" lvl="0" indent="0" algn="l" defTabSz="914400" rtl="0" eaLnBrk="0" fontAlgn="base" latinLnBrk="0" hangingPunct="0">
+              <a:lnSpc>
+                <a:spcPct val="100000"/>
+              </a:lnSpc>
+              <a:spcBef>
+                <a:spcPct val="0"/>
+              </a:spcBef>
+              <a:spcAft>
+                <a:spcPct val="0"/>
+              </a:spcAft>
+              <a:buClrTx/>
+              <a:buSzTx/>
+              <a:buFontTx/>
+              <a:buNone/>
+              <a:tabLst/>
+            </a:pPr>
+            <a:r>
+              <a:rPr kumimoji="0" lang="en-US" altLang="en-US" b="0" i="0" u="none" strike="noStrike" cap="none" normalizeH="0" baseline="0" dirty="0" smtClean="0">
+                <a:ln>
+                  <a:noFill/>
+                </a:ln>
+                <a:solidFill>
+                  <a:srgbClr val="000000"/>
+                </a:solidFill>
+                <a:effectLst/>
+              </a:rPr>
+              <a:t>| Tables | are              | cool    | </a:t>
+            </a:r>
+          </a:p>
+          <a:p>
+            <a:pPr marL="0" marR="0" lvl="0" indent="0" algn="l" defTabSz="914400" rtl="0" eaLnBrk="0" fontAlgn="base" latinLnBrk="0" hangingPunct="0">
+              <a:lnSpc>
+                <a:spcPct val="100000"/>
+              </a:lnSpc>
+              <a:spcBef>
+                <a:spcPct val="0"/>
+              </a:spcBef>
+              <a:spcAft>
+                <a:spcPct val="0"/>
+              </a:spcAft>
+              <a:buClrTx/>
+              <a:buSzTx/>
+              <a:buFontTx/>
+              <a:buNone/>
+              <a:tabLst/>
+            </a:pPr>
+            <a:endParaRPr lang="en-US" altLang="en-US" dirty="0" smtClean="0">
+              <a:solidFill>
+                <a:srgbClr val="000000"/>
+              </a:solidFill>
+            </a:endParaRPr>
+          </a:p>
+          <a:p>
+            <a:pPr marL="0" marR="0" lvl="0" indent="0" algn="l" defTabSz="914400" rtl="0" eaLnBrk="0" fontAlgn="base" latinLnBrk="0" hangingPunct="0">
+              <a:lnSpc>
+                <a:spcPct val="100000"/>
+              </a:lnSpc>
+              <a:spcBef>
+                <a:spcPct val="0"/>
+              </a:spcBef>
+              <a:spcAft>
+                <a:spcPct val="0"/>
+              </a:spcAft>
+              <a:buClrTx/>
+              <a:buSzTx/>
+              <a:buFontTx/>
+              <a:buNone/>
+              <a:tabLst/>
+            </a:pPr>
+            <a:endParaRPr lang="en-US" altLang="en-US" dirty="0">
+              <a:solidFill>
+                <a:srgbClr val="000000"/>
+              </a:solidFill>
+            </a:endParaRPr>
+          </a:p>
+          <a:p>
+            <a:pPr marL="0" marR="0" lvl="0" indent="0" algn="l" defTabSz="914400" rtl="0" eaLnBrk="0" fontAlgn="base" latinLnBrk="0" hangingPunct="0">
+              <a:lnSpc>
+                <a:spcPct val="100000"/>
+              </a:lnSpc>
+              <a:spcBef>
+                <a:spcPct val="0"/>
+              </a:spcBef>
+              <a:spcAft>
+                <a:spcPct val="0"/>
+              </a:spcAft>
+              <a:buClrTx/>
+              <a:buSzTx/>
+              <a:buFontTx/>
+              <a:buNone/>
+              <a:tabLst/>
+            </a:pPr>
+            <a:r>
+              <a:rPr kumimoji="0" lang="en-US" altLang="en-US" b="0" i="0" u="none" strike="noStrike" cap="none" normalizeH="0" baseline="0" dirty="0" smtClean="0">
+                <a:ln>
+                  <a:noFill/>
+                </a:ln>
+                <a:solidFill>
+                  <a:srgbClr val="000000"/>
+                </a:solidFill>
+                <a:effectLst/>
+              </a:rPr>
+              <a:t>| Basic Table | with | Header | </a:t>
+            </a:r>
+          </a:p>
+          <a:p>
+            <a:pPr marL="0" marR="0" lvl="0" indent="0" algn="l" defTabSz="914400" rtl="0" eaLnBrk="0" fontAlgn="base" latinLnBrk="0" hangingPunct="0">
+              <a:lnSpc>
+                <a:spcPct val="100000"/>
+              </a:lnSpc>
+              <a:spcBef>
+                <a:spcPct val="0"/>
+              </a:spcBef>
+              <a:spcAft>
+                <a:spcPct val="0"/>
+              </a:spcAft>
+              <a:buClrTx/>
+              <a:buSzTx/>
+              <a:buFontTx/>
+              <a:buNone/>
+              <a:tabLst/>
+            </a:pPr>
+            <a:r>
+              <a:rPr kumimoji="0" lang="en-US" altLang="en-US" b="0" i="0" u="none" strike="noStrike" cap="none" normalizeH="0" baseline="0" dirty="0" smtClean="0">
+                <a:ln>
+                  <a:noFill/>
+                </a:ln>
+                <a:solidFill>
+                  <a:srgbClr val="000000"/>
+                </a:solidFill>
+                <a:effectLst/>
+              </a:rPr>
+              <a:t>| --- | --- | --- | </a:t>
+            </a:r>
+          </a:p>
+          <a:p>
+            <a:pPr marL="0" marR="0" lvl="0" indent="0" algn="l" defTabSz="914400" rtl="0" eaLnBrk="0" fontAlgn="base" latinLnBrk="0" hangingPunct="0">
+              <a:lnSpc>
+                <a:spcPct val="100000"/>
+              </a:lnSpc>
+              <a:spcBef>
+                <a:spcPct val="0"/>
+              </a:spcBef>
+              <a:spcAft>
+                <a:spcPct val="0"/>
+              </a:spcAft>
+              <a:buClrTx/>
+              <a:buSzTx/>
+              <a:buFontTx/>
+              <a:buNone/>
+              <a:tabLst/>
+            </a:pPr>
+            <a:r>
+              <a:rPr kumimoji="0" lang="en-US" altLang="en-US" b="0" i="0" u="none" strike="noStrike" cap="none" normalizeH="0" baseline="0" dirty="0" smtClean="0">
+                <a:ln>
+                  <a:noFill/>
+                </a:ln>
+                <a:solidFill>
+                  <a:srgbClr val="000000"/>
+                </a:solidFill>
+                <a:effectLst/>
+              </a:rPr>
+              <a:t>| Table Cell widths can vary | the rendered table will still look the same | text | </a:t>
+            </a:r>
+          </a:p>
+          <a:p>
+            <a:pPr marL="0" marR="0" lvl="0" indent="0" algn="l" defTabSz="914400" rtl="0" eaLnBrk="0" fontAlgn="base" latinLnBrk="0" hangingPunct="0">
+              <a:lnSpc>
+                <a:spcPct val="100000"/>
+              </a:lnSpc>
+              <a:spcBef>
+                <a:spcPct val="0"/>
+              </a:spcBef>
+              <a:spcAft>
+                <a:spcPct val="0"/>
+              </a:spcAft>
+              <a:buClrTx/>
+              <a:buSzTx/>
+              <a:buFontTx/>
+              <a:buNone/>
+              <a:tabLst/>
+            </a:pPr>
+            <a:r>
+              <a:rPr kumimoji="0" lang="en-US" altLang="en-US" b="0" i="0" u="none" strike="noStrike" cap="none" normalizeH="0" baseline="0" dirty="0" smtClean="0">
+                <a:ln>
+                  <a:noFill/>
+                </a:ln>
+                <a:solidFill>
+                  <a:srgbClr val="000000"/>
+                </a:solidFill>
+                <a:effectLst/>
+              </a:rPr>
+              <a:t>| Basic | Markdown | Table | </a:t>
+            </a:r>
+          </a:p>
+        </p:txBody>
+      </p:sp>
+    </p:spTree>
+    <p:extLst>
+      <p:ext uri="{BB962C8B-B14F-4D97-AF65-F5344CB8AC3E}">
+        <p14:creationId xmlns:p14="http://schemas.microsoft.com/office/powerpoint/2010/main" val="3361935814"/>
+      </p:ext>
+    </p:extLst>
+  </p:cSld>
+  <p:clrMapOvr>
+    <a:masterClrMapping/>
+  </p:clrMapOvr>
+  <p:timing>
+    <p:tnLst>
+      <p:par>
+        <p:cTn id="1" dur="indefinite" restart="never" nodeType="tmRoot"/>
+      </p:par>
+    </p:tnLst>
+  </p:timing>
+</p:sld>
+</file>
+
+<file path=ppt/slides/slide6.xml><?xml version="1.0" encoding="utf-8"?>
+<p:sld xmlns:a="http://schemas.openxmlformats.org/drawingml/2006/main" xmlns:r="http://schemas.openxmlformats.org/officeDocument/2006/relationships" xmlns:p="http://schemas.openxmlformats.org/presentationml/2006/main">
+  <p:cSld>
+    <p:spTree>
+      <p:nvGrpSpPr>
+        <p:cNvPr id="1" name=""/>
+        <p:cNvGrpSpPr/>
+        <p:nvPr/>
+      </p:nvGrpSpPr>
+      <p:grpSpPr>
+        <a:xfrm>
+          <a:off x="0" y="0"/>
+          <a:ext cx="0" cy="0"/>
+          <a:chOff x="0" y="0"/>
+          <a:chExt cx="0" cy="0"/>
+        </a:xfrm>
+      </p:grpSpPr>
+      <p:sp>
+        <p:nvSpPr>
+          <p:cNvPr id="4" name="Title 3"/>
+          <p:cNvSpPr>
+            <a:spLocks noGrp="1"/>
+          </p:cNvSpPr>
+          <p:nvPr>
+            <p:ph type="title"/>
+          </p:nvPr>
+        </p:nvSpPr>
+        <p:spPr/>
+        <p:txBody>
+          <a:bodyPr/>
+          <a:lstStyle/>
+          <a:p>
+            <a:r>
+              <a:rPr lang="en-US" dirty="0" smtClean="0"/>
+              <a:t>Using Tables</a:t>
+            </a:r>
+            <a:endParaRPr lang="en-US" dirty="0"/>
+          </a:p>
+        </p:txBody>
+      </p:sp>
+      <p:cxnSp>
+        <p:nvCxnSpPr>
+          <p:cNvPr id="6" name="Straight Connector 5"/>
+          <p:cNvCxnSpPr/>
+          <p:nvPr/>
+        </p:nvCxnSpPr>
+        <p:spPr>
+          <a:xfrm flipH="1">
+            <a:off x="5812971" y="2188757"/>
+            <a:ext cx="26126" cy="4473300"/>
+          </a:xfrm>
+          <a:prstGeom prst="line">
+            <a:avLst/>
+          </a:prstGeom>
+          <a:ln w="38100">
+            <a:solidFill>
+              <a:srgbClr val="2A3643"/>
+            </a:solidFill>
+          </a:ln>
+        </p:spPr>
+        <p:style>
+          <a:lnRef idx="1">
+            <a:schemeClr val="accent1"/>
+          </a:lnRef>
+          <a:fillRef idx="0">
+            <a:schemeClr val="accent1"/>
+          </a:fillRef>
+          <a:effectRef idx="0">
+            <a:schemeClr val="accent1"/>
+          </a:effectRef>
+          <a:fontRef idx="minor">
+            <a:schemeClr val="tx1"/>
+          </a:fontRef>
+        </p:style>
+      </p:cxnSp>
+      <p:sp>
+        <p:nvSpPr>
+          <p:cNvPr id="18" name="Rectangle 17"/>
+          <p:cNvSpPr/>
+          <p:nvPr/>
+        </p:nvSpPr>
+        <p:spPr>
+          <a:xfrm>
+            <a:off x="611564" y="1517542"/>
+            <a:ext cx="4410892" cy="369332"/>
+          </a:xfrm>
+          <a:prstGeom prst="rect">
+            <a:avLst/>
+          </a:prstGeom>
+        </p:spPr>
+        <p:txBody>
+          <a:bodyPr wrap="square">
+            <a:spAutoFit/>
+          </a:bodyPr>
+          <a:lstStyle/>
+          <a:p>
+            <a:r>
+              <a:rPr lang="en-US" dirty="0" smtClean="0">
+                <a:solidFill>
+                  <a:srgbClr val="C00000"/>
+                </a:solidFill>
+              </a:rPr>
+              <a:t>In Markdown:</a:t>
+            </a:r>
+            <a:endParaRPr lang="en-US" dirty="0">
+              <a:solidFill>
+                <a:srgbClr val="C00000"/>
+              </a:solidFill>
+            </a:endParaRPr>
+          </a:p>
+        </p:txBody>
+      </p:sp>
+      <p:sp>
+        <p:nvSpPr>
+          <p:cNvPr id="19" name="Rectangle 18"/>
+          <p:cNvSpPr/>
+          <p:nvPr/>
+        </p:nvSpPr>
+        <p:spPr>
+          <a:xfrm>
+            <a:off x="6221865" y="1514304"/>
+            <a:ext cx="4410892" cy="369332"/>
+          </a:xfrm>
+          <a:prstGeom prst="rect">
+            <a:avLst/>
+          </a:prstGeom>
+        </p:spPr>
+        <p:txBody>
+          <a:bodyPr wrap="square">
+            <a:spAutoFit/>
+          </a:bodyPr>
+          <a:lstStyle/>
+          <a:p>
+            <a:r>
+              <a:rPr lang="en-US" dirty="0" smtClean="0">
+                <a:solidFill>
+                  <a:srgbClr val="C00000"/>
+                </a:solidFill>
+              </a:rPr>
+              <a:t>On Isomer webpage:</a:t>
+            </a:r>
+            <a:endParaRPr lang="en-US" dirty="0">
+              <a:solidFill>
+                <a:srgbClr val="C00000"/>
+              </a:solidFill>
+            </a:endParaRPr>
+          </a:p>
+        </p:txBody>
+      </p:sp>
+      <p:pic>
+        <p:nvPicPr>
+          <p:cNvPr id="11" name="Picture 10"/>
+          <p:cNvPicPr>
+            <a:picLocks noChangeAspect="1"/>
+          </p:cNvPicPr>
+          <p:nvPr/>
+        </p:nvPicPr>
+        <p:blipFill>
+          <a:blip r:embed="rId2"/>
+          <a:stretch>
+            <a:fillRect/>
+          </a:stretch>
+        </p:blipFill>
+        <p:spPr>
+          <a:xfrm>
+            <a:off x="6221865" y="2173764"/>
+            <a:ext cx="4993814" cy="1784282"/>
+          </a:xfrm>
+          <a:prstGeom prst="rect">
+            <a:avLst/>
+          </a:prstGeom>
+        </p:spPr>
+      </p:pic>
+      <p:pic>
+        <p:nvPicPr>
+          <p:cNvPr id="12" name="Picture 11"/>
+          <p:cNvPicPr>
+            <a:picLocks noChangeAspect="1"/>
+          </p:cNvPicPr>
+          <p:nvPr/>
+        </p:nvPicPr>
+        <p:blipFill>
+          <a:blip r:embed="rId3"/>
+          <a:stretch>
+            <a:fillRect/>
+          </a:stretch>
+        </p:blipFill>
+        <p:spPr>
+          <a:xfrm>
+            <a:off x="6221865" y="4425406"/>
+            <a:ext cx="5457616" cy="1400627"/>
+          </a:xfrm>
+          <a:prstGeom prst="rect">
+            <a:avLst/>
+          </a:prstGeom>
+        </p:spPr>
+      </p:pic>
+      <p:sp>
+        <p:nvSpPr>
+          <p:cNvPr id="15" name="Rectangle 2"/>
+          <p:cNvSpPr>
+            <a:spLocks noChangeArrowheads="1"/>
+          </p:cNvSpPr>
+          <p:nvPr/>
+        </p:nvSpPr>
+        <p:spPr bwMode="auto">
+          <a:xfrm>
+            <a:off x="541768" y="2035265"/>
+            <a:ext cx="3921153" cy="3139321"/>
+          </a:xfrm>
+          <a:prstGeom prst="rect">
+            <a:avLst/>
+          </a:prstGeom>
+          <a:noFill/>
+          <a:ln>
+            <a:noFill/>
+          </a:ln>
+          <a:effectLst/>
+          <a:extLst>
+            <a:ext uri="{909E8E84-426E-40DD-AFC4-6F175D3DCCD1}">
+              <a14:hiddenFill xmlns:a14="http://schemas.microsoft.com/office/drawing/2010/main">
+                <a:solidFill>
+                  <a:schemeClr val="accent1"/>
+                </a:solidFill>
+              </a14:hiddenFill>
+            </a:ext>
+            <a:ext uri="{91240B29-F687-4F45-9708-019B960494DF}">
+              <a14:hiddenLine xmlns:a14="http://schemas.microsoft.com/office/drawing/2010/main" w="9525">
+                <a:solidFill>
+                  <a:schemeClr val="tx1"/>
+                </a:solidFill>
+                <a:miter lim="800000"/>
+                <a:headEnd/>
+                <a:tailEnd/>
+              </a14:hiddenLine>
+            </a:ext>
+            <a:ext uri="{AF507438-7753-43E0-B8FC-AC1667EBCBE1}">
+              <a14:hiddenEffects xmlns:a14="http://schemas.microsoft.com/office/drawing/2010/main">
+                <a:effectLst>
+                  <a:outerShdw dist="35921" dir="2700000" algn="ctr" rotWithShape="0">
+                    <a:schemeClr val="bg2"/>
+                  </a:outerShdw>
+                </a:effectLst>
+              </a14:hiddenEffects>
+            </a:ext>
+          </a:extLst>
+        </p:spPr>
+        <p:txBody>
+          <a:bodyPr vert="horz" wrap="square" lIns="91440" tIns="45720" rIns="91440" bIns="45720" numCol="1" anchor="ctr" anchorCtr="0" compatLnSpc="1">
+            <a:prstTxWarp prst="textNoShape">
+              <a:avLst/>
+            </a:prstTxWarp>
+            <a:spAutoFit/>
+          </a:bodyPr>
+          <a:lstStyle/>
+          <a:p>
+            <a:pPr marL="0" marR="0" lvl="0" indent="0" algn="l" defTabSz="914400" rtl="0" eaLnBrk="0" fontAlgn="base" latinLnBrk="0" hangingPunct="0">
+              <a:lnSpc>
+                <a:spcPct val="100000"/>
+              </a:lnSpc>
+              <a:spcBef>
+                <a:spcPct val="0"/>
+              </a:spcBef>
+              <a:spcAft>
+                <a:spcPct val="0"/>
+              </a:spcAft>
+              <a:buClrTx/>
+              <a:buSzTx/>
+              <a:buFontTx/>
+              <a:buNone/>
+              <a:tabLst/>
+            </a:pPr>
+            <a:r>
+              <a:rPr kumimoji="0" lang="en-US" altLang="en-US" b="0" i="0" u="none" strike="noStrike" cap="none" normalizeH="0" baseline="0" dirty="0" smtClean="0">
+                <a:ln>
+                  <a:noFill/>
+                </a:ln>
+                <a:solidFill>
+                  <a:srgbClr val="000000"/>
+                </a:solidFill>
+                <a:effectLst/>
+              </a:rPr>
+              <a:t>| Table | with | alignment | </a:t>
+            </a:r>
+          </a:p>
+          <a:p>
+            <a:pPr marL="0" marR="0" lvl="0" indent="0" algn="l" defTabSz="914400" rtl="0" eaLnBrk="0" fontAlgn="base" latinLnBrk="0" hangingPunct="0">
+              <a:lnSpc>
+                <a:spcPct val="100000"/>
+              </a:lnSpc>
+              <a:spcBef>
+                <a:spcPct val="0"/>
+              </a:spcBef>
+              <a:spcAft>
+                <a:spcPct val="0"/>
+              </a:spcAft>
+              <a:buClrTx/>
+              <a:buSzTx/>
+              <a:buFontTx/>
+              <a:buNone/>
+              <a:tabLst/>
+            </a:pPr>
+            <a:r>
+              <a:rPr kumimoji="0" lang="en-US" altLang="en-US" b="0" i="0" u="none" strike="noStrike" cap="none" normalizeH="0" baseline="0" dirty="0" smtClean="0">
+                <a:ln>
+                  <a:noFill/>
+                </a:ln>
+                <a:solidFill>
+                  <a:srgbClr val="000000"/>
+                </a:solidFill>
+                <a:effectLst/>
+              </a:rPr>
+              <a:t>| :--- | :----: | ---: | </a:t>
+            </a:r>
+          </a:p>
+          <a:p>
+            <a:pPr marL="0" marR="0" lvl="0" indent="0" algn="l" defTabSz="914400" rtl="0" eaLnBrk="0" fontAlgn="base" latinLnBrk="0" hangingPunct="0">
+              <a:lnSpc>
+                <a:spcPct val="100000"/>
+              </a:lnSpc>
+              <a:spcBef>
+                <a:spcPct val="0"/>
+              </a:spcBef>
+              <a:spcAft>
+                <a:spcPct val="0"/>
+              </a:spcAft>
+              <a:buClrTx/>
+              <a:buSzTx/>
+              <a:buFontTx/>
+              <a:buNone/>
+              <a:tabLst/>
+            </a:pPr>
+            <a:r>
+              <a:rPr kumimoji="0" lang="en-US" altLang="en-US" b="0" i="0" u="none" strike="noStrike" cap="none" normalizeH="0" baseline="0" dirty="0" smtClean="0">
+                <a:ln>
+                  <a:noFill/>
+                </a:ln>
+                <a:solidFill>
+                  <a:srgbClr val="000000"/>
+                </a:solidFill>
+                <a:effectLst/>
+              </a:rPr>
+              <a:t>| Col 1 is | left-aligned | $1600 |</a:t>
+            </a:r>
+          </a:p>
+          <a:p>
+            <a:pPr marL="0" marR="0" lvl="0" indent="0" algn="l" defTabSz="914400" rtl="0" eaLnBrk="0" fontAlgn="base" latinLnBrk="0" hangingPunct="0">
+              <a:lnSpc>
+                <a:spcPct val="100000"/>
+              </a:lnSpc>
+              <a:spcBef>
+                <a:spcPct val="0"/>
+              </a:spcBef>
+              <a:spcAft>
+                <a:spcPct val="0"/>
+              </a:spcAft>
+              <a:buClrTx/>
+              <a:buSzTx/>
+              <a:buFontTx/>
+              <a:buNone/>
+              <a:tabLst/>
+            </a:pPr>
+            <a:r>
+              <a:rPr lang="en-US" altLang="en-US" dirty="0">
+                <a:solidFill>
+                  <a:srgbClr val="000000"/>
+                </a:solidFill>
+              </a:rPr>
+              <a:t>|</a:t>
+            </a:r>
+            <a:r>
+              <a:rPr kumimoji="0" lang="en-US" altLang="en-US" b="0" i="0" u="none" strike="noStrike" cap="none" normalizeH="0" baseline="0" dirty="0" smtClean="0">
+                <a:ln>
+                  <a:noFill/>
+                </a:ln>
+                <a:solidFill>
+                  <a:srgbClr val="000000"/>
+                </a:solidFill>
+                <a:effectLst/>
+              </a:rPr>
+              <a:t> Col 2 is | Centered | $20 |</a:t>
+            </a:r>
+          </a:p>
+          <a:p>
+            <a:pPr marL="0" marR="0" lvl="0" indent="0" algn="l" defTabSz="914400" rtl="0" eaLnBrk="0" fontAlgn="base" latinLnBrk="0" hangingPunct="0">
+              <a:lnSpc>
+                <a:spcPct val="100000"/>
+              </a:lnSpc>
+              <a:spcBef>
+                <a:spcPct val="0"/>
+              </a:spcBef>
+              <a:spcAft>
+                <a:spcPct val="0"/>
+              </a:spcAft>
+              <a:buClrTx/>
+              <a:buSzTx/>
+              <a:buFontTx/>
+              <a:buNone/>
+              <a:tabLst/>
+            </a:pPr>
+            <a:r>
+              <a:rPr kumimoji="0" lang="en-US" altLang="en-US" b="0" i="0" u="none" strike="noStrike" cap="none" normalizeH="0" baseline="0" dirty="0" smtClean="0">
+                <a:ln>
+                  <a:noFill/>
+                </a:ln>
+                <a:solidFill>
+                  <a:srgbClr val="000000"/>
+                </a:solidFill>
+                <a:effectLst/>
+              </a:rPr>
+              <a:t>| Col 3 is | right-aligned | $1 | </a:t>
+            </a:r>
+          </a:p>
+          <a:p>
+            <a:pPr marL="0" marR="0" lvl="0" indent="0" algn="l" defTabSz="914400" rtl="0" eaLnBrk="0" fontAlgn="base" latinLnBrk="0" hangingPunct="0">
+              <a:lnSpc>
+                <a:spcPct val="100000"/>
+              </a:lnSpc>
+              <a:spcBef>
+                <a:spcPct val="0"/>
+              </a:spcBef>
+              <a:spcAft>
+                <a:spcPct val="0"/>
+              </a:spcAft>
+              <a:buClrTx/>
+              <a:buSzTx/>
+              <a:buFontTx/>
+              <a:buNone/>
+              <a:tabLst/>
+            </a:pPr>
+            <a:endParaRPr lang="en-US" altLang="en-US" dirty="0" smtClean="0">
+              <a:solidFill>
+                <a:srgbClr val="000000"/>
+              </a:solidFill>
+            </a:endParaRPr>
+          </a:p>
+          <a:p>
+            <a:pPr marL="0" marR="0" lvl="0" indent="0" algn="l" defTabSz="914400" rtl="0" eaLnBrk="0" fontAlgn="base" latinLnBrk="0" hangingPunct="0">
+              <a:lnSpc>
+                <a:spcPct val="100000"/>
+              </a:lnSpc>
+              <a:spcBef>
+                <a:spcPct val="0"/>
+              </a:spcBef>
+              <a:spcAft>
+                <a:spcPct val="0"/>
+              </a:spcAft>
+              <a:buClrTx/>
+              <a:buSzTx/>
+              <a:buFontTx/>
+              <a:buNone/>
+              <a:tabLst/>
+            </a:pPr>
+            <a:endParaRPr lang="en-US" altLang="en-US" dirty="0">
+              <a:solidFill>
+                <a:srgbClr val="000000"/>
+              </a:solidFill>
+            </a:endParaRPr>
+          </a:p>
+          <a:p>
+            <a:pPr marL="0" marR="0" lvl="0" indent="0" algn="l" defTabSz="914400" rtl="0" eaLnBrk="0" fontAlgn="base" latinLnBrk="0" hangingPunct="0">
+              <a:lnSpc>
+                <a:spcPct val="100000"/>
+              </a:lnSpc>
+              <a:spcBef>
+                <a:spcPct val="0"/>
+              </a:spcBef>
+              <a:spcAft>
+                <a:spcPct val="0"/>
+              </a:spcAft>
+              <a:buClrTx/>
+              <a:buSzTx/>
+              <a:buFontTx/>
+              <a:buNone/>
+              <a:tabLst/>
+            </a:pPr>
+            <a:r>
+              <a:rPr kumimoji="0" lang="en-US" altLang="en-US" b="0" i="0" u="none" strike="noStrike" cap="none" normalizeH="0" baseline="0" dirty="0" smtClean="0">
+                <a:ln>
+                  <a:noFill/>
+                </a:ln>
+                <a:solidFill>
+                  <a:srgbClr val="000000"/>
+                </a:solidFill>
+                <a:effectLst/>
+              </a:rPr>
+              <a:t>| Table | with | footer | </a:t>
+            </a:r>
+          </a:p>
+          <a:p>
+            <a:pPr marL="0" marR="0" lvl="0" indent="0" algn="l" defTabSz="914400" rtl="0" eaLnBrk="0" fontAlgn="base" latinLnBrk="0" hangingPunct="0">
+              <a:lnSpc>
+                <a:spcPct val="100000"/>
+              </a:lnSpc>
+              <a:spcBef>
+                <a:spcPct val="0"/>
+              </a:spcBef>
+              <a:spcAft>
+                <a:spcPct val="0"/>
+              </a:spcAft>
+              <a:buClrTx/>
+              <a:buSzTx/>
+              <a:buFontTx/>
+              <a:buNone/>
+              <a:tabLst/>
+            </a:pPr>
+            <a:r>
+              <a:rPr kumimoji="0" lang="en-US" altLang="en-US" b="0" i="0" u="none" strike="noStrike" cap="none" normalizeH="0" baseline="0" dirty="0" smtClean="0">
+                <a:ln>
+                  <a:noFill/>
+                </a:ln>
+                <a:solidFill>
+                  <a:srgbClr val="000000"/>
+                </a:solidFill>
+                <a:effectLst/>
+              </a:rPr>
+              <a:t>| Basic | Markdown | Table |</a:t>
+            </a:r>
+          </a:p>
+          <a:p>
+            <a:pPr marL="0" marR="0" lvl="0" indent="0" algn="l" defTabSz="914400" rtl="0" eaLnBrk="0" fontAlgn="base" latinLnBrk="0" hangingPunct="0">
+              <a:lnSpc>
+                <a:spcPct val="100000"/>
+              </a:lnSpc>
+              <a:spcBef>
+                <a:spcPct val="0"/>
+              </a:spcBef>
+              <a:spcAft>
+                <a:spcPct val="0"/>
+              </a:spcAft>
+              <a:buClrTx/>
+              <a:buSzTx/>
+              <a:buFontTx/>
+              <a:buNone/>
+              <a:tabLst/>
+            </a:pPr>
+            <a:r>
+              <a:rPr kumimoji="0" lang="en-US" altLang="en-US" b="0" i="0" u="none" strike="noStrike" cap="none" normalizeH="0" baseline="0" dirty="0" smtClean="0">
+                <a:ln>
+                  <a:noFill/>
+                </a:ln>
+                <a:solidFill>
+                  <a:srgbClr val="000000"/>
+                </a:solidFill>
+                <a:effectLst/>
+              </a:rPr>
+              <a:t>|=========| </a:t>
+            </a:r>
+          </a:p>
+          <a:p>
+            <a:pPr marL="0" marR="0" lvl="0" indent="0" algn="l" defTabSz="914400" rtl="0" eaLnBrk="0" fontAlgn="base" latinLnBrk="0" hangingPunct="0">
+              <a:lnSpc>
+                <a:spcPct val="100000"/>
+              </a:lnSpc>
+              <a:spcBef>
+                <a:spcPct val="0"/>
+              </a:spcBef>
+              <a:spcAft>
+                <a:spcPct val="0"/>
+              </a:spcAft>
+              <a:buClrTx/>
+              <a:buSzTx/>
+              <a:buFontTx/>
+              <a:buNone/>
+              <a:tabLst/>
+            </a:pPr>
+            <a:r>
+              <a:rPr kumimoji="0" lang="en-US" altLang="en-US" b="0" i="0" u="none" strike="noStrike" cap="none" normalizeH="0" baseline="0" dirty="0" smtClean="0">
+                <a:ln>
+                  <a:noFill/>
+                </a:ln>
+                <a:solidFill>
+                  <a:srgbClr val="000000"/>
+                </a:solidFill>
+                <a:effectLst/>
+              </a:rPr>
+              <a:t>| footer-row |</a:t>
+            </a:r>
+            <a:r>
+              <a:rPr kumimoji="0" lang="en-US" altLang="en-US" b="0" i="0" u="none" strike="noStrike" cap="none" normalizeH="0" baseline="0" dirty="0" smtClean="0">
+                <a:ln>
+                  <a:noFill/>
+                </a:ln>
+                <a:solidFill>
+                  <a:schemeClr val="tx1"/>
+                </a:solidFill>
+                <a:effectLst/>
+              </a:rPr>
+              <a:t> </a:t>
+            </a:r>
+          </a:p>
+        </p:txBody>
+      </p:sp>
+    </p:spTree>
+    <p:extLst>
+      <p:ext uri="{BB962C8B-B14F-4D97-AF65-F5344CB8AC3E}">
+        <p14:creationId xmlns:p14="http://schemas.microsoft.com/office/powerpoint/2010/main" val="1534720969"/>
+      </p:ext>
+    </p:extLst>
+  </p:cSld>
+  <p:clrMapOvr>
+    <a:masterClrMapping/>
+  </p:clrMapOvr>
+  <p:timing>
+    <p:tnLst>
+      <p:par>
+        <p:cTn id="1" dur="indefinite" restart="never" nodeType="tmRoot"/>
+      </p:par>
+    </p:tnLst>
+  </p:timing>
+</p:sld>
+</file>
+
+<file path=ppt/slides/slide7.xml><?xml version="1.0" encoding="utf-8"?>
+<p:sld xmlns:a="http://schemas.openxmlformats.org/drawingml/2006/main" xmlns:r="http://schemas.openxmlformats.org/officeDocument/2006/relationships" xmlns:p="http://schemas.openxmlformats.org/presentationml/2006/main">
+  <p:cSld>
+    <p:spTree>
+      <p:nvGrpSpPr>
+        <p:cNvPr id="1" name=""/>
+        <p:cNvGrpSpPr/>
+        <p:nvPr/>
+      </p:nvGrpSpPr>
+      <p:grpSpPr>
+        <a:xfrm>
+          <a:off x="0" y="0"/>
+          <a:ext cx="0" cy="0"/>
+          <a:chOff x="0" y="0"/>
+          <a:chExt cx="0" cy="0"/>
+        </a:xfrm>
+      </p:grpSpPr>
+      <p:sp>
+        <p:nvSpPr>
+          <p:cNvPr id="4" name="Title 3"/>
+          <p:cNvSpPr>
+            <a:spLocks noGrp="1"/>
+          </p:cNvSpPr>
+          <p:nvPr>
+            <p:ph type="title"/>
+          </p:nvPr>
+        </p:nvSpPr>
+        <p:spPr/>
+        <p:txBody>
+          <a:bodyPr/>
+          <a:lstStyle/>
+          <a:p>
+            <a:r>
+              <a:rPr lang="en-US" dirty="0" smtClean="0"/>
+              <a:t>Using Tables</a:t>
+            </a:r>
+            <a:endParaRPr lang="en-US" dirty="0"/>
+          </a:p>
+        </p:txBody>
+      </p:sp>
+      <p:sp>
+        <p:nvSpPr>
+          <p:cNvPr id="9" name="Content Placeholder 1"/>
+          <p:cNvSpPr>
+            <a:spLocks noGrp="1"/>
+          </p:cNvSpPr>
+          <p:nvPr>
+            <p:ph sz="half" idx="1"/>
+          </p:nvPr>
+        </p:nvSpPr>
+        <p:spPr>
+          <a:xfrm>
+            <a:off x="547161" y="1465290"/>
+            <a:ext cx="10836415" cy="2649510"/>
+          </a:xfrm>
+        </p:spPr>
+        <p:txBody>
+          <a:bodyPr>
+            <a:normAutofit/>
+          </a:bodyPr>
+          <a:lstStyle/>
+          <a:p>
+            <a:pPr marL="0" indent="0">
+              <a:buNone/>
+            </a:pPr>
+            <a:r>
+              <a:rPr lang="en-US" dirty="0" smtClean="0"/>
+              <a:t>Use online markdown table generator </a:t>
+            </a:r>
+            <a:r>
+              <a:rPr lang="en-US" dirty="0">
+                <a:hlinkClick r:id="rId2"/>
+              </a:rPr>
+              <a:t>https://</a:t>
+            </a:r>
+            <a:r>
+              <a:rPr lang="en-US" dirty="0" smtClean="0">
+                <a:hlinkClick r:id="rId2"/>
+              </a:rPr>
+              <a:t>www.tablesgenerator.com/markdown_tables</a:t>
+            </a:r>
+            <a:r>
+              <a:rPr lang="en-US" dirty="0" smtClean="0"/>
+              <a:t> </a:t>
+            </a:r>
+            <a:r>
+              <a:rPr lang="en-US" dirty="0" smtClean="0"/>
+              <a:t>to create simple Markdown tables easily.</a:t>
+            </a:r>
+          </a:p>
+          <a:p>
+            <a:pPr marL="0" indent="0">
+              <a:buNone/>
+            </a:pPr>
+            <a:endParaRPr lang="en-US" dirty="0"/>
+          </a:p>
+          <a:p>
+            <a:pPr marL="0" indent="0">
+              <a:buNone/>
+            </a:pPr>
+            <a:r>
+              <a:rPr lang="en-US" dirty="0" smtClean="0"/>
+              <a:t>For more complicated tables, it is best to use </a:t>
+            </a:r>
+            <a:r>
+              <a:rPr lang="en-US" dirty="0"/>
+              <a:t>HTML </a:t>
+            </a:r>
+            <a:r>
+              <a:rPr lang="en-US" dirty="0" smtClean="0"/>
+              <a:t>tables. </a:t>
+            </a:r>
+            <a:r>
+              <a:rPr lang="en-US" dirty="0" smtClean="0"/>
+              <a:t> </a:t>
+            </a:r>
+            <a:r>
+              <a:rPr lang="en-US" dirty="0">
+                <a:hlinkClick r:id="rId3"/>
+              </a:rPr>
+              <a:t>https://www.tablesgenerator.com/html_tables</a:t>
+            </a:r>
+            <a:r>
+              <a:rPr lang="en-US" dirty="0" smtClean="0"/>
+              <a:t> </a:t>
+            </a:r>
+            <a:endParaRPr lang="en-US" dirty="0"/>
+          </a:p>
+          <a:p>
+            <a:pPr marL="0" indent="0">
+              <a:buNone/>
+            </a:pPr>
+            <a:endParaRPr lang="en-US" dirty="0" smtClean="0">
+              <a:solidFill>
+                <a:srgbClr val="2A3643"/>
+              </a:solidFill>
+            </a:endParaRPr>
+          </a:p>
+        </p:txBody>
+      </p:sp>
+    </p:spTree>
+    <p:extLst>
+      <p:ext uri="{BB962C8B-B14F-4D97-AF65-F5344CB8AC3E}">
+        <p14:creationId xmlns:p14="http://schemas.microsoft.com/office/powerpoint/2010/main" val="4141758227"/>
+      </p:ext>
+    </p:extLst>
+  </p:cSld>
+  <p:clrMapOvr>
+    <a:masterClrMapping/>
+  </p:clrMapOvr>
+  <p:timing>
+    <p:tnLst>
+      <p:par>
+        <p:cTn id="1" dur="indefinite" restart="never" nodeType="tmRoot"/>
+      </p:par>
+    </p:tnLst>
+  </p:timing>
+</p:sld>
+</file>
+
+<file path=ppt/slides/slide8.xml><?xml version="1.0" encoding="utf-8"?>
+<p:sld xmlns:a="http://schemas.openxmlformats.org/drawingml/2006/main" xmlns:r="http://schemas.openxmlformats.org/officeDocument/2006/relationships" xmlns:p="http://schemas.openxmlformats.org/presentationml/2006/main">
+  <p:cSld>
+    <p:spTree>
+      <p:nvGrpSpPr>
+        <p:cNvPr id="1" name=""/>
+        <p:cNvGrpSpPr/>
+        <p:nvPr/>
+      </p:nvGrpSpPr>
+      <p:grpSpPr>
+        <a:xfrm>
+          <a:off x="0" y="0"/>
+          <a:ext cx="0" cy="0"/>
+          <a:chOff x="0" y="0"/>
+          <a:chExt cx="0" cy="0"/>
+        </a:xfrm>
+      </p:grpSpPr>
+      <p:sp>
+        <p:nvSpPr>
+          <p:cNvPr id="4" name="Title 3"/>
+          <p:cNvSpPr>
+            <a:spLocks noGrp="1"/>
+          </p:cNvSpPr>
+          <p:nvPr>
+            <p:ph type="title"/>
+          </p:nvPr>
+        </p:nvSpPr>
+        <p:spPr/>
+        <p:txBody>
+          <a:bodyPr/>
+          <a:lstStyle/>
+          <a:p>
+            <a:r>
+              <a:rPr lang="en-US" dirty="0" smtClean="0"/>
+              <a:t>Adding Website Link</a:t>
+            </a:r>
+            <a:endParaRPr lang="en-US" dirty="0"/>
+          </a:p>
+        </p:txBody>
+      </p:sp>
+      <p:cxnSp>
+        <p:nvCxnSpPr>
+          <p:cNvPr id="6" name="Straight Connector 5"/>
+          <p:cNvCxnSpPr/>
+          <p:nvPr/>
+        </p:nvCxnSpPr>
+        <p:spPr>
+          <a:xfrm flipH="1">
+            <a:off x="5812971" y="2188757"/>
+            <a:ext cx="26126" cy="4473300"/>
+          </a:xfrm>
+          <a:prstGeom prst="line">
+            <a:avLst/>
+          </a:prstGeom>
+          <a:ln w="38100">
+            <a:solidFill>
+              <a:srgbClr val="2A3643"/>
+            </a:solidFill>
+          </a:ln>
+        </p:spPr>
+        <p:style>
+          <a:lnRef idx="1">
+            <a:schemeClr val="accent1"/>
+          </a:lnRef>
+          <a:fillRef idx="0">
+            <a:schemeClr val="accent1"/>
+          </a:fillRef>
+          <a:effectRef idx="0">
+            <a:schemeClr val="accent1"/>
+          </a:effectRef>
+          <a:fontRef idx="minor">
+            <a:schemeClr val="tx1"/>
+          </a:fontRef>
+        </p:style>
+      </p:cxnSp>
+      <p:sp>
+        <p:nvSpPr>
+          <p:cNvPr id="18" name="Rectangle 17"/>
+          <p:cNvSpPr/>
+          <p:nvPr/>
+        </p:nvSpPr>
+        <p:spPr>
+          <a:xfrm>
+            <a:off x="611564" y="1517542"/>
+            <a:ext cx="4410892" cy="369332"/>
+          </a:xfrm>
+          <a:prstGeom prst="rect">
+            <a:avLst/>
+          </a:prstGeom>
+        </p:spPr>
+        <p:txBody>
+          <a:bodyPr wrap="square">
+            <a:spAutoFit/>
+          </a:bodyPr>
+          <a:lstStyle/>
+          <a:p>
+            <a:r>
+              <a:rPr lang="en-US" dirty="0" smtClean="0">
+                <a:solidFill>
+                  <a:srgbClr val="C00000"/>
+                </a:solidFill>
+              </a:rPr>
+              <a:t>In Markdown:</a:t>
+            </a:r>
+            <a:endParaRPr lang="en-US" dirty="0">
+              <a:solidFill>
+                <a:srgbClr val="C00000"/>
+              </a:solidFill>
+            </a:endParaRPr>
+          </a:p>
+        </p:txBody>
+      </p:sp>
+      <p:sp>
+        <p:nvSpPr>
+          <p:cNvPr id="19" name="Rectangle 18"/>
+          <p:cNvSpPr/>
+          <p:nvPr/>
+        </p:nvSpPr>
+        <p:spPr>
+          <a:xfrm>
+            <a:off x="6169614" y="1517542"/>
+            <a:ext cx="4410892" cy="369332"/>
+          </a:xfrm>
+          <a:prstGeom prst="rect">
+            <a:avLst/>
+          </a:prstGeom>
+        </p:spPr>
+        <p:txBody>
+          <a:bodyPr wrap="square">
+            <a:spAutoFit/>
+          </a:bodyPr>
+          <a:lstStyle/>
+          <a:p>
+            <a:r>
+              <a:rPr lang="en-US" dirty="0" smtClean="0">
+                <a:solidFill>
+                  <a:srgbClr val="C00000"/>
+                </a:solidFill>
+              </a:rPr>
+              <a:t>On Isomer webpage:</a:t>
+            </a:r>
+            <a:endParaRPr lang="en-US" dirty="0">
+              <a:solidFill>
+                <a:srgbClr val="C00000"/>
+              </a:solidFill>
+            </a:endParaRPr>
+          </a:p>
+        </p:txBody>
+      </p:sp>
+      <p:sp>
+        <p:nvSpPr>
+          <p:cNvPr id="15" name="Rectangle 2"/>
+          <p:cNvSpPr>
+            <a:spLocks noChangeArrowheads="1"/>
+          </p:cNvSpPr>
+          <p:nvPr/>
+        </p:nvSpPr>
+        <p:spPr bwMode="auto">
+          <a:xfrm>
+            <a:off x="611564" y="2138756"/>
+            <a:ext cx="4870890" cy="3970318"/>
+          </a:xfrm>
+          <a:prstGeom prst="rect">
+            <a:avLst/>
+          </a:prstGeom>
+          <a:noFill/>
+          <a:ln>
+            <a:noFill/>
+          </a:ln>
+          <a:effectLst/>
+          <a:extLst>
+            <a:ext uri="{909E8E84-426E-40DD-AFC4-6F175D3DCCD1}">
+              <a14:hiddenFill xmlns:a14="http://schemas.microsoft.com/office/drawing/2010/main">
+                <a:solidFill>
+                  <a:schemeClr val="accent1"/>
+                </a:solidFill>
+              </a14:hiddenFill>
+            </a:ext>
+            <a:ext uri="{91240B29-F687-4F45-9708-019B960494DF}">
+              <a14:hiddenLine xmlns:a14="http://schemas.microsoft.com/office/drawing/2010/main" w="9525">
+                <a:solidFill>
+                  <a:schemeClr val="tx1"/>
+                </a:solidFill>
+                <a:miter lim="800000"/>
+                <a:headEnd/>
+                <a:tailEnd/>
+              </a14:hiddenLine>
+            </a:ext>
+            <a:ext uri="{AF507438-7753-43E0-B8FC-AC1667EBCBE1}">
+              <a14:hiddenEffects xmlns:a14="http://schemas.microsoft.com/office/drawing/2010/main">
+                <a:effectLst>
+                  <a:outerShdw dist="35921" dir="2700000" algn="ctr" rotWithShape="0">
+                    <a:schemeClr val="bg2"/>
+                  </a:outerShdw>
+                </a:effectLst>
+              </a14:hiddenEffects>
+            </a:ext>
+          </a:extLst>
+        </p:spPr>
+        <p:txBody>
+          <a:bodyPr vert="horz" wrap="square" lIns="91440" tIns="45720" rIns="91440" bIns="45720" numCol="1" anchor="ctr" anchorCtr="0" compatLnSpc="1">
+            <a:prstTxWarp prst="textNoShape">
+              <a:avLst/>
+            </a:prstTxWarp>
+            <a:spAutoFit/>
+          </a:bodyPr>
+          <a:lstStyle/>
+          <a:p>
+            <a:r>
+              <a:rPr lang="en-US" dirty="0">
+                <a:solidFill>
+                  <a:srgbClr val="2A3643"/>
+                </a:solidFill>
+              </a:rPr>
+              <a:t>Here's how to create a [website link](http://github.com)</a:t>
+            </a:r>
+          </a:p>
+          <a:p>
+            <a:endParaRPr lang="en-US" dirty="0" smtClean="0">
+              <a:solidFill>
+                <a:srgbClr val="2A3643"/>
+              </a:solidFill>
+            </a:endParaRPr>
+          </a:p>
+          <a:p>
+            <a:r>
+              <a:rPr lang="en-US" dirty="0" smtClean="0">
+                <a:solidFill>
+                  <a:srgbClr val="2A3643"/>
+                </a:solidFill>
+              </a:rPr>
+              <a:t>*Square brackets containing website name followed by round bracket or parenthesis containing the website URL address*</a:t>
+            </a:r>
+          </a:p>
+          <a:p>
+            <a:endParaRPr lang="en-US" dirty="0">
+              <a:solidFill>
+                <a:srgbClr val="2A3643"/>
+              </a:solidFill>
+            </a:endParaRPr>
+          </a:p>
+          <a:p>
+            <a:r>
+              <a:rPr lang="en-US" dirty="0">
+                <a:solidFill>
+                  <a:srgbClr val="2A3643"/>
+                </a:solidFill>
+              </a:rPr>
+              <a:t>Here's how to create a [website link](http://github.com){:target="_blank"} that opens in a new window </a:t>
+            </a:r>
+            <a:endParaRPr lang="en-US" dirty="0" smtClean="0">
+              <a:solidFill>
+                <a:srgbClr val="2A3643"/>
+              </a:solidFill>
+            </a:endParaRPr>
+          </a:p>
+          <a:p>
+            <a:endParaRPr lang="en-US" dirty="0">
+              <a:solidFill>
+                <a:srgbClr val="2A3643"/>
+              </a:solidFill>
+            </a:endParaRPr>
+          </a:p>
+          <a:p>
+            <a:r>
+              <a:rPr lang="en-US" dirty="0" smtClean="0">
+                <a:solidFill>
+                  <a:srgbClr val="2A3643"/>
+                </a:solidFill>
+              </a:rPr>
+              <a:t>*To create a website link that opens in a new window, we add {:</a:t>
+            </a:r>
+            <a:r>
+              <a:rPr lang="en-US" dirty="0">
+                <a:solidFill>
+                  <a:srgbClr val="2A3643"/>
+                </a:solidFill>
+              </a:rPr>
+              <a:t>target="_blank</a:t>
+            </a:r>
+            <a:r>
+              <a:rPr lang="en-US" dirty="0" smtClean="0">
+                <a:solidFill>
+                  <a:srgbClr val="2A3643"/>
+                </a:solidFill>
+              </a:rPr>
+              <a:t>"} after the inline Markdown website link*</a:t>
+            </a:r>
+            <a:endParaRPr lang="en-US" dirty="0">
+              <a:solidFill>
+                <a:srgbClr val="2A3643"/>
+              </a:solidFill>
+            </a:endParaRPr>
+          </a:p>
+        </p:txBody>
+      </p:sp>
+      <p:grpSp>
+        <p:nvGrpSpPr>
+          <p:cNvPr id="7" name="Group 6"/>
+          <p:cNvGrpSpPr/>
+          <p:nvPr/>
+        </p:nvGrpSpPr>
+        <p:grpSpPr>
+          <a:xfrm>
+            <a:off x="6169614" y="2142590"/>
+            <a:ext cx="5735773" cy="3724096"/>
+            <a:chOff x="6169614" y="2142590"/>
+            <a:chExt cx="5735773" cy="3724096"/>
+          </a:xfrm>
+        </p:grpSpPr>
+        <p:sp>
+          <p:nvSpPr>
+            <p:cNvPr id="2" name="Rectangle 1"/>
+            <p:cNvSpPr/>
+            <p:nvPr/>
+          </p:nvSpPr>
+          <p:spPr>
+            <a:xfrm>
+              <a:off x="6169614" y="2142590"/>
+              <a:ext cx="5735773" cy="3724096"/>
+            </a:xfrm>
+            <a:prstGeom prst="rect">
+              <a:avLst/>
+            </a:prstGeom>
+          </p:spPr>
+          <p:txBody>
+            <a:bodyPr wrap="square">
+              <a:spAutoFit/>
+            </a:bodyPr>
+            <a:lstStyle/>
+            <a:p>
+              <a:r>
+                <a:rPr lang="en-US" dirty="0">
+                  <a:latin typeface="Arial" panose="020B0604020202020204" pitchFamily="34" charset="0"/>
+                  <a:cs typeface="Arial" panose="020B0604020202020204" pitchFamily="34" charset="0"/>
+                </a:rPr>
+                <a:t>Here's how to create a </a:t>
+              </a:r>
+              <a:r>
+                <a:rPr lang="en-US" dirty="0" smtClean="0">
+                  <a:solidFill>
+                    <a:srgbClr val="C00000"/>
+                  </a:solidFill>
+                  <a:latin typeface="Arial" panose="020B0604020202020204" pitchFamily="34" charset="0"/>
+                  <a:cs typeface="Arial" panose="020B0604020202020204" pitchFamily="34" charset="0"/>
+                </a:rPr>
+                <a:t>website link</a:t>
+              </a:r>
+            </a:p>
+            <a:p>
+              <a:endParaRPr lang="en-US" dirty="0" smtClean="0">
+                <a:latin typeface="Arial" panose="020B0604020202020204" pitchFamily="34" charset="0"/>
+                <a:cs typeface="Arial" panose="020B0604020202020204" pitchFamily="34" charset="0"/>
+              </a:endParaRPr>
+            </a:p>
+            <a:p>
+              <a:r>
+                <a:rPr lang="en-US" i="1" dirty="0" smtClean="0">
+                  <a:latin typeface="Arial" panose="020B0604020202020204" pitchFamily="34" charset="0"/>
+                  <a:cs typeface="Arial" panose="020B0604020202020204" pitchFamily="34" charset="0"/>
+                </a:rPr>
+                <a:t>Square brackets </a:t>
+              </a:r>
+              <a:r>
+                <a:rPr lang="en-US" i="1" dirty="0">
+                  <a:latin typeface="Arial" panose="020B0604020202020204" pitchFamily="34" charset="0"/>
+                  <a:cs typeface="Arial" panose="020B0604020202020204" pitchFamily="34" charset="0"/>
+                </a:rPr>
+                <a:t>containing the </a:t>
+              </a:r>
+              <a:r>
+                <a:rPr lang="en-US" i="1" dirty="0" smtClean="0">
+                  <a:latin typeface="Arial" panose="020B0604020202020204" pitchFamily="34" charset="0"/>
+                  <a:cs typeface="Arial" panose="020B0604020202020204" pitchFamily="34" charset="0"/>
+                </a:rPr>
+                <a:t>website name followed </a:t>
+              </a:r>
+              <a:r>
+                <a:rPr lang="en-US" i="1" dirty="0">
+                  <a:latin typeface="Arial" panose="020B0604020202020204" pitchFamily="34" charset="0"/>
+                  <a:cs typeface="Arial" panose="020B0604020202020204" pitchFamily="34" charset="0"/>
+                </a:rPr>
+                <a:t>by round brackets or parenthesis containing the </a:t>
+              </a:r>
+              <a:r>
+                <a:rPr lang="en-US" i="1" dirty="0" smtClean="0">
+                  <a:latin typeface="Arial" panose="020B0604020202020204" pitchFamily="34" charset="0"/>
+                  <a:cs typeface="Arial" panose="020B0604020202020204" pitchFamily="34" charset="0"/>
+                </a:rPr>
+                <a:t>website URL address</a:t>
+              </a:r>
+              <a:endParaRPr lang="en-US" i="1" dirty="0">
+                <a:latin typeface="Arial" panose="020B0604020202020204" pitchFamily="34" charset="0"/>
+                <a:cs typeface="Arial" panose="020B0604020202020204" pitchFamily="34" charset="0"/>
+              </a:endParaRPr>
+            </a:p>
+            <a:p>
+              <a:endParaRPr lang="en-US" dirty="0">
+                <a:latin typeface="Arial" panose="020B0604020202020204" pitchFamily="34" charset="0"/>
+                <a:cs typeface="Arial" panose="020B0604020202020204" pitchFamily="34" charset="0"/>
+              </a:endParaRPr>
+            </a:p>
+            <a:p>
+              <a:r>
+                <a:rPr lang="en-US" dirty="0">
+                  <a:latin typeface="Arial" panose="020B0604020202020204" pitchFamily="34" charset="0"/>
+                  <a:cs typeface="Arial" panose="020B0604020202020204" pitchFamily="34" charset="0"/>
+                </a:rPr>
+                <a:t>Here's how to create a </a:t>
+              </a:r>
+              <a:r>
+                <a:rPr lang="en-US" dirty="0" smtClean="0">
+                  <a:latin typeface="Arial" panose="020B0604020202020204" pitchFamily="34" charset="0"/>
+                  <a:cs typeface="Arial" panose="020B0604020202020204" pitchFamily="34" charset="0"/>
+                  <a:hlinkClick r:id="rId2"/>
+                </a:rPr>
+                <a:t>website link</a:t>
+              </a:r>
+              <a:r>
+                <a:rPr lang="en-US" dirty="0" smtClean="0">
+                  <a:latin typeface="Arial" panose="020B0604020202020204" pitchFamily="34" charset="0"/>
+                  <a:cs typeface="Arial" panose="020B0604020202020204" pitchFamily="34" charset="0"/>
+                </a:rPr>
+                <a:t>       that </a:t>
+              </a:r>
+              <a:r>
+                <a:rPr lang="en-US" dirty="0">
+                  <a:latin typeface="Arial" panose="020B0604020202020204" pitchFamily="34" charset="0"/>
+                  <a:cs typeface="Arial" panose="020B0604020202020204" pitchFamily="34" charset="0"/>
+                </a:rPr>
+                <a:t>opens in a new </a:t>
+              </a:r>
+              <a:r>
+                <a:rPr lang="en-US" dirty="0" smtClean="0">
+                  <a:latin typeface="Arial" panose="020B0604020202020204" pitchFamily="34" charset="0"/>
+                  <a:cs typeface="Arial" panose="020B0604020202020204" pitchFamily="34" charset="0"/>
+                </a:rPr>
+                <a:t>window</a:t>
+              </a:r>
+            </a:p>
+            <a:p>
+              <a:endParaRPr lang="en-US" dirty="0">
+                <a:latin typeface="Arial" panose="020B0604020202020204" pitchFamily="34" charset="0"/>
+                <a:cs typeface="Arial" panose="020B0604020202020204" pitchFamily="34" charset="0"/>
+              </a:endParaRPr>
+            </a:p>
+            <a:p>
+              <a:r>
+                <a:rPr lang="en-US" i="1" dirty="0">
+                  <a:solidFill>
+                    <a:srgbClr val="2A3643"/>
+                  </a:solidFill>
+                  <a:latin typeface="Arial" panose="020B0604020202020204" pitchFamily="34" charset="0"/>
+                  <a:cs typeface="Arial" panose="020B0604020202020204" pitchFamily="34" charset="0"/>
+                </a:rPr>
+                <a:t>To create a website link that opens in a new window, we add {:target="_blank"} after the inline Markdown website link</a:t>
+              </a:r>
+            </a:p>
+            <a:p>
+              <a:endParaRPr lang="en-US" sz="2000" dirty="0">
+                <a:latin typeface="Arial" panose="020B0604020202020204" pitchFamily="34" charset="0"/>
+                <a:cs typeface="Arial" panose="020B0604020202020204" pitchFamily="34" charset="0"/>
+              </a:endParaRPr>
+            </a:p>
+          </p:txBody>
+        </p:sp>
+        <p:pic>
+          <p:nvPicPr>
+            <p:cNvPr id="5" name="Picture 4"/>
+            <p:cNvPicPr>
+              <a:picLocks noChangeAspect="1"/>
+            </p:cNvPicPr>
+            <p:nvPr/>
+          </p:nvPicPr>
+          <p:blipFill>
+            <a:blip r:embed="rId3"/>
+            <a:stretch>
+              <a:fillRect/>
+            </a:stretch>
+          </p:blipFill>
+          <p:spPr>
+            <a:xfrm>
+              <a:off x="8584609" y="3775165"/>
+              <a:ext cx="1589222" cy="322624"/>
+            </a:xfrm>
+            <a:prstGeom prst="rect">
+              <a:avLst/>
+            </a:prstGeom>
+          </p:spPr>
+        </p:pic>
+      </p:grpSp>
+    </p:spTree>
+    <p:extLst>
+      <p:ext uri="{BB962C8B-B14F-4D97-AF65-F5344CB8AC3E}">
+        <p14:creationId xmlns:p14="http://schemas.microsoft.com/office/powerpoint/2010/main" val="3392955695"/>
+      </p:ext>
+    </p:extLst>
+  </p:cSld>
+  <p:clrMapOvr>
+    <a:masterClrMapping/>
+  </p:clrMapOvr>
+  <p:timing>
+    <p:tnLst>
+      <p:par>
+        <p:cTn id="1" dur="indefinite" restart="never" nodeType="tmRoot"/>
+      </p:par>
+    </p:tnLst>
+  </p:timing>
+</p:sld>
+</file>
+
+<file path=ppt/slides/slide9.xml><?xml version="1.0" encoding="utf-8"?>
+<p:sld xmlns:a="http://schemas.openxmlformats.org/drawingml/2006/main" xmlns:r="http://schemas.openxmlformats.org/officeDocument/2006/relationships" xmlns:p="http://schemas.openxmlformats.org/presentationml/2006/main">
+  <p:cSld>
+    <p:spTree>
+      <p:nvGrpSpPr>
+        <p:cNvPr id="1" name=""/>
+        <p:cNvGrpSpPr/>
+        <p:nvPr/>
+      </p:nvGrpSpPr>
+      <p:grpSpPr>
+        <a:xfrm>
+          <a:off x="0" y="0"/>
+          <a:ext cx="0" cy="0"/>
+          <a:chOff x="0" y="0"/>
+          <a:chExt cx="0" cy="0"/>
+        </a:xfrm>
+      </p:grpSpPr>
+      <p:sp>
+        <p:nvSpPr>
+          <p:cNvPr id="4" name="Title 3"/>
+          <p:cNvSpPr>
+            <a:spLocks noGrp="1"/>
+          </p:cNvSpPr>
+          <p:nvPr>
+            <p:ph type="title"/>
+          </p:nvPr>
+        </p:nvSpPr>
+        <p:spPr/>
+        <p:txBody>
+          <a:bodyPr/>
+          <a:lstStyle/>
+          <a:p>
+            <a:r>
+              <a:rPr lang="en-US" dirty="0"/>
+              <a:t>Adding word, pdf, excel etc. document link</a:t>
+            </a:r>
+            <a:endParaRPr lang="en-US" dirty="0"/>
+          </a:p>
+        </p:txBody>
+      </p:sp>
+      <p:sp>
+        <p:nvSpPr>
+          <p:cNvPr id="9" name="Content Placeholder 1"/>
+          <p:cNvSpPr>
+            <a:spLocks noGrp="1"/>
+          </p:cNvSpPr>
+          <p:nvPr>
+            <p:ph sz="half" idx="1"/>
+          </p:nvPr>
+        </p:nvSpPr>
+        <p:spPr>
+          <a:xfrm>
+            <a:off x="547161" y="1465289"/>
+            <a:ext cx="10836415" cy="5105327"/>
+          </a:xfrm>
+        </p:spPr>
+        <p:txBody>
+          <a:bodyPr>
+            <a:normAutofit fontScale="32500" lnSpcReduction="20000"/>
+          </a:bodyPr>
+          <a:lstStyle/>
+          <a:p>
+            <a:pPr marL="0" indent="0">
+              <a:lnSpc>
+                <a:spcPct val="120000"/>
+              </a:lnSpc>
+              <a:buNone/>
+            </a:pPr>
+            <a:r>
+              <a:rPr lang="en-US" sz="7200" dirty="0" smtClean="0"/>
+              <a:t>Documents must be first uploaded to the files folder in the SAC Github Repository</a:t>
+            </a:r>
+            <a:endParaRPr lang="en-US" sz="7200" dirty="0"/>
+          </a:p>
+          <a:p>
+            <a:pPr marL="0" indent="0">
+              <a:lnSpc>
+                <a:spcPct val="120000"/>
+              </a:lnSpc>
+              <a:buNone/>
+            </a:pPr>
+            <a:endParaRPr lang="en-US" sz="7200" dirty="0" smtClean="0">
+              <a:solidFill>
+                <a:srgbClr val="2A3643"/>
+              </a:solidFill>
+            </a:endParaRPr>
+          </a:p>
+          <a:p>
+            <a:pPr marL="457200" indent="-457200">
+              <a:lnSpc>
+                <a:spcPct val="120000"/>
+              </a:lnSpc>
+              <a:buFont typeface="+mj-lt"/>
+              <a:buAutoNum type="arabicPeriod"/>
+            </a:pPr>
+            <a:r>
+              <a:rPr lang="en-US" sz="7200" dirty="0" smtClean="0"/>
+              <a:t>Select </a:t>
+            </a:r>
+            <a:r>
+              <a:rPr lang="en-US" sz="7200" dirty="0"/>
+              <a:t>your "Staging" </a:t>
+            </a:r>
+            <a:r>
+              <a:rPr lang="en-US" sz="7200" dirty="0" smtClean="0"/>
+              <a:t>Branch</a:t>
+            </a:r>
+          </a:p>
+          <a:p>
+            <a:pPr marL="457200" indent="-457200">
+              <a:lnSpc>
+                <a:spcPct val="120000"/>
+              </a:lnSpc>
+              <a:buFont typeface="+mj-lt"/>
+              <a:buAutoNum type="arabicPeriod"/>
+            </a:pPr>
+            <a:r>
+              <a:rPr lang="en-US" sz="7200" dirty="0" smtClean="0"/>
+              <a:t>Go </a:t>
+            </a:r>
+            <a:r>
+              <a:rPr lang="en-US" sz="7200" dirty="0"/>
+              <a:t>to the "files" folder and then select the folder that you wish to add or delete a </a:t>
+            </a:r>
+            <a:r>
+              <a:rPr lang="en-US" sz="7200" dirty="0" smtClean="0"/>
+              <a:t>file.</a:t>
+            </a:r>
+          </a:p>
+          <a:p>
+            <a:pPr marL="457200" indent="-457200">
+              <a:lnSpc>
+                <a:spcPct val="120000"/>
+              </a:lnSpc>
+              <a:buFont typeface="+mj-lt"/>
+              <a:buAutoNum type="arabicPeriod"/>
+            </a:pPr>
+            <a:r>
+              <a:rPr lang="en-US" sz="7200" dirty="0" smtClean="0"/>
+              <a:t>Click </a:t>
+            </a:r>
+            <a:r>
+              <a:rPr lang="en-US" sz="7200" dirty="0"/>
+              <a:t>on "Upload files" button</a:t>
+            </a:r>
+            <a:r>
+              <a:rPr lang="en-US" sz="7200" dirty="0" smtClean="0"/>
+              <a:t>.</a:t>
+            </a:r>
+          </a:p>
+          <a:p>
+            <a:pPr marL="457200" indent="-457200">
+              <a:lnSpc>
+                <a:spcPct val="120000"/>
+              </a:lnSpc>
+              <a:buFont typeface="+mj-lt"/>
+              <a:buAutoNum type="arabicPeriod"/>
+            </a:pPr>
+            <a:r>
+              <a:rPr lang="en-US" sz="7200" dirty="0" smtClean="0"/>
+              <a:t>Choose </a:t>
+            </a:r>
+            <a:r>
+              <a:rPr lang="en-US" sz="7200" dirty="0"/>
+              <a:t>your file. It can be of pdf, doc, </a:t>
+            </a:r>
+            <a:r>
+              <a:rPr lang="en-US" sz="7200" dirty="0" smtClean="0"/>
+              <a:t>excel. </a:t>
+            </a:r>
+            <a:r>
+              <a:rPr lang="en-US" sz="7200" dirty="0"/>
+              <a:t>Remember to replace the space in </a:t>
+            </a:r>
+            <a:r>
+              <a:rPr lang="en-US" sz="7200" dirty="0" smtClean="0"/>
+              <a:t>the</a:t>
+            </a:r>
+            <a:r>
+              <a:rPr lang="en-US" sz="7200" dirty="0"/>
+              <a:t> </a:t>
+            </a:r>
+            <a:r>
+              <a:rPr lang="en-US" sz="7200" dirty="0" smtClean="0"/>
+              <a:t>filename </a:t>
+            </a:r>
+            <a:r>
+              <a:rPr lang="en-US" sz="7200" dirty="0"/>
+              <a:t>with dash (-) for better readability</a:t>
+            </a:r>
+            <a:r>
+              <a:rPr lang="en-US" sz="7200" dirty="0" smtClean="0"/>
+              <a:t>.</a:t>
+            </a:r>
+          </a:p>
+          <a:p>
+            <a:pPr marL="457200" indent="-457200">
+              <a:lnSpc>
+                <a:spcPct val="120000"/>
+              </a:lnSpc>
+              <a:buFont typeface="+mj-lt"/>
+              <a:buAutoNum type="arabicPeriod"/>
+            </a:pPr>
+            <a:r>
+              <a:rPr lang="en-US" sz="7200" dirty="0" smtClean="0"/>
+              <a:t>Click on “Commit Changes” button.</a:t>
+            </a:r>
+          </a:p>
+          <a:p>
+            <a:pPr marL="457200" indent="-457200">
+              <a:lnSpc>
+                <a:spcPct val="120000"/>
+              </a:lnSpc>
+              <a:buFont typeface="+mj-lt"/>
+              <a:buAutoNum type="arabicPeriod"/>
+            </a:pPr>
+            <a:r>
+              <a:rPr lang="en-US" sz="7200" dirty="0" smtClean="0"/>
+              <a:t>Add the file download link in your webpage.</a:t>
+            </a:r>
+          </a:p>
+          <a:p>
+            <a:pPr marL="0" indent="0">
+              <a:buNone/>
+            </a:pPr>
+            <a:endParaRPr lang="en-US" dirty="0" smtClean="0">
+              <a:solidFill>
+                <a:srgbClr val="2A3643"/>
+              </a:solidFill>
+            </a:endParaRPr>
+          </a:p>
+        </p:txBody>
+      </p:sp>
+    </p:spTree>
+    <p:extLst>
+      <p:ext uri="{BB962C8B-B14F-4D97-AF65-F5344CB8AC3E}">
+        <p14:creationId xmlns:p14="http://schemas.microsoft.com/office/powerpoint/2010/main" val="1791133549"/>
       </p:ext>
     </p:extLst>
   </p:cSld>
